--- a/presentations/session_2/IOT Power Considerations.pptx
+++ b/presentations/session_2/IOT Power Considerations.pptx
@@ -22,92 +22,122 @@
     <a:defPPr>
       <a:defRPr lang="en-US"/>
     </a:defPPr>
-    <a:lvl1pPr marL="0" algn="l" defTabSz="914400" rtl="0" eaLnBrk="1" latinLnBrk="0" hangingPunct="1">
-      <a:defRPr sz="1800" kern="1200">
+    <a:lvl1pPr algn="l" rtl="0" eaLnBrk="0" fontAlgn="base" hangingPunct="0">
+      <a:spcBef>
+        <a:spcPct val="0"/>
+      </a:spcBef>
+      <a:spcAft>
+        <a:spcPct val="0"/>
+      </a:spcAft>
+      <a:defRPr kern="1200">
         <a:solidFill>
           <a:schemeClr val="tx1"/>
         </a:solidFill>
-        <a:latin typeface="+mn-lt"/>
+        <a:latin typeface="Calibri" panose="020F0502020204030204" pitchFamily="34" charset="0"/>
         <a:ea typeface="+mn-ea"/>
         <a:cs typeface="+mn-cs"/>
       </a:defRPr>
     </a:lvl1pPr>
-    <a:lvl2pPr marL="457200" algn="l" defTabSz="914400" rtl="0" eaLnBrk="1" latinLnBrk="0" hangingPunct="1">
-      <a:defRPr sz="1800" kern="1200">
+    <a:lvl2pPr marL="457200" algn="l" rtl="0" eaLnBrk="0" fontAlgn="base" hangingPunct="0">
+      <a:spcBef>
+        <a:spcPct val="0"/>
+      </a:spcBef>
+      <a:spcAft>
+        <a:spcPct val="0"/>
+      </a:spcAft>
+      <a:defRPr kern="1200">
         <a:solidFill>
           <a:schemeClr val="tx1"/>
         </a:solidFill>
-        <a:latin typeface="+mn-lt"/>
+        <a:latin typeface="Calibri" panose="020F0502020204030204" pitchFamily="34" charset="0"/>
         <a:ea typeface="+mn-ea"/>
         <a:cs typeface="+mn-cs"/>
       </a:defRPr>
     </a:lvl2pPr>
-    <a:lvl3pPr marL="914400" algn="l" defTabSz="914400" rtl="0" eaLnBrk="1" latinLnBrk="0" hangingPunct="1">
-      <a:defRPr sz="1800" kern="1200">
+    <a:lvl3pPr marL="914400" algn="l" rtl="0" eaLnBrk="0" fontAlgn="base" hangingPunct="0">
+      <a:spcBef>
+        <a:spcPct val="0"/>
+      </a:spcBef>
+      <a:spcAft>
+        <a:spcPct val="0"/>
+      </a:spcAft>
+      <a:defRPr kern="1200">
         <a:solidFill>
           <a:schemeClr val="tx1"/>
         </a:solidFill>
-        <a:latin typeface="+mn-lt"/>
+        <a:latin typeface="Calibri" panose="020F0502020204030204" pitchFamily="34" charset="0"/>
         <a:ea typeface="+mn-ea"/>
         <a:cs typeface="+mn-cs"/>
       </a:defRPr>
     </a:lvl3pPr>
-    <a:lvl4pPr marL="1371600" algn="l" defTabSz="914400" rtl="0" eaLnBrk="1" latinLnBrk="0" hangingPunct="1">
-      <a:defRPr sz="1800" kern="1200">
+    <a:lvl4pPr marL="1371600" algn="l" rtl="0" eaLnBrk="0" fontAlgn="base" hangingPunct="0">
+      <a:spcBef>
+        <a:spcPct val="0"/>
+      </a:spcBef>
+      <a:spcAft>
+        <a:spcPct val="0"/>
+      </a:spcAft>
+      <a:defRPr kern="1200">
         <a:solidFill>
           <a:schemeClr val="tx1"/>
         </a:solidFill>
-        <a:latin typeface="+mn-lt"/>
+        <a:latin typeface="Calibri" panose="020F0502020204030204" pitchFamily="34" charset="0"/>
         <a:ea typeface="+mn-ea"/>
         <a:cs typeface="+mn-cs"/>
       </a:defRPr>
     </a:lvl4pPr>
-    <a:lvl5pPr marL="1828800" algn="l" defTabSz="914400" rtl="0" eaLnBrk="1" latinLnBrk="0" hangingPunct="1">
-      <a:defRPr sz="1800" kern="1200">
+    <a:lvl5pPr marL="1828800" algn="l" rtl="0" eaLnBrk="0" fontAlgn="base" hangingPunct="0">
+      <a:spcBef>
+        <a:spcPct val="0"/>
+      </a:spcBef>
+      <a:spcAft>
+        <a:spcPct val="0"/>
+      </a:spcAft>
+      <a:defRPr kern="1200">
         <a:solidFill>
           <a:schemeClr val="tx1"/>
         </a:solidFill>
-        <a:latin typeface="+mn-lt"/>
+        <a:latin typeface="Calibri" panose="020F0502020204030204" pitchFamily="34" charset="0"/>
         <a:ea typeface="+mn-ea"/>
         <a:cs typeface="+mn-cs"/>
       </a:defRPr>
     </a:lvl5pPr>
     <a:lvl6pPr marL="2286000" algn="l" defTabSz="914400" rtl="0" eaLnBrk="1" latinLnBrk="0" hangingPunct="1">
-      <a:defRPr sz="1800" kern="1200">
+      <a:defRPr kern="1200">
         <a:solidFill>
           <a:schemeClr val="tx1"/>
         </a:solidFill>
-        <a:latin typeface="+mn-lt"/>
+        <a:latin typeface="Calibri" panose="020F0502020204030204" pitchFamily="34" charset="0"/>
         <a:ea typeface="+mn-ea"/>
         <a:cs typeface="+mn-cs"/>
       </a:defRPr>
     </a:lvl6pPr>
     <a:lvl7pPr marL="2743200" algn="l" defTabSz="914400" rtl="0" eaLnBrk="1" latinLnBrk="0" hangingPunct="1">
-      <a:defRPr sz="1800" kern="1200">
+      <a:defRPr kern="1200">
         <a:solidFill>
           <a:schemeClr val="tx1"/>
         </a:solidFill>
-        <a:latin typeface="+mn-lt"/>
+        <a:latin typeface="Calibri" panose="020F0502020204030204" pitchFamily="34" charset="0"/>
         <a:ea typeface="+mn-ea"/>
         <a:cs typeface="+mn-cs"/>
       </a:defRPr>
     </a:lvl7pPr>
     <a:lvl8pPr marL="3200400" algn="l" defTabSz="914400" rtl="0" eaLnBrk="1" latinLnBrk="0" hangingPunct="1">
-      <a:defRPr sz="1800" kern="1200">
+      <a:defRPr kern="1200">
         <a:solidFill>
           <a:schemeClr val="tx1"/>
         </a:solidFill>
-        <a:latin typeface="+mn-lt"/>
+        <a:latin typeface="Calibri" panose="020F0502020204030204" pitchFamily="34" charset="0"/>
         <a:ea typeface="+mn-ea"/>
         <a:cs typeface="+mn-cs"/>
       </a:defRPr>
     </a:lvl8pPr>
     <a:lvl9pPr marL="3657600" algn="l" defTabSz="914400" rtl="0" eaLnBrk="1" latinLnBrk="0" hangingPunct="1">
-      <a:defRPr sz="1800" kern="1200">
+      <a:defRPr kern="1200">
         <a:solidFill>
           <a:schemeClr val="tx1"/>
         </a:solidFill>
-        <a:latin typeface="+mn-lt"/>
+        <a:latin typeface="Calibri" panose="020F0502020204030204" pitchFamily="34" charset="0"/>
         <a:ea typeface="+mn-ea"/>
         <a:cs typeface="+mn-cs"/>
       </a:defRPr>
@@ -245,7 +275,7 @@
           <p:cNvPr id="4" name="Date Placeholder 3">
             <a:extLst>
               <a:ext uri="{FF2B5EF4-FFF2-40B4-BE49-F238E27FC236}">
-                <a16:creationId xmlns:a16="http://schemas.microsoft.com/office/drawing/2014/main" id="{1364340A-9FB9-4C5D-BB99-F1AEF9312C9B}"/>
+                <a16:creationId xmlns:a16="http://schemas.microsoft.com/office/drawing/2014/main" id="{D852B9AA-BD69-4FF3-A120-08BDBFA3E428}"/>
               </a:ext>
             </a:extLst>
           </p:cNvPr>
@@ -259,11 +289,21 @@
         <p:spPr/>
         <p:txBody>
           <a:bodyPr/>
-          <a:lstStyle/>
-          <a:p>
-            <a:fld id="{F7B960A8-E87F-44EA-B351-50426EF2D9EE}" type="datetimeFigureOut">
-              <a:rPr lang="en-US" smtClean="0"/>
-              <a:t>2/12/2018</a:t>
+          <a:lstStyle>
+            <a:lvl1pPr>
+              <a:defRPr/>
+            </a:lvl1pPr>
+          </a:lstStyle>
+          <a:p>
+            <a:pPr>
+              <a:defRPr/>
+            </a:pPr>
+            <a:fld id="{6C1FDAF9-2883-4F79-88AE-CDDE70563F70}" type="datetimeFigureOut">
+              <a:rPr lang="en-US"/>
+              <a:pPr>
+                <a:defRPr/>
+              </a:pPr>
+              <a:t>2/13/2018</a:t>
             </a:fld>
             <a:endParaRPr lang="en-US"/>
           </a:p>
@@ -274,7 +314,7 @@
           <p:cNvPr id="5" name="Footer Placeholder 4">
             <a:extLst>
               <a:ext uri="{FF2B5EF4-FFF2-40B4-BE49-F238E27FC236}">
-                <a16:creationId xmlns:a16="http://schemas.microsoft.com/office/drawing/2014/main" id="{626A041A-2A99-485D-B670-027DF1101F6F}"/>
+                <a16:creationId xmlns:a16="http://schemas.microsoft.com/office/drawing/2014/main" id="{7F1C49B6-B543-4572-9BD2-8509CADD7141}"/>
               </a:ext>
             </a:extLst>
           </p:cNvPr>
@@ -288,8 +328,15 @@
         <p:spPr/>
         <p:txBody>
           <a:bodyPr/>
-          <a:lstStyle/>
-          <a:p>
+          <a:lstStyle>
+            <a:lvl1pPr>
+              <a:defRPr/>
+            </a:lvl1pPr>
+          </a:lstStyle>
+          <a:p>
+            <a:pPr>
+              <a:defRPr/>
+            </a:pPr>
             <a:endParaRPr lang="en-US"/>
           </a:p>
         </p:txBody>
@@ -299,7 +346,7 @@
           <p:cNvPr id="6" name="Slide Number Placeholder 5">
             <a:extLst>
               <a:ext uri="{FF2B5EF4-FFF2-40B4-BE49-F238E27FC236}">
-                <a16:creationId xmlns:a16="http://schemas.microsoft.com/office/drawing/2014/main" id="{D3FABFC5-23B0-48E4-BD6D-70D38B58AD67}"/>
+                <a16:creationId xmlns:a16="http://schemas.microsoft.com/office/drawing/2014/main" id="{E9AF0C77-8690-425A-A959-C270DEAD66ED}"/>
               </a:ext>
             </a:extLst>
           </p:cNvPr>
@@ -313,10 +360,20 @@
         <p:spPr/>
         <p:txBody>
           <a:bodyPr/>
-          <a:lstStyle/>
-          <a:p>
-            <a:fld id="{6AE0302C-4710-4C69-A2CD-B9F4183A599C}" type="slidenum">
-              <a:rPr lang="en-US" smtClean="0"/>
+          <a:lstStyle>
+            <a:lvl1pPr>
+              <a:defRPr/>
+            </a:lvl1pPr>
+          </a:lstStyle>
+          <a:p>
+            <a:pPr>
+              <a:defRPr/>
+            </a:pPr>
+            <a:fld id="{697764AF-C2AC-4F5B-B4E2-8B3BDD468ED4}" type="slidenum">
+              <a:rPr lang="en-US"/>
+              <a:pPr>
+                <a:defRPr/>
+              </a:pPr>
               <a:t>‹#›</a:t>
             </a:fld>
             <a:endParaRPr lang="en-US"/>
@@ -326,7 +383,7 @@
     </p:spTree>
     <p:extLst>
       <p:ext uri="{BB962C8B-B14F-4D97-AF65-F5344CB8AC3E}">
-        <p14:creationId xmlns:p14="http://schemas.microsoft.com/office/powerpoint/2010/main" val="2251995305"/>
+        <p14:creationId xmlns:p14="http://schemas.microsoft.com/office/powerpoint/2010/main" val="3473168718"/>
       </p:ext>
     </p:extLst>
   </p:cSld>
@@ -443,7 +500,7 @@
           <p:cNvPr id="4" name="Date Placeholder 3">
             <a:extLst>
               <a:ext uri="{FF2B5EF4-FFF2-40B4-BE49-F238E27FC236}">
-                <a16:creationId xmlns:a16="http://schemas.microsoft.com/office/drawing/2014/main" id="{C59E01E6-A425-4A56-97FB-37EA2BFB5D6D}"/>
+                <a16:creationId xmlns:a16="http://schemas.microsoft.com/office/drawing/2014/main" id="{44A48842-3709-4A94-873F-386DAD6FBB4A}"/>
               </a:ext>
             </a:extLst>
           </p:cNvPr>
@@ -457,11 +514,21 @@
         <p:spPr/>
         <p:txBody>
           <a:bodyPr/>
-          <a:lstStyle/>
-          <a:p>
-            <a:fld id="{F7B960A8-E87F-44EA-B351-50426EF2D9EE}" type="datetimeFigureOut">
-              <a:rPr lang="en-US" smtClean="0"/>
-              <a:t>2/12/2018</a:t>
+          <a:lstStyle>
+            <a:lvl1pPr>
+              <a:defRPr/>
+            </a:lvl1pPr>
+          </a:lstStyle>
+          <a:p>
+            <a:pPr>
+              <a:defRPr/>
+            </a:pPr>
+            <a:fld id="{C62E2A0D-B7C4-4240-BA95-4DFD9CB93FA1}" type="datetimeFigureOut">
+              <a:rPr lang="en-US"/>
+              <a:pPr>
+                <a:defRPr/>
+              </a:pPr>
+              <a:t>2/13/2018</a:t>
             </a:fld>
             <a:endParaRPr lang="en-US"/>
           </a:p>
@@ -472,7 +539,7 @@
           <p:cNvPr id="5" name="Footer Placeholder 4">
             <a:extLst>
               <a:ext uri="{FF2B5EF4-FFF2-40B4-BE49-F238E27FC236}">
-                <a16:creationId xmlns:a16="http://schemas.microsoft.com/office/drawing/2014/main" id="{CE2341EB-BBE8-4281-B153-14AE2591E422}"/>
+                <a16:creationId xmlns:a16="http://schemas.microsoft.com/office/drawing/2014/main" id="{C19EA532-1146-452A-9140-E5EFEE148130}"/>
               </a:ext>
             </a:extLst>
           </p:cNvPr>
@@ -486,8 +553,15 @@
         <p:spPr/>
         <p:txBody>
           <a:bodyPr/>
-          <a:lstStyle/>
-          <a:p>
+          <a:lstStyle>
+            <a:lvl1pPr>
+              <a:defRPr/>
+            </a:lvl1pPr>
+          </a:lstStyle>
+          <a:p>
+            <a:pPr>
+              <a:defRPr/>
+            </a:pPr>
             <a:endParaRPr lang="en-US"/>
           </a:p>
         </p:txBody>
@@ -497,7 +571,7 @@
           <p:cNvPr id="6" name="Slide Number Placeholder 5">
             <a:extLst>
               <a:ext uri="{FF2B5EF4-FFF2-40B4-BE49-F238E27FC236}">
-                <a16:creationId xmlns:a16="http://schemas.microsoft.com/office/drawing/2014/main" id="{2F4E7BBD-A7BD-4CA7-AC91-EA290D1FE5C4}"/>
+                <a16:creationId xmlns:a16="http://schemas.microsoft.com/office/drawing/2014/main" id="{41847BEF-39EE-440B-B656-E8546A71EFAE}"/>
               </a:ext>
             </a:extLst>
           </p:cNvPr>
@@ -511,10 +585,20 @@
         <p:spPr/>
         <p:txBody>
           <a:bodyPr/>
-          <a:lstStyle/>
-          <a:p>
-            <a:fld id="{6AE0302C-4710-4C69-A2CD-B9F4183A599C}" type="slidenum">
-              <a:rPr lang="en-US" smtClean="0"/>
+          <a:lstStyle>
+            <a:lvl1pPr>
+              <a:defRPr/>
+            </a:lvl1pPr>
+          </a:lstStyle>
+          <a:p>
+            <a:pPr>
+              <a:defRPr/>
+            </a:pPr>
+            <a:fld id="{F1E3AADC-EB38-4EA8-BAB6-302B2E1B1505}" type="slidenum">
+              <a:rPr lang="en-US"/>
+              <a:pPr>
+                <a:defRPr/>
+              </a:pPr>
               <a:t>‹#›</a:t>
             </a:fld>
             <a:endParaRPr lang="en-US"/>
@@ -524,7 +608,7 @@
     </p:spTree>
     <p:extLst>
       <p:ext uri="{BB962C8B-B14F-4D97-AF65-F5344CB8AC3E}">
-        <p14:creationId xmlns:p14="http://schemas.microsoft.com/office/powerpoint/2010/main" val="3677676183"/>
+        <p14:creationId xmlns:p14="http://schemas.microsoft.com/office/powerpoint/2010/main" val="1884587633"/>
       </p:ext>
     </p:extLst>
   </p:cSld>
@@ -651,7 +735,7 @@
           <p:cNvPr id="4" name="Date Placeholder 3">
             <a:extLst>
               <a:ext uri="{FF2B5EF4-FFF2-40B4-BE49-F238E27FC236}">
-                <a16:creationId xmlns:a16="http://schemas.microsoft.com/office/drawing/2014/main" id="{CFFB7C06-E6A6-4303-9793-985763170E3F}"/>
+                <a16:creationId xmlns:a16="http://schemas.microsoft.com/office/drawing/2014/main" id="{A58D2447-0537-44DD-8CA4-41B1B3918784}"/>
               </a:ext>
             </a:extLst>
           </p:cNvPr>
@@ -665,11 +749,21 @@
         <p:spPr/>
         <p:txBody>
           <a:bodyPr/>
-          <a:lstStyle/>
-          <a:p>
-            <a:fld id="{F7B960A8-E87F-44EA-B351-50426EF2D9EE}" type="datetimeFigureOut">
-              <a:rPr lang="en-US" smtClean="0"/>
-              <a:t>2/12/2018</a:t>
+          <a:lstStyle>
+            <a:lvl1pPr>
+              <a:defRPr/>
+            </a:lvl1pPr>
+          </a:lstStyle>
+          <a:p>
+            <a:pPr>
+              <a:defRPr/>
+            </a:pPr>
+            <a:fld id="{41DAEB3C-F04E-47CF-92D4-33E8A66A0FA1}" type="datetimeFigureOut">
+              <a:rPr lang="en-US"/>
+              <a:pPr>
+                <a:defRPr/>
+              </a:pPr>
+              <a:t>2/13/2018</a:t>
             </a:fld>
             <a:endParaRPr lang="en-US"/>
           </a:p>
@@ -680,7 +774,7 @@
           <p:cNvPr id="5" name="Footer Placeholder 4">
             <a:extLst>
               <a:ext uri="{FF2B5EF4-FFF2-40B4-BE49-F238E27FC236}">
-                <a16:creationId xmlns:a16="http://schemas.microsoft.com/office/drawing/2014/main" id="{1830E994-788C-4D88-B874-2212288DC031}"/>
+                <a16:creationId xmlns:a16="http://schemas.microsoft.com/office/drawing/2014/main" id="{E8469366-AD08-4E00-B94A-A14BCADA9683}"/>
               </a:ext>
             </a:extLst>
           </p:cNvPr>
@@ -694,8 +788,15 @@
         <p:spPr/>
         <p:txBody>
           <a:bodyPr/>
-          <a:lstStyle/>
-          <a:p>
+          <a:lstStyle>
+            <a:lvl1pPr>
+              <a:defRPr/>
+            </a:lvl1pPr>
+          </a:lstStyle>
+          <a:p>
+            <a:pPr>
+              <a:defRPr/>
+            </a:pPr>
             <a:endParaRPr lang="en-US"/>
           </a:p>
         </p:txBody>
@@ -705,7 +806,7 @@
           <p:cNvPr id="6" name="Slide Number Placeholder 5">
             <a:extLst>
               <a:ext uri="{FF2B5EF4-FFF2-40B4-BE49-F238E27FC236}">
-                <a16:creationId xmlns:a16="http://schemas.microsoft.com/office/drawing/2014/main" id="{AB3BE59F-A19B-41F1-869C-E8787EFD6810}"/>
+                <a16:creationId xmlns:a16="http://schemas.microsoft.com/office/drawing/2014/main" id="{E89BD4F1-6111-4675-BFB5-1FC020BB06DA}"/>
               </a:ext>
             </a:extLst>
           </p:cNvPr>
@@ -719,10 +820,20 @@
         <p:spPr/>
         <p:txBody>
           <a:bodyPr/>
-          <a:lstStyle/>
-          <a:p>
-            <a:fld id="{6AE0302C-4710-4C69-A2CD-B9F4183A599C}" type="slidenum">
-              <a:rPr lang="en-US" smtClean="0"/>
+          <a:lstStyle>
+            <a:lvl1pPr>
+              <a:defRPr/>
+            </a:lvl1pPr>
+          </a:lstStyle>
+          <a:p>
+            <a:pPr>
+              <a:defRPr/>
+            </a:pPr>
+            <a:fld id="{DA76DD2E-C063-405F-AFE8-6ED565E2854B}" type="slidenum">
+              <a:rPr lang="en-US"/>
+              <a:pPr>
+                <a:defRPr/>
+              </a:pPr>
               <a:t>‹#›</a:t>
             </a:fld>
             <a:endParaRPr lang="en-US"/>
@@ -732,7 +843,7 @@
     </p:spTree>
     <p:extLst>
       <p:ext uri="{BB962C8B-B14F-4D97-AF65-F5344CB8AC3E}">
-        <p14:creationId xmlns:p14="http://schemas.microsoft.com/office/powerpoint/2010/main" val="4268958495"/>
+        <p14:creationId xmlns:p14="http://schemas.microsoft.com/office/powerpoint/2010/main" val="2844709238"/>
       </p:ext>
     </p:extLst>
   </p:cSld>
@@ -849,7 +960,7 @@
           <p:cNvPr id="4" name="Date Placeholder 3">
             <a:extLst>
               <a:ext uri="{FF2B5EF4-FFF2-40B4-BE49-F238E27FC236}">
-                <a16:creationId xmlns:a16="http://schemas.microsoft.com/office/drawing/2014/main" id="{387A448D-A1E0-40E1-A9C1-2E8B2EFF6EE8}"/>
+                <a16:creationId xmlns:a16="http://schemas.microsoft.com/office/drawing/2014/main" id="{D8AB2F5B-44D1-4C26-87BA-9DAB03EEE002}"/>
               </a:ext>
             </a:extLst>
           </p:cNvPr>
@@ -863,11 +974,21 @@
         <p:spPr/>
         <p:txBody>
           <a:bodyPr/>
-          <a:lstStyle/>
-          <a:p>
-            <a:fld id="{F7B960A8-E87F-44EA-B351-50426EF2D9EE}" type="datetimeFigureOut">
-              <a:rPr lang="en-US" smtClean="0"/>
-              <a:t>2/12/2018</a:t>
+          <a:lstStyle>
+            <a:lvl1pPr>
+              <a:defRPr/>
+            </a:lvl1pPr>
+          </a:lstStyle>
+          <a:p>
+            <a:pPr>
+              <a:defRPr/>
+            </a:pPr>
+            <a:fld id="{A89BA38D-B55C-41B0-84E4-60EBDA2AE8EC}" type="datetimeFigureOut">
+              <a:rPr lang="en-US"/>
+              <a:pPr>
+                <a:defRPr/>
+              </a:pPr>
+              <a:t>2/13/2018</a:t>
             </a:fld>
             <a:endParaRPr lang="en-US"/>
           </a:p>
@@ -878,7 +999,7 @@
           <p:cNvPr id="5" name="Footer Placeholder 4">
             <a:extLst>
               <a:ext uri="{FF2B5EF4-FFF2-40B4-BE49-F238E27FC236}">
-                <a16:creationId xmlns:a16="http://schemas.microsoft.com/office/drawing/2014/main" id="{1173B29B-5662-4160-A82D-FD4BB3D6FC98}"/>
+                <a16:creationId xmlns:a16="http://schemas.microsoft.com/office/drawing/2014/main" id="{E42C71AA-3B43-4963-A041-7D49E2C2A21B}"/>
               </a:ext>
             </a:extLst>
           </p:cNvPr>
@@ -892,8 +1013,15 @@
         <p:spPr/>
         <p:txBody>
           <a:bodyPr/>
-          <a:lstStyle/>
-          <a:p>
+          <a:lstStyle>
+            <a:lvl1pPr>
+              <a:defRPr/>
+            </a:lvl1pPr>
+          </a:lstStyle>
+          <a:p>
+            <a:pPr>
+              <a:defRPr/>
+            </a:pPr>
             <a:endParaRPr lang="en-US"/>
           </a:p>
         </p:txBody>
@@ -903,7 +1031,7 @@
           <p:cNvPr id="6" name="Slide Number Placeholder 5">
             <a:extLst>
               <a:ext uri="{FF2B5EF4-FFF2-40B4-BE49-F238E27FC236}">
-                <a16:creationId xmlns:a16="http://schemas.microsoft.com/office/drawing/2014/main" id="{0C296AFF-9C62-48BA-AF1F-F44359A44D34}"/>
+                <a16:creationId xmlns:a16="http://schemas.microsoft.com/office/drawing/2014/main" id="{77D56385-7944-451D-ADB0-E4073AD9245F}"/>
               </a:ext>
             </a:extLst>
           </p:cNvPr>
@@ -917,10 +1045,20 @@
         <p:spPr/>
         <p:txBody>
           <a:bodyPr/>
-          <a:lstStyle/>
-          <a:p>
-            <a:fld id="{6AE0302C-4710-4C69-A2CD-B9F4183A599C}" type="slidenum">
-              <a:rPr lang="en-US" smtClean="0"/>
+          <a:lstStyle>
+            <a:lvl1pPr>
+              <a:defRPr/>
+            </a:lvl1pPr>
+          </a:lstStyle>
+          <a:p>
+            <a:pPr>
+              <a:defRPr/>
+            </a:pPr>
+            <a:fld id="{F3FCCE60-8E03-4B77-9BA6-F1E72C6E0E58}" type="slidenum">
+              <a:rPr lang="en-US"/>
+              <a:pPr>
+                <a:defRPr/>
+              </a:pPr>
               <a:t>‹#›</a:t>
             </a:fld>
             <a:endParaRPr lang="en-US"/>
@@ -930,7 +1068,7 @@
     </p:spTree>
     <p:extLst>
       <p:ext uri="{BB962C8B-B14F-4D97-AF65-F5344CB8AC3E}">
-        <p14:creationId xmlns:p14="http://schemas.microsoft.com/office/powerpoint/2010/main" val="2483102688"/>
+        <p14:creationId xmlns:p14="http://schemas.microsoft.com/office/powerpoint/2010/main" val="645831282"/>
       </p:ext>
     </p:extLst>
   </p:cSld>
@@ -1124,7 +1262,7 @@
           <p:cNvPr id="4" name="Date Placeholder 3">
             <a:extLst>
               <a:ext uri="{FF2B5EF4-FFF2-40B4-BE49-F238E27FC236}">
-                <a16:creationId xmlns:a16="http://schemas.microsoft.com/office/drawing/2014/main" id="{34A14E81-F8F6-4F9E-A233-49133DCE6EB5}"/>
+                <a16:creationId xmlns:a16="http://schemas.microsoft.com/office/drawing/2014/main" id="{C64735F8-97F6-4880-9286-1B44C9DC921E}"/>
               </a:ext>
             </a:extLst>
           </p:cNvPr>
@@ -1138,11 +1276,21 @@
         <p:spPr/>
         <p:txBody>
           <a:bodyPr/>
-          <a:lstStyle/>
-          <a:p>
-            <a:fld id="{F7B960A8-E87F-44EA-B351-50426EF2D9EE}" type="datetimeFigureOut">
-              <a:rPr lang="en-US" smtClean="0"/>
-              <a:t>2/12/2018</a:t>
+          <a:lstStyle>
+            <a:lvl1pPr>
+              <a:defRPr/>
+            </a:lvl1pPr>
+          </a:lstStyle>
+          <a:p>
+            <a:pPr>
+              <a:defRPr/>
+            </a:pPr>
+            <a:fld id="{E4CF5883-99BF-4083-B0FA-40787757EF20}" type="datetimeFigureOut">
+              <a:rPr lang="en-US"/>
+              <a:pPr>
+                <a:defRPr/>
+              </a:pPr>
+              <a:t>2/13/2018</a:t>
             </a:fld>
             <a:endParaRPr lang="en-US"/>
           </a:p>
@@ -1153,7 +1301,7 @@
           <p:cNvPr id="5" name="Footer Placeholder 4">
             <a:extLst>
               <a:ext uri="{FF2B5EF4-FFF2-40B4-BE49-F238E27FC236}">
-                <a16:creationId xmlns:a16="http://schemas.microsoft.com/office/drawing/2014/main" id="{44DE9912-C065-4365-9A19-A82A031BAEFB}"/>
+                <a16:creationId xmlns:a16="http://schemas.microsoft.com/office/drawing/2014/main" id="{ED8CF799-D0B2-436A-8297-7E75CFBF7ABF}"/>
               </a:ext>
             </a:extLst>
           </p:cNvPr>
@@ -1167,8 +1315,15 @@
         <p:spPr/>
         <p:txBody>
           <a:bodyPr/>
-          <a:lstStyle/>
-          <a:p>
+          <a:lstStyle>
+            <a:lvl1pPr>
+              <a:defRPr/>
+            </a:lvl1pPr>
+          </a:lstStyle>
+          <a:p>
+            <a:pPr>
+              <a:defRPr/>
+            </a:pPr>
             <a:endParaRPr lang="en-US"/>
           </a:p>
         </p:txBody>
@@ -1178,7 +1333,7 @@
           <p:cNvPr id="6" name="Slide Number Placeholder 5">
             <a:extLst>
               <a:ext uri="{FF2B5EF4-FFF2-40B4-BE49-F238E27FC236}">
-                <a16:creationId xmlns:a16="http://schemas.microsoft.com/office/drawing/2014/main" id="{DBFCDA3B-F602-4D36-B233-C61433A2C875}"/>
+                <a16:creationId xmlns:a16="http://schemas.microsoft.com/office/drawing/2014/main" id="{37B10767-832B-4ACA-BD4B-5B084FF5ABA1}"/>
               </a:ext>
             </a:extLst>
           </p:cNvPr>
@@ -1192,10 +1347,20 @@
         <p:spPr/>
         <p:txBody>
           <a:bodyPr/>
-          <a:lstStyle/>
-          <a:p>
-            <a:fld id="{6AE0302C-4710-4C69-A2CD-B9F4183A599C}" type="slidenum">
-              <a:rPr lang="en-US" smtClean="0"/>
+          <a:lstStyle>
+            <a:lvl1pPr>
+              <a:defRPr/>
+            </a:lvl1pPr>
+          </a:lstStyle>
+          <a:p>
+            <a:pPr>
+              <a:defRPr/>
+            </a:pPr>
+            <a:fld id="{8EC7952F-E27C-4632-A572-5C1C8F3937E5}" type="slidenum">
+              <a:rPr lang="en-US"/>
+              <a:pPr>
+                <a:defRPr/>
+              </a:pPr>
               <a:t>‹#›</a:t>
             </a:fld>
             <a:endParaRPr lang="en-US"/>
@@ -1205,7 +1370,7 @@
     </p:spTree>
     <p:extLst>
       <p:ext uri="{BB962C8B-B14F-4D97-AF65-F5344CB8AC3E}">
-        <p14:creationId xmlns:p14="http://schemas.microsoft.com/office/powerpoint/2010/main" val="50071929"/>
+        <p14:creationId xmlns:p14="http://schemas.microsoft.com/office/powerpoint/2010/main" val="3505622634"/>
       </p:ext>
     </p:extLst>
   </p:cSld>
@@ -1386,10 +1551,10 @@
       </p:sp>
       <p:sp>
         <p:nvSpPr>
-          <p:cNvPr id="5" name="Date Placeholder 4">
-            <a:extLst>
-              <a:ext uri="{FF2B5EF4-FFF2-40B4-BE49-F238E27FC236}">
-                <a16:creationId xmlns:a16="http://schemas.microsoft.com/office/drawing/2014/main" id="{CE48FCDA-9B01-46DC-B021-9D728C64AD40}"/>
+          <p:cNvPr id="5" name="Date Placeholder 3">
+            <a:extLst>
+              <a:ext uri="{FF2B5EF4-FFF2-40B4-BE49-F238E27FC236}">
+                <a16:creationId xmlns:a16="http://schemas.microsoft.com/office/drawing/2014/main" id="{75C10169-9FA2-4879-ACAE-0DFB7DB76857}"/>
               </a:ext>
             </a:extLst>
           </p:cNvPr>
@@ -1403,11 +1568,21 @@
         <p:spPr/>
         <p:txBody>
           <a:bodyPr/>
-          <a:lstStyle/>
-          <a:p>
-            <a:fld id="{F7B960A8-E87F-44EA-B351-50426EF2D9EE}" type="datetimeFigureOut">
-              <a:rPr lang="en-US" smtClean="0"/>
-              <a:t>2/12/2018</a:t>
+          <a:lstStyle>
+            <a:lvl1pPr>
+              <a:defRPr/>
+            </a:lvl1pPr>
+          </a:lstStyle>
+          <a:p>
+            <a:pPr>
+              <a:defRPr/>
+            </a:pPr>
+            <a:fld id="{DDB069DD-CC95-473E-B300-925550093966}" type="datetimeFigureOut">
+              <a:rPr lang="en-US"/>
+              <a:pPr>
+                <a:defRPr/>
+              </a:pPr>
+              <a:t>2/13/2018</a:t>
             </a:fld>
             <a:endParaRPr lang="en-US"/>
           </a:p>
@@ -1415,10 +1590,10 @@
       </p:sp>
       <p:sp>
         <p:nvSpPr>
-          <p:cNvPr id="6" name="Footer Placeholder 5">
-            <a:extLst>
-              <a:ext uri="{FF2B5EF4-FFF2-40B4-BE49-F238E27FC236}">
-                <a16:creationId xmlns:a16="http://schemas.microsoft.com/office/drawing/2014/main" id="{6F3728C3-800D-48BB-8AD4-E31BAEAAE876}"/>
+          <p:cNvPr id="6" name="Footer Placeholder 4">
+            <a:extLst>
+              <a:ext uri="{FF2B5EF4-FFF2-40B4-BE49-F238E27FC236}">
+                <a16:creationId xmlns:a16="http://schemas.microsoft.com/office/drawing/2014/main" id="{0C88FAF9-09BE-4225-BDC3-8D4F76B1A159}"/>
               </a:ext>
             </a:extLst>
           </p:cNvPr>
@@ -1432,18 +1607,25 @@
         <p:spPr/>
         <p:txBody>
           <a:bodyPr/>
-          <a:lstStyle/>
-          <a:p>
+          <a:lstStyle>
+            <a:lvl1pPr>
+              <a:defRPr/>
+            </a:lvl1pPr>
+          </a:lstStyle>
+          <a:p>
+            <a:pPr>
+              <a:defRPr/>
+            </a:pPr>
             <a:endParaRPr lang="en-US"/>
           </a:p>
         </p:txBody>
       </p:sp>
       <p:sp>
         <p:nvSpPr>
-          <p:cNvPr id="7" name="Slide Number Placeholder 6">
-            <a:extLst>
-              <a:ext uri="{FF2B5EF4-FFF2-40B4-BE49-F238E27FC236}">
-                <a16:creationId xmlns:a16="http://schemas.microsoft.com/office/drawing/2014/main" id="{6081C1F7-FE43-4332-A94D-AF9CAA593EF9}"/>
+          <p:cNvPr id="7" name="Slide Number Placeholder 5">
+            <a:extLst>
+              <a:ext uri="{FF2B5EF4-FFF2-40B4-BE49-F238E27FC236}">
+                <a16:creationId xmlns:a16="http://schemas.microsoft.com/office/drawing/2014/main" id="{35DABEF7-6890-4C43-B359-3A855B447ABC}"/>
               </a:ext>
             </a:extLst>
           </p:cNvPr>
@@ -1457,10 +1639,20 @@
         <p:spPr/>
         <p:txBody>
           <a:bodyPr/>
-          <a:lstStyle/>
-          <a:p>
-            <a:fld id="{6AE0302C-4710-4C69-A2CD-B9F4183A599C}" type="slidenum">
-              <a:rPr lang="en-US" smtClean="0"/>
+          <a:lstStyle>
+            <a:lvl1pPr>
+              <a:defRPr/>
+            </a:lvl1pPr>
+          </a:lstStyle>
+          <a:p>
+            <a:pPr>
+              <a:defRPr/>
+            </a:pPr>
+            <a:fld id="{D3AD0C58-B8FD-46B3-8886-AF8D9D1722F8}" type="slidenum">
+              <a:rPr lang="en-US"/>
+              <a:pPr>
+                <a:defRPr/>
+              </a:pPr>
               <a:t>‹#›</a:t>
             </a:fld>
             <a:endParaRPr lang="en-US"/>
@@ -1470,7 +1662,7 @@
     </p:spTree>
     <p:extLst>
       <p:ext uri="{BB962C8B-B14F-4D97-AF65-F5344CB8AC3E}">
-        <p14:creationId xmlns:p14="http://schemas.microsoft.com/office/powerpoint/2010/main" val="1102887908"/>
+        <p14:creationId xmlns:p14="http://schemas.microsoft.com/office/powerpoint/2010/main" val="857517254"/>
       </p:ext>
     </p:extLst>
   </p:cSld>
@@ -1798,10 +1990,10 @@
       </p:sp>
       <p:sp>
         <p:nvSpPr>
-          <p:cNvPr id="7" name="Date Placeholder 6">
-            <a:extLst>
-              <a:ext uri="{FF2B5EF4-FFF2-40B4-BE49-F238E27FC236}">
-                <a16:creationId xmlns:a16="http://schemas.microsoft.com/office/drawing/2014/main" id="{F4BD8241-5A6E-4427-8FFA-E604FEFD74A4}"/>
+          <p:cNvPr id="7" name="Date Placeholder 3">
+            <a:extLst>
+              <a:ext uri="{FF2B5EF4-FFF2-40B4-BE49-F238E27FC236}">
+                <a16:creationId xmlns:a16="http://schemas.microsoft.com/office/drawing/2014/main" id="{9AD8CBEF-282F-40EB-A6FF-86F13A037D95}"/>
               </a:ext>
             </a:extLst>
           </p:cNvPr>
@@ -1815,11 +2007,21 @@
         <p:spPr/>
         <p:txBody>
           <a:bodyPr/>
-          <a:lstStyle/>
-          <a:p>
-            <a:fld id="{F7B960A8-E87F-44EA-B351-50426EF2D9EE}" type="datetimeFigureOut">
-              <a:rPr lang="en-US" smtClean="0"/>
-              <a:t>2/12/2018</a:t>
+          <a:lstStyle>
+            <a:lvl1pPr>
+              <a:defRPr/>
+            </a:lvl1pPr>
+          </a:lstStyle>
+          <a:p>
+            <a:pPr>
+              <a:defRPr/>
+            </a:pPr>
+            <a:fld id="{5E7C198F-ACA1-4D57-B257-C5D23E4E2442}" type="datetimeFigureOut">
+              <a:rPr lang="en-US"/>
+              <a:pPr>
+                <a:defRPr/>
+              </a:pPr>
+              <a:t>2/13/2018</a:t>
             </a:fld>
             <a:endParaRPr lang="en-US"/>
           </a:p>
@@ -1827,10 +2029,10 @@
       </p:sp>
       <p:sp>
         <p:nvSpPr>
-          <p:cNvPr id="8" name="Footer Placeholder 7">
-            <a:extLst>
-              <a:ext uri="{FF2B5EF4-FFF2-40B4-BE49-F238E27FC236}">
-                <a16:creationId xmlns:a16="http://schemas.microsoft.com/office/drawing/2014/main" id="{8D5D0E71-292A-497D-935E-C55F88334DDE}"/>
+          <p:cNvPr id="8" name="Footer Placeholder 4">
+            <a:extLst>
+              <a:ext uri="{FF2B5EF4-FFF2-40B4-BE49-F238E27FC236}">
+                <a16:creationId xmlns:a16="http://schemas.microsoft.com/office/drawing/2014/main" id="{43804689-F967-40A0-A6F5-A56A7FB88F34}"/>
               </a:ext>
             </a:extLst>
           </p:cNvPr>
@@ -1844,18 +2046,25 @@
         <p:spPr/>
         <p:txBody>
           <a:bodyPr/>
-          <a:lstStyle/>
-          <a:p>
+          <a:lstStyle>
+            <a:lvl1pPr>
+              <a:defRPr/>
+            </a:lvl1pPr>
+          </a:lstStyle>
+          <a:p>
+            <a:pPr>
+              <a:defRPr/>
+            </a:pPr>
             <a:endParaRPr lang="en-US"/>
           </a:p>
         </p:txBody>
       </p:sp>
       <p:sp>
         <p:nvSpPr>
-          <p:cNvPr id="9" name="Slide Number Placeholder 8">
-            <a:extLst>
-              <a:ext uri="{FF2B5EF4-FFF2-40B4-BE49-F238E27FC236}">
-                <a16:creationId xmlns:a16="http://schemas.microsoft.com/office/drawing/2014/main" id="{B75E7EC2-61C3-4056-A880-214953336549}"/>
+          <p:cNvPr id="9" name="Slide Number Placeholder 5">
+            <a:extLst>
+              <a:ext uri="{FF2B5EF4-FFF2-40B4-BE49-F238E27FC236}">
+                <a16:creationId xmlns:a16="http://schemas.microsoft.com/office/drawing/2014/main" id="{DCB6C7DA-DE9A-4EF2-B56A-FB871C4725FD}"/>
               </a:ext>
             </a:extLst>
           </p:cNvPr>
@@ -1869,10 +2078,20 @@
         <p:spPr/>
         <p:txBody>
           <a:bodyPr/>
-          <a:lstStyle/>
-          <a:p>
-            <a:fld id="{6AE0302C-4710-4C69-A2CD-B9F4183A599C}" type="slidenum">
-              <a:rPr lang="en-US" smtClean="0"/>
+          <a:lstStyle>
+            <a:lvl1pPr>
+              <a:defRPr/>
+            </a:lvl1pPr>
+          </a:lstStyle>
+          <a:p>
+            <a:pPr>
+              <a:defRPr/>
+            </a:pPr>
+            <a:fld id="{C3388C57-C7E6-4CB8-919C-7C5B42E53EA2}" type="slidenum">
+              <a:rPr lang="en-US"/>
+              <a:pPr>
+                <a:defRPr/>
+              </a:pPr>
               <a:t>‹#›</a:t>
             </a:fld>
             <a:endParaRPr lang="en-US"/>
@@ -1882,7 +2101,7 @@
     </p:spTree>
     <p:extLst>
       <p:ext uri="{BB962C8B-B14F-4D97-AF65-F5344CB8AC3E}">
-        <p14:creationId xmlns:p14="http://schemas.microsoft.com/office/powerpoint/2010/main" val="3735633516"/>
+        <p14:creationId xmlns:p14="http://schemas.microsoft.com/office/powerpoint/2010/main" val="3069841471"/>
       </p:ext>
     </p:extLst>
   </p:cSld>
@@ -1939,10 +2158,10 @@
       </p:sp>
       <p:sp>
         <p:nvSpPr>
-          <p:cNvPr id="3" name="Date Placeholder 2">
-            <a:extLst>
-              <a:ext uri="{FF2B5EF4-FFF2-40B4-BE49-F238E27FC236}">
-                <a16:creationId xmlns:a16="http://schemas.microsoft.com/office/drawing/2014/main" id="{660CED49-91BE-41E1-8D0F-EAB00CA76980}"/>
+          <p:cNvPr id="3" name="Date Placeholder 3">
+            <a:extLst>
+              <a:ext uri="{FF2B5EF4-FFF2-40B4-BE49-F238E27FC236}">
+                <a16:creationId xmlns:a16="http://schemas.microsoft.com/office/drawing/2014/main" id="{DD3E6AEB-A6A4-4F60-9F56-AD9B81E21ACD}"/>
               </a:ext>
             </a:extLst>
           </p:cNvPr>
@@ -1956,11 +2175,21 @@
         <p:spPr/>
         <p:txBody>
           <a:bodyPr/>
-          <a:lstStyle/>
-          <a:p>
-            <a:fld id="{F7B960A8-E87F-44EA-B351-50426EF2D9EE}" type="datetimeFigureOut">
-              <a:rPr lang="en-US" smtClean="0"/>
-              <a:t>2/12/2018</a:t>
+          <a:lstStyle>
+            <a:lvl1pPr>
+              <a:defRPr/>
+            </a:lvl1pPr>
+          </a:lstStyle>
+          <a:p>
+            <a:pPr>
+              <a:defRPr/>
+            </a:pPr>
+            <a:fld id="{733C01CC-6A02-4A12-9436-FA511EF5352D}" type="datetimeFigureOut">
+              <a:rPr lang="en-US"/>
+              <a:pPr>
+                <a:defRPr/>
+              </a:pPr>
+              <a:t>2/13/2018</a:t>
             </a:fld>
             <a:endParaRPr lang="en-US"/>
           </a:p>
@@ -1968,10 +2197,10 @@
       </p:sp>
       <p:sp>
         <p:nvSpPr>
-          <p:cNvPr id="4" name="Footer Placeholder 3">
-            <a:extLst>
-              <a:ext uri="{FF2B5EF4-FFF2-40B4-BE49-F238E27FC236}">
-                <a16:creationId xmlns:a16="http://schemas.microsoft.com/office/drawing/2014/main" id="{BA9B48D1-65EC-4E44-A4D5-7B20149766C0}"/>
+          <p:cNvPr id="4" name="Footer Placeholder 4">
+            <a:extLst>
+              <a:ext uri="{FF2B5EF4-FFF2-40B4-BE49-F238E27FC236}">
+                <a16:creationId xmlns:a16="http://schemas.microsoft.com/office/drawing/2014/main" id="{7FEDC8DB-16F9-49F6-B2FF-AB77FF6CE6D1}"/>
               </a:ext>
             </a:extLst>
           </p:cNvPr>
@@ -1985,18 +2214,25 @@
         <p:spPr/>
         <p:txBody>
           <a:bodyPr/>
-          <a:lstStyle/>
-          <a:p>
+          <a:lstStyle>
+            <a:lvl1pPr>
+              <a:defRPr/>
+            </a:lvl1pPr>
+          </a:lstStyle>
+          <a:p>
+            <a:pPr>
+              <a:defRPr/>
+            </a:pPr>
             <a:endParaRPr lang="en-US"/>
           </a:p>
         </p:txBody>
       </p:sp>
       <p:sp>
         <p:nvSpPr>
-          <p:cNvPr id="5" name="Slide Number Placeholder 4">
-            <a:extLst>
-              <a:ext uri="{FF2B5EF4-FFF2-40B4-BE49-F238E27FC236}">
-                <a16:creationId xmlns:a16="http://schemas.microsoft.com/office/drawing/2014/main" id="{1D4BCAF7-5287-416B-8CFF-19679FF287B9}"/>
+          <p:cNvPr id="5" name="Slide Number Placeholder 5">
+            <a:extLst>
+              <a:ext uri="{FF2B5EF4-FFF2-40B4-BE49-F238E27FC236}">
+                <a16:creationId xmlns:a16="http://schemas.microsoft.com/office/drawing/2014/main" id="{D44853FA-29B4-41D9-8501-853B85D9ABE2}"/>
               </a:ext>
             </a:extLst>
           </p:cNvPr>
@@ -2010,10 +2246,20 @@
         <p:spPr/>
         <p:txBody>
           <a:bodyPr/>
-          <a:lstStyle/>
-          <a:p>
-            <a:fld id="{6AE0302C-4710-4C69-A2CD-B9F4183A599C}" type="slidenum">
-              <a:rPr lang="en-US" smtClean="0"/>
+          <a:lstStyle>
+            <a:lvl1pPr>
+              <a:defRPr/>
+            </a:lvl1pPr>
+          </a:lstStyle>
+          <a:p>
+            <a:pPr>
+              <a:defRPr/>
+            </a:pPr>
+            <a:fld id="{64D0271F-635D-4D1A-8843-DFF5AD5B131A}" type="slidenum">
+              <a:rPr lang="en-US"/>
+              <a:pPr>
+                <a:defRPr/>
+              </a:pPr>
               <a:t>‹#›</a:t>
             </a:fld>
             <a:endParaRPr lang="en-US"/>
@@ -2023,7 +2269,7 @@
     </p:spTree>
     <p:extLst>
       <p:ext uri="{BB962C8B-B14F-4D97-AF65-F5344CB8AC3E}">
-        <p14:creationId xmlns:p14="http://schemas.microsoft.com/office/powerpoint/2010/main" val="454560855"/>
+        <p14:creationId xmlns:p14="http://schemas.microsoft.com/office/powerpoint/2010/main" val="1380493882"/>
       </p:ext>
     </p:extLst>
   </p:cSld>
@@ -2052,10 +2298,10 @@
       </p:grpSpPr>
       <p:sp>
         <p:nvSpPr>
-          <p:cNvPr id="2" name="Date Placeholder 1">
-            <a:extLst>
-              <a:ext uri="{FF2B5EF4-FFF2-40B4-BE49-F238E27FC236}">
-                <a16:creationId xmlns:a16="http://schemas.microsoft.com/office/drawing/2014/main" id="{7A072CED-CAC3-4B8E-9268-13125B05E01B}"/>
+          <p:cNvPr id="2" name="Date Placeholder 3">
+            <a:extLst>
+              <a:ext uri="{FF2B5EF4-FFF2-40B4-BE49-F238E27FC236}">
+                <a16:creationId xmlns:a16="http://schemas.microsoft.com/office/drawing/2014/main" id="{D1DDC3F9-F9EA-4266-8EE4-C95E9002C0B0}"/>
               </a:ext>
             </a:extLst>
           </p:cNvPr>
@@ -2069,11 +2315,21 @@
         <p:spPr/>
         <p:txBody>
           <a:bodyPr/>
-          <a:lstStyle/>
-          <a:p>
-            <a:fld id="{F7B960A8-E87F-44EA-B351-50426EF2D9EE}" type="datetimeFigureOut">
-              <a:rPr lang="en-US" smtClean="0"/>
-              <a:t>2/12/2018</a:t>
+          <a:lstStyle>
+            <a:lvl1pPr>
+              <a:defRPr/>
+            </a:lvl1pPr>
+          </a:lstStyle>
+          <a:p>
+            <a:pPr>
+              <a:defRPr/>
+            </a:pPr>
+            <a:fld id="{25AD1B6F-E794-46C1-8878-2E01419303CD}" type="datetimeFigureOut">
+              <a:rPr lang="en-US"/>
+              <a:pPr>
+                <a:defRPr/>
+              </a:pPr>
+              <a:t>2/13/2018</a:t>
             </a:fld>
             <a:endParaRPr lang="en-US"/>
           </a:p>
@@ -2081,10 +2337,10 @@
       </p:sp>
       <p:sp>
         <p:nvSpPr>
-          <p:cNvPr id="3" name="Footer Placeholder 2">
-            <a:extLst>
-              <a:ext uri="{FF2B5EF4-FFF2-40B4-BE49-F238E27FC236}">
-                <a16:creationId xmlns:a16="http://schemas.microsoft.com/office/drawing/2014/main" id="{55E4508F-3BF3-48D6-8110-AE05E7F2DE7E}"/>
+          <p:cNvPr id="3" name="Footer Placeholder 4">
+            <a:extLst>
+              <a:ext uri="{FF2B5EF4-FFF2-40B4-BE49-F238E27FC236}">
+                <a16:creationId xmlns:a16="http://schemas.microsoft.com/office/drawing/2014/main" id="{6A0DD64F-2682-4A98-AC56-E927AD90C5F6}"/>
               </a:ext>
             </a:extLst>
           </p:cNvPr>
@@ -2098,18 +2354,25 @@
         <p:spPr/>
         <p:txBody>
           <a:bodyPr/>
-          <a:lstStyle/>
-          <a:p>
+          <a:lstStyle>
+            <a:lvl1pPr>
+              <a:defRPr/>
+            </a:lvl1pPr>
+          </a:lstStyle>
+          <a:p>
+            <a:pPr>
+              <a:defRPr/>
+            </a:pPr>
             <a:endParaRPr lang="en-US"/>
           </a:p>
         </p:txBody>
       </p:sp>
       <p:sp>
         <p:nvSpPr>
-          <p:cNvPr id="4" name="Slide Number Placeholder 3">
-            <a:extLst>
-              <a:ext uri="{FF2B5EF4-FFF2-40B4-BE49-F238E27FC236}">
-                <a16:creationId xmlns:a16="http://schemas.microsoft.com/office/drawing/2014/main" id="{30D3DF26-B0C0-4E7E-B3AC-ED15D8C36355}"/>
+          <p:cNvPr id="4" name="Slide Number Placeholder 5">
+            <a:extLst>
+              <a:ext uri="{FF2B5EF4-FFF2-40B4-BE49-F238E27FC236}">
+                <a16:creationId xmlns:a16="http://schemas.microsoft.com/office/drawing/2014/main" id="{211812B3-6E6E-4BB2-9912-BF5375EDEE7B}"/>
               </a:ext>
             </a:extLst>
           </p:cNvPr>
@@ -2123,10 +2386,20 @@
         <p:spPr/>
         <p:txBody>
           <a:bodyPr/>
-          <a:lstStyle/>
-          <a:p>
-            <a:fld id="{6AE0302C-4710-4C69-A2CD-B9F4183A599C}" type="slidenum">
-              <a:rPr lang="en-US" smtClean="0"/>
+          <a:lstStyle>
+            <a:lvl1pPr>
+              <a:defRPr/>
+            </a:lvl1pPr>
+          </a:lstStyle>
+          <a:p>
+            <a:pPr>
+              <a:defRPr/>
+            </a:pPr>
+            <a:fld id="{51F3609D-ADE3-4552-AC7A-649F3F08EB37}" type="slidenum">
+              <a:rPr lang="en-US"/>
+              <a:pPr>
+                <a:defRPr/>
+              </a:pPr>
               <a:t>‹#›</a:t>
             </a:fld>
             <a:endParaRPr lang="en-US"/>
@@ -2136,7 +2409,7 @@
     </p:spTree>
     <p:extLst>
       <p:ext uri="{BB962C8B-B14F-4D97-AF65-F5344CB8AC3E}">
-        <p14:creationId xmlns:p14="http://schemas.microsoft.com/office/powerpoint/2010/main" val="360749631"/>
+        <p14:creationId xmlns:p14="http://schemas.microsoft.com/office/powerpoint/2010/main" val="3370004162"/>
       </p:ext>
     </p:extLst>
   </p:cSld>
@@ -2363,10 +2636,10 @@
       </p:sp>
       <p:sp>
         <p:nvSpPr>
-          <p:cNvPr id="5" name="Date Placeholder 4">
-            <a:extLst>
-              <a:ext uri="{FF2B5EF4-FFF2-40B4-BE49-F238E27FC236}">
-                <a16:creationId xmlns:a16="http://schemas.microsoft.com/office/drawing/2014/main" id="{F6543E62-5E1D-49D7-AA38-6C2CD108ADD1}"/>
+          <p:cNvPr id="5" name="Date Placeholder 3">
+            <a:extLst>
+              <a:ext uri="{FF2B5EF4-FFF2-40B4-BE49-F238E27FC236}">
+                <a16:creationId xmlns:a16="http://schemas.microsoft.com/office/drawing/2014/main" id="{86E1E892-00F9-4CF9-84B6-5DB36529C993}"/>
               </a:ext>
             </a:extLst>
           </p:cNvPr>
@@ -2380,11 +2653,21 @@
         <p:spPr/>
         <p:txBody>
           <a:bodyPr/>
-          <a:lstStyle/>
-          <a:p>
-            <a:fld id="{F7B960A8-E87F-44EA-B351-50426EF2D9EE}" type="datetimeFigureOut">
-              <a:rPr lang="en-US" smtClean="0"/>
-              <a:t>2/12/2018</a:t>
+          <a:lstStyle>
+            <a:lvl1pPr>
+              <a:defRPr/>
+            </a:lvl1pPr>
+          </a:lstStyle>
+          <a:p>
+            <a:pPr>
+              <a:defRPr/>
+            </a:pPr>
+            <a:fld id="{C6331AAA-A954-4094-9E23-FEBADF56ED82}" type="datetimeFigureOut">
+              <a:rPr lang="en-US"/>
+              <a:pPr>
+                <a:defRPr/>
+              </a:pPr>
+              <a:t>2/13/2018</a:t>
             </a:fld>
             <a:endParaRPr lang="en-US"/>
           </a:p>
@@ -2392,10 +2675,10 @@
       </p:sp>
       <p:sp>
         <p:nvSpPr>
-          <p:cNvPr id="6" name="Footer Placeholder 5">
-            <a:extLst>
-              <a:ext uri="{FF2B5EF4-FFF2-40B4-BE49-F238E27FC236}">
-                <a16:creationId xmlns:a16="http://schemas.microsoft.com/office/drawing/2014/main" id="{F4F35D7B-75CE-4C64-8EA2-A98B5AB86018}"/>
+          <p:cNvPr id="6" name="Footer Placeholder 4">
+            <a:extLst>
+              <a:ext uri="{FF2B5EF4-FFF2-40B4-BE49-F238E27FC236}">
+                <a16:creationId xmlns:a16="http://schemas.microsoft.com/office/drawing/2014/main" id="{320310FE-5A8F-4B1E-AB70-0F83BD6B048F}"/>
               </a:ext>
             </a:extLst>
           </p:cNvPr>
@@ -2409,18 +2692,25 @@
         <p:spPr/>
         <p:txBody>
           <a:bodyPr/>
-          <a:lstStyle/>
-          <a:p>
+          <a:lstStyle>
+            <a:lvl1pPr>
+              <a:defRPr/>
+            </a:lvl1pPr>
+          </a:lstStyle>
+          <a:p>
+            <a:pPr>
+              <a:defRPr/>
+            </a:pPr>
             <a:endParaRPr lang="en-US"/>
           </a:p>
         </p:txBody>
       </p:sp>
       <p:sp>
         <p:nvSpPr>
-          <p:cNvPr id="7" name="Slide Number Placeholder 6">
-            <a:extLst>
-              <a:ext uri="{FF2B5EF4-FFF2-40B4-BE49-F238E27FC236}">
-                <a16:creationId xmlns:a16="http://schemas.microsoft.com/office/drawing/2014/main" id="{54107DC6-76E5-4CF8-996D-70AB1FC8EC80}"/>
+          <p:cNvPr id="7" name="Slide Number Placeholder 5">
+            <a:extLst>
+              <a:ext uri="{FF2B5EF4-FFF2-40B4-BE49-F238E27FC236}">
+                <a16:creationId xmlns:a16="http://schemas.microsoft.com/office/drawing/2014/main" id="{339FC3BA-77F2-46FE-A95F-887FE2BDE184}"/>
               </a:ext>
             </a:extLst>
           </p:cNvPr>
@@ -2434,10 +2724,20 @@
         <p:spPr/>
         <p:txBody>
           <a:bodyPr/>
-          <a:lstStyle/>
-          <a:p>
-            <a:fld id="{6AE0302C-4710-4C69-A2CD-B9F4183A599C}" type="slidenum">
-              <a:rPr lang="en-US" smtClean="0"/>
+          <a:lstStyle>
+            <a:lvl1pPr>
+              <a:defRPr/>
+            </a:lvl1pPr>
+          </a:lstStyle>
+          <a:p>
+            <a:pPr>
+              <a:defRPr/>
+            </a:pPr>
+            <a:fld id="{6B4DA1D2-96F0-4DC4-A54D-8C0DFB390A4F}" type="slidenum">
+              <a:rPr lang="en-US"/>
+              <a:pPr>
+                <a:defRPr/>
+              </a:pPr>
               <a:t>‹#›</a:t>
             </a:fld>
             <a:endParaRPr lang="en-US"/>
@@ -2447,7 +2747,7 @@
     </p:spTree>
     <p:extLst>
       <p:ext uri="{BB962C8B-B14F-4D97-AF65-F5344CB8AC3E}">
-        <p14:creationId xmlns:p14="http://schemas.microsoft.com/office/powerpoint/2010/main" val="1535438519"/>
+        <p14:creationId xmlns:p14="http://schemas.microsoft.com/office/powerpoint/2010/main" val="3983472225"/>
       </p:ext>
     </p:extLst>
   </p:cSld>
@@ -2534,7 +2834,9 @@
           </a:xfrm>
         </p:spPr>
         <p:txBody>
-          <a:bodyPr/>
+          <a:bodyPr rtlCol="0">
+            <a:normAutofit/>
+          </a:bodyPr>
           <a:lstStyle>
             <a:lvl1pPr marL="0" indent="0">
               <a:buNone/>
@@ -2574,7 +2876,8 @@
             </a:lvl9pPr>
           </a:lstStyle>
           <a:p>
-            <a:endParaRPr lang="en-US"/>
+            <a:pPr lvl="0"/>
+            <a:endParaRPr lang="en-US" noProof="0"/>
           </a:p>
         </p:txBody>
       </p:sp>
@@ -2651,10 +2954,10 @@
       </p:sp>
       <p:sp>
         <p:nvSpPr>
-          <p:cNvPr id="5" name="Date Placeholder 4">
-            <a:extLst>
-              <a:ext uri="{FF2B5EF4-FFF2-40B4-BE49-F238E27FC236}">
-                <a16:creationId xmlns:a16="http://schemas.microsoft.com/office/drawing/2014/main" id="{19D34CA1-EEFE-4A97-B38E-E9206F7CFF9A}"/>
+          <p:cNvPr id="5" name="Date Placeholder 3">
+            <a:extLst>
+              <a:ext uri="{FF2B5EF4-FFF2-40B4-BE49-F238E27FC236}">
+                <a16:creationId xmlns:a16="http://schemas.microsoft.com/office/drawing/2014/main" id="{4FEF36F5-F41D-47C5-99F8-9A047D4F7DC8}"/>
               </a:ext>
             </a:extLst>
           </p:cNvPr>
@@ -2668,11 +2971,21 @@
         <p:spPr/>
         <p:txBody>
           <a:bodyPr/>
-          <a:lstStyle/>
-          <a:p>
-            <a:fld id="{F7B960A8-E87F-44EA-B351-50426EF2D9EE}" type="datetimeFigureOut">
-              <a:rPr lang="en-US" smtClean="0"/>
-              <a:t>2/12/2018</a:t>
+          <a:lstStyle>
+            <a:lvl1pPr>
+              <a:defRPr/>
+            </a:lvl1pPr>
+          </a:lstStyle>
+          <a:p>
+            <a:pPr>
+              <a:defRPr/>
+            </a:pPr>
+            <a:fld id="{AD77284C-ED7E-411D-9305-CBD1911BC3F0}" type="datetimeFigureOut">
+              <a:rPr lang="en-US"/>
+              <a:pPr>
+                <a:defRPr/>
+              </a:pPr>
+              <a:t>2/13/2018</a:t>
             </a:fld>
             <a:endParaRPr lang="en-US"/>
           </a:p>
@@ -2680,10 +2993,10 @@
       </p:sp>
       <p:sp>
         <p:nvSpPr>
-          <p:cNvPr id="6" name="Footer Placeholder 5">
-            <a:extLst>
-              <a:ext uri="{FF2B5EF4-FFF2-40B4-BE49-F238E27FC236}">
-                <a16:creationId xmlns:a16="http://schemas.microsoft.com/office/drawing/2014/main" id="{A2C5063B-1457-4FC6-A7DA-26B22911BF4B}"/>
+          <p:cNvPr id="6" name="Footer Placeholder 4">
+            <a:extLst>
+              <a:ext uri="{FF2B5EF4-FFF2-40B4-BE49-F238E27FC236}">
+                <a16:creationId xmlns:a16="http://schemas.microsoft.com/office/drawing/2014/main" id="{3E426873-4316-4BD3-8740-6DFA6C7399FC}"/>
               </a:ext>
             </a:extLst>
           </p:cNvPr>
@@ -2697,18 +3010,25 @@
         <p:spPr/>
         <p:txBody>
           <a:bodyPr/>
-          <a:lstStyle/>
-          <a:p>
+          <a:lstStyle>
+            <a:lvl1pPr>
+              <a:defRPr/>
+            </a:lvl1pPr>
+          </a:lstStyle>
+          <a:p>
+            <a:pPr>
+              <a:defRPr/>
+            </a:pPr>
             <a:endParaRPr lang="en-US"/>
           </a:p>
         </p:txBody>
       </p:sp>
       <p:sp>
         <p:nvSpPr>
-          <p:cNvPr id="7" name="Slide Number Placeholder 6">
-            <a:extLst>
-              <a:ext uri="{FF2B5EF4-FFF2-40B4-BE49-F238E27FC236}">
-                <a16:creationId xmlns:a16="http://schemas.microsoft.com/office/drawing/2014/main" id="{DCAA72C4-59DE-4324-8C55-69E3D603B6D6}"/>
+          <p:cNvPr id="7" name="Slide Number Placeholder 5">
+            <a:extLst>
+              <a:ext uri="{FF2B5EF4-FFF2-40B4-BE49-F238E27FC236}">
+                <a16:creationId xmlns:a16="http://schemas.microsoft.com/office/drawing/2014/main" id="{4973A8BE-9AC1-4731-99F6-392D871CECD9}"/>
               </a:ext>
             </a:extLst>
           </p:cNvPr>
@@ -2722,10 +3042,20 @@
         <p:spPr/>
         <p:txBody>
           <a:bodyPr/>
-          <a:lstStyle/>
-          <a:p>
-            <a:fld id="{6AE0302C-4710-4C69-A2CD-B9F4183A599C}" type="slidenum">
-              <a:rPr lang="en-US" smtClean="0"/>
+          <a:lstStyle>
+            <a:lvl1pPr>
+              <a:defRPr/>
+            </a:lvl1pPr>
+          </a:lstStyle>
+          <a:p>
+            <a:pPr>
+              <a:defRPr/>
+            </a:pPr>
+            <a:fld id="{A06C2A7E-4B20-457C-808D-573931798CD9}" type="slidenum">
+              <a:rPr lang="en-US"/>
+              <a:pPr>
+                <a:defRPr/>
+              </a:pPr>
               <a:t>‹#›</a:t>
             </a:fld>
             <a:endParaRPr lang="en-US"/>
@@ -2735,7 +3065,7 @@
     </p:spTree>
     <p:extLst>
       <p:ext uri="{BB962C8B-B14F-4D97-AF65-F5344CB8AC3E}">
-        <p14:creationId xmlns:p14="http://schemas.microsoft.com/office/powerpoint/2010/main" val="1458344372"/>
+        <p14:creationId xmlns:p14="http://schemas.microsoft.com/office/powerpoint/2010/main" val="1300824703"/>
       </p:ext>
     </p:extLst>
   </p:cSld>
@@ -2749,9 +3079,12 @@
 <p:sldMaster xmlns:a="http://schemas.openxmlformats.org/drawingml/2006/main" xmlns:r="http://schemas.openxmlformats.org/officeDocument/2006/relationships" xmlns:p="http://schemas.openxmlformats.org/presentationml/2006/main">
   <p:cSld>
     <p:bg>
-      <p:bgRef idx="1001">
-        <a:schemeClr val="bg1"/>
-      </p:bgRef>
+      <p:bgPr>
+        <a:solidFill>
+          <a:schemeClr val="bg1"/>
+        </a:solidFill>
+        <a:effectLst/>
+      </p:bgPr>
     </p:bg>
     <p:spTree>
       <p:nvGrpSpPr>
@@ -2769,21 +3102,21 @@
       </p:grpSpPr>
       <p:sp>
         <p:nvSpPr>
-          <p:cNvPr id="2" name="Title Placeholder 1">
-            <a:extLst>
-              <a:ext uri="{FF2B5EF4-FFF2-40B4-BE49-F238E27FC236}">
-                <a16:creationId xmlns:a16="http://schemas.microsoft.com/office/drawing/2014/main" id="{C652973F-4C39-42AA-A506-0B15601EB0E9}"/>
+          <p:cNvPr id="1026" name="Title Placeholder 1">
+            <a:extLst>
+              <a:ext uri="{FF2B5EF4-FFF2-40B4-BE49-F238E27FC236}">
+                <a16:creationId xmlns:a16="http://schemas.microsoft.com/office/drawing/2014/main" id="{2177831A-0044-4E53-9712-37533726E804}"/>
               </a:ext>
             </a:extLst>
           </p:cNvPr>
           <p:cNvSpPr>
-            <a:spLocks noGrp="1"/>
+            <a:spLocks noGrp="1" noChangeArrowheads="1"/>
           </p:cNvSpPr>
           <p:nvPr>
             <p:ph type="title"/>
           </p:nvPr>
         </p:nvSpPr>
-        <p:spPr>
+        <p:spPr bwMode="auto">
           <a:xfrm>
             <a:off x="838200" y="365125"/>
             <a:ext cx="10515600" cy="1325563"/>
@@ -2791,15 +3124,41 @@
           <a:prstGeom prst="rect">
             <a:avLst/>
           </a:prstGeom>
+          <a:noFill/>
+          <a:ln>
+            <a:noFill/>
+          </a:ln>
+          <a:extLst>
+            <a:ext uri="{909E8E84-426E-40DD-AFC4-6F175D3DCCD1}">
+              <a14:hiddenFill xmlns:a14="http://schemas.microsoft.com/office/drawing/2010/main">
+                <a:solidFill>
+                  <a:srgbClr val="FFFFFF"/>
+                </a:solidFill>
+              </a14:hiddenFill>
+            </a:ext>
+            <a:ext uri="{91240B29-F687-4F45-9708-019B960494DF}">
+              <a14:hiddenLine xmlns:a14="http://schemas.microsoft.com/office/drawing/2010/main" w="9525">
+                <a:solidFill>
+                  <a:srgbClr val="000000"/>
+                </a:solidFill>
+                <a:miter lim="800000"/>
+                <a:headEnd/>
+                <a:tailEnd/>
+              </a14:hiddenLine>
+            </a:ext>
+          </a:extLst>
         </p:spPr>
         <p:txBody>
-          <a:bodyPr vert="horz" lIns="91440" tIns="45720" rIns="91440" bIns="45720" rtlCol="0" anchor="ctr">
-            <a:normAutofit/>
+          <a:bodyPr vert="horz" wrap="square" lIns="91440" tIns="45720" rIns="91440" bIns="45720" numCol="1" anchor="ctr" anchorCtr="0" compatLnSpc="1">
+            <a:prstTxWarp prst="textNoShape">
+              <a:avLst/>
+            </a:prstTxWarp>
           </a:bodyPr>
           <a:lstStyle/>
           <a:p>
-            <a:r>
-              <a:rPr lang="en-US"/>
+            <a:pPr lvl="0"/>
+            <a:r>
+              <a:rPr lang="en-US" altLang="en-US"/>
               <a:t>Click to edit Master title style</a:t>
             </a:r>
           </a:p>
@@ -2807,21 +3166,21 @@
       </p:sp>
       <p:sp>
         <p:nvSpPr>
-          <p:cNvPr id="3" name="Text Placeholder 2">
-            <a:extLst>
-              <a:ext uri="{FF2B5EF4-FFF2-40B4-BE49-F238E27FC236}">
-                <a16:creationId xmlns:a16="http://schemas.microsoft.com/office/drawing/2014/main" id="{A8297438-EE73-4127-98C1-D2460810A39F}"/>
+          <p:cNvPr id="1027" name="Text Placeholder 2">
+            <a:extLst>
+              <a:ext uri="{FF2B5EF4-FFF2-40B4-BE49-F238E27FC236}">
+                <a16:creationId xmlns:a16="http://schemas.microsoft.com/office/drawing/2014/main" id="{A03A56CF-BB71-4124-849B-015006D389E4}"/>
               </a:ext>
             </a:extLst>
           </p:cNvPr>
           <p:cNvSpPr>
-            <a:spLocks noGrp="1"/>
+            <a:spLocks noGrp="1" noChangeArrowheads="1"/>
           </p:cNvSpPr>
           <p:nvPr>
             <p:ph type="body" idx="1"/>
           </p:nvPr>
         </p:nvSpPr>
-        <p:spPr>
+        <p:spPr bwMode="auto">
           <a:xfrm>
             <a:off x="838200" y="1825625"/>
             <a:ext cx="10515600" cy="4351338"/>
@@ -2829,44 +3188,69 @@
           <a:prstGeom prst="rect">
             <a:avLst/>
           </a:prstGeom>
+          <a:noFill/>
+          <a:ln>
+            <a:noFill/>
+          </a:ln>
+          <a:extLst>
+            <a:ext uri="{909E8E84-426E-40DD-AFC4-6F175D3DCCD1}">
+              <a14:hiddenFill xmlns:a14="http://schemas.microsoft.com/office/drawing/2010/main">
+                <a:solidFill>
+                  <a:srgbClr val="FFFFFF"/>
+                </a:solidFill>
+              </a14:hiddenFill>
+            </a:ext>
+            <a:ext uri="{91240B29-F687-4F45-9708-019B960494DF}">
+              <a14:hiddenLine xmlns:a14="http://schemas.microsoft.com/office/drawing/2010/main" w="9525">
+                <a:solidFill>
+                  <a:srgbClr val="000000"/>
+                </a:solidFill>
+                <a:miter lim="800000"/>
+                <a:headEnd/>
+                <a:tailEnd/>
+              </a14:hiddenLine>
+            </a:ext>
+          </a:extLst>
         </p:spPr>
         <p:txBody>
-          <a:bodyPr vert="horz" lIns="91440" tIns="45720" rIns="91440" bIns="45720" rtlCol="0">
-            <a:normAutofit/>
+          <a:bodyPr vert="horz" wrap="square" lIns="91440" tIns="45720" rIns="91440" bIns="45720" numCol="1" anchor="t" anchorCtr="0" compatLnSpc="1">
+            <a:prstTxWarp prst="textNoShape">
+              <a:avLst/>
+            </a:prstTxWarp>
           </a:bodyPr>
           <a:lstStyle/>
           <a:p>
             <a:pPr lvl="0"/>
             <a:r>
-              <a:rPr lang="en-US"/>
+              <a:rPr lang="en-US" altLang="en-US"/>
               <a:t>Edit Master text styles</a:t>
             </a:r>
           </a:p>
           <a:p>
             <a:pPr lvl="1"/>
             <a:r>
-              <a:rPr lang="en-US"/>
+              <a:rPr lang="en-US" altLang="en-US"/>
               <a:t>Second level</a:t>
             </a:r>
           </a:p>
           <a:p>
             <a:pPr lvl="2"/>
             <a:r>
-              <a:rPr lang="en-US"/>
+              <a:rPr lang="en-US" altLang="en-US"/>
               <a:t>Third level</a:t>
             </a:r>
           </a:p>
           <a:p>
             <a:pPr lvl="3"/>
             <a:r>
-              <a:rPr lang="en-US"/>
+              <a:rPr lang="en-US" altLang="en-US"/>
               <a:t>Fourth level</a:t>
             </a:r>
           </a:p>
           <a:p>
             <a:pPr lvl="4"/>
             <a:r>
-              <a:rPr lang="en-US"/>
+              <a:rPr lang="en-US" altLang="en-US"/>
               <a:t>Fifth level</a:t>
             </a:r>
           </a:p>
@@ -2900,20 +3284,33 @@
         <p:txBody>
           <a:bodyPr vert="horz" lIns="91440" tIns="45720" rIns="91440" bIns="45720" rtlCol="0" anchor="ctr"/>
           <a:lstStyle>
-            <a:lvl1pPr algn="l">
+            <a:lvl1pPr algn="l" eaLnBrk="1" fontAlgn="auto" hangingPunct="1">
+              <a:spcBef>
+                <a:spcPts val="0"/>
+              </a:spcBef>
+              <a:spcAft>
+                <a:spcPts val="0"/>
+              </a:spcAft>
               <a:defRPr sz="1200">
                 <a:solidFill>
                   <a:schemeClr val="tx1">
                     <a:tint val="75000"/>
                   </a:schemeClr>
                 </a:solidFill>
+                <a:latin typeface="+mn-lt"/>
               </a:defRPr>
             </a:lvl1pPr>
           </a:lstStyle>
           <a:p>
-            <a:fld id="{F7B960A8-E87F-44EA-B351-50426EF2D9EE}" type="datetimeFigureOut">
-              <a:rPr lang="en-US" smtClean="0"/>
-              <a:t>2/12/2018</a:t>
+            <a:pPr>
+              <a:defRPr/>
+            </a:pPr>
+            <a:fld id="{5074ECAA-D1EC-40A3-A303-91D299A088DA}" type="datetimeFigureOut">
+              <a:rPr lang="en-US"/>
+              <a:pPr>
+                <a:defRPr/>
+              </a:pPr>
+              <a:t>2/13/2018</a:t>
             </a:fld>
             <a:endParaRPr lang="en-US"/>
           </a:p>
@@ -2947,17 +3344,27 @@
         <p:txBody>
           <a:bodyPr vert="horz" lIns="91440" tIns="45720" rIns="91440" bIns="45720" rtlCol="0" anchor="ctr"/>
           <a:lstStyle>
-            <a:lvl1pPr algn="ctr">
+            <a:lvl1pPr algn="ctr" eaLnBrk="1" fontAlgn="auto" hangingPunct="1">
+              <a:spcBef>
+                <a:spcPts val="0"/>
+              </a:spcBef>
+              <a:spcAft>
+                <a:spcPts val="0"/>
+              </a:spcAft>
               <a:defRPr sz="1200">
                 <a:solidFill>
                   <a:schemeClr val="tx1">
                     <a:tint val="75000"/>
                   </a:schemeClr>
                 </a:solidFill>
+                <a:latin typeface="+mn-lt"/>
               </a:defRPr>
             </a:lvl1pPr>
           </a:lstStyle>
           <a:p>
+            <a:pPr>
+              <a:defRPr/>
+            </a:pPr>
             <a:endParaRPr lang="en-US"/>
           </a:p>
         </p:txBody>
@@ -2990,19 +3397,32 @@
         <p:txBody>
           <a:bodyPr vert="horz" lIns="91440" tIns="45720" rIns="91440" bIns="45720" rtlCol="0" anchor="ctr"/>
           <a:lstStyle>
-            <a:lvl1pPr algn="r">
+            <a:lvl1pPr algn="r" eaLnBrk="1" fontAlgn="auto" hangingPunct="1">
+              <a:spcBef>
+                <a:spcPts val="0"/>
+              </a:spcBef>
+              <a:spcAft>
+                <a:spcPts val="0"/>
+              </a:spcAft>
               <a:defRPr sz="1200">
                 <a:solidFill>
                   <a:schemeClr val="tx1">
                     <a:tint val="75000"/>
                   </a:schemeClr>
                 </a:solidFill>
+                <a:latin typeface="+mn-lt"/>
               </a:defRPr>
             </a:lvl1pPr>
           </a:lstStyle>
           <a:p>
-            <a:fld id="{6AE0302C-4710-4C69-A2CD-B9F4183A599C}" type="slidenum">
-              <a:rPr lang="en-US" smtClean="0"/>
+            <a:pPr>
+              <a:defRPr/>
+            </a:pPr>
+            <a:fld id="{8839316B-A4DC-4A56-9A54-DBFA63E68FA3}" type="slidenum">
+              <a:rPr lang="en-US"/>
+              <a:pPr>
+                <a:defRPr/>
+              </a:pPr>
               <a:t>‹#›</a:t>
             </a:fld>
             <a:endParaRPr lang="en-US"/>
@@ -3010,11 +3430,6 @@
         </p:txBody>
       </p:sp>
     </p:spTree>
-    <p:extLst>
-      <p:ext uri="{BB962C8B-B14F-4D97-AF65-F5344CB8AC3E}">
-        <p14:creationId xmlns:p14="http://schemas.microsoft.com/office/powerpoint/2010/main" val="1912128331"/>
-      </p:ext>
-    </p:extLst>
   </p:cSld>
   <p:clrMap bg1="lt1" tx1="dk1" bg2="lt2" tx2="dk2" accent1="accent1" accent2="accent2" accent3="accent3" accent4="accent4" accent5="accent5" accent6="accent6" hlink="hlink" folHlink="folHlink"/>
   <p:sldLayoutIdLst>
@@ -3032,14 +3447,16 @@
   </p:sldLayoutIdLst>
   <p:txStyles>
     <p:titleStyle>
-      <a:lvl1pPr algn="l" defTabSz="914400" rtl="0" eaLnBrk="1" latinLnBrk="0" hangingPunct="1">
+      <a:lvl1pPr algn="l" rtl="0" eaLnBrk="0" fontAlgn="base" hangingPunct="0">
         <a:lnSpc>
           <a:spcPct val="90000"/>
         </a:lnSpc>
         <a:spcBef>
           <a:spcPct val="0"/>
         </a:spcBef>
-        <a:buNone/>
+        <a:spcAft>
+          <a:spcPct val="0"/>
+        </a:spcAft>
         <a:defRPr sz="4400" kern="1200">
           <a:solidFill>
             <a:schemeClr val="tx1"/>
@@ -3049,15 +3466,154 @@
           <a:cs typeface="+mj-cs"/>
         </a:defRPr>
       </a:lvl1pPr>
+      <a:lvl2pPr algn="l" rtl="0" eaLnBrk="0" fontAlgn="base" hangingPunct="0">
+        <a:lnSpc>
+          <a:spcPct val="90000"/>
+        </a:lnSpc>
+        <a:spcBef>
+          <a:spcPct val="0"/>
+        </a:spcBef>
+        <a:spcAft>
+          <a:spcPct val="0"/>
+        </a:spcAft>
+        <a:defRPr sz="4400">
+          <a:solidFill>
+            <a:schemeClr val="tx1"/>
+          </a:solidFill>
+          <a:latin typeface="Calibri Light" panose="020F0302020204030204" pitchFamily="34" charset="0"/>
+        </a:defRPr>
+      </a:lvl2pPr>
+      <a:lvl3pPr algn="l" rtl="0" eaLnBrk="0" fontAlgn="base" hangingPunct="0">
+        <a:lnSpc>
+          <a:spcPct val="90000"/>
+        </a:lnSpc>
+        <a:spcBef>
+          <a:spcPct val="0"/>
+        </a:spcBef>
+        <a:spcAft>
+          <a:spcPct val="0"/>
+        </a:spcAft>
+        <a:defRPr sz="4400">
+          <a:solidFill>
+            <a:schemeClr val="tx1"/>
+          </a:solidFill>
+          <a:latin typeface="Calibri Light" panose="020F0302020204030204" pitchFamily="34" charset="0"/>
+        </a:defRPr>
+      </a:lvl3pPr>
+      <a:lvl4pPr algn="l" rtl="0" eaLnBrk="0" fontAlgn="base" hangingPunct="0">
+        <a:lnSpc>
+          <a:spcPct val="90000"/>
+        </a:lnSpc>
+        <a:spcBef>
+          <a:spcPct val="0"/>
+        </a:spcBef>
+        <a:spcAft>
+          <a:spcPct val="0"/>
+        </a:spcAft>
+        <a:defRPr sz="4400">
+          <a:solidFill>
+            <a:schemeClr val="tx1"/>
+          </a:solidFill>
+          <a:latin typeface="Calibri Light" panose="020F0302020204030204" pitchFamily="34" charset="0"/>
+        </a:defRPr>
+      </a:lvl4pPr>
+      <a:lvl5pPr algn="l" rtl="0" eaLnBrk="0" fontAlgn="base" hangingPunct="0">
+        <a:lnSpc>
+          <a:spcPct val="90000"/>
+        </a:lnSpc>
+        <a:spcBef>
+          <a:spcPct val="0"/>
+        </a:spcBef>
+        <a:spcAft>
+          <a:spcPct val="0"/>
+        </a:spcAft>
+        <a:defRPr sz="4400">
+          <a:solidFill>
+            <a:schemeClr val="tx1"/>
+          </a:solidFill>
+          <a:latin typeface="Calibri Light" panose="020F0302020204030204" pitchFamily="34" charset="0"/>
+        </a:defRPr>
+      </a:lvl5pPr>
+      <a:lvl6pPr marL="457200" algn="l" rtl="0" fontAlgn="base">
+        <a:lnSpc>
+          <a:spcPct val="90000"/>
+        </a:lnSpc>
+        <a:spcBef>
+          <a:spcPct val="0"/>
+        </a:spcBef>
+        <a:spcAft>
+          <a:spcPct val="0"/>
+        </a:spcAft>
+        <a:defRPr sz="4400">
+          <a:solidFill>
+            <a:schemeClr val="tx1"/>
+          </a:solidFill>
+          <a:latin typeface="Calibri Light" panose="020F0302020204030204" pitchFamily="34" charset="0"/>
+        </a:defRPr>
+      </a:lvl6pPr>
+      <a:lvl7pPr marL="914400" algn="l" rtl="0" fontAlgn="base">
+        <a:lnSpc>
+          <a:spcPct val="90000"/>
+        </a:lnSpc>
+        <a:spcBef>
+          <a:spcPct val="0"/>
+        </a:spcBef>
+        <a:spcAft>
+          <a:spcPct val="0"/>
+        </a:spcAft>
+        <a:defRPr sz="4400">
+          <a:solidFill>
+            <a:schemeClr val="tx1"/>
+          </a:solidFill>
+          <a:latin typeface="Calibri Light" panose="020F0302020204030204" pitchFamily="34" charset="0"/>
+        </a:defRPr>
+      </a:lvl7pPr>
+      <a:lvl8pPr marL="1371600" algn="l" rtl="0" fontAlgn="base">
+        <a:lnSpc>
+          <a:spcPct val="90000"/>
+        </a:lnSpc>
+        <a:spcBef>
+          <a:spcPct val="0"/>
+        </a:spcBef>
+        <a:spcAft>
+          <a:spcPct val="0"/>
+        </a:spcAft>
+        <a:defRPr sz="4400">
+          <a:solidFill>
+            <a:schemeClr val="tx1"/>
+          </a:solidFill>
+          <a:latin typeface="Calibri Light" panose="020F0302020204030204" pitchFamily="34" charset="0"/>
+        </a:defRPr>
+      </a:lvl8pPr>
+      <a:lvl9pPr marL="1828800" algn="l" rtl="0" fontAlgn="base">
+        <a:lnSpc>
+          <a:spcPct val="90000"/>
+        </a:lnSpc>
+        <a:spcBef>
+          <a:spcPct val="0"/>
+        </a:spcBef>
+        <a:spcAft>
+          <a:spcPct val="0"/>
+        </a:spcAft>
+        <a:defRPr sz="4400">
+          <a:solidFill>
+            <a:schemeClr val="tx1"/>
+          </a:solidFill>
+          <a:latin typeface="Calibri Light" panose="020F0302020204030204" pitchFamily="34" charset="0"/>
+        </a:defRPr>
+      </a:lvl9pPr>
     </p:titleStyle>
     <p:bodyStyle>
-      <a:lvl1pPr marL="228600" indent="-228600" algn="l" defTabSz="914400" rtl="0" eaLnBrk="1" latinLnBrk="0" hangingPunct="1">
+      <a:lvl1pPr marL="228600" indent="-228600" algn="l" rtl="0" eaLnBrk="0" fontAlgn="base" hangingPunct="0">
         <a:lnSpc>
           <a:spcPct val="90000"/>
         </a:lnSpc>
         <a:spcBef>
           <a:spcPts val="1000"/>
         </a:spcBef>
+        <a:spcAft>
+          <a:spcPct val="0"/>
+        </a:spcAft>
         <a:buFont typeface="Arial" panose="020B0604020202020204" pitchFamily="34" charset="0"/>
         <a:buChar char="•"/>
         <a:defRPr sz="2800" kern="1200">
@@ -3069,13 +3625,16 @@
           <a:cs typeface="+mn-cs"/>
         </a:defRPr>
       </a:lvl1pPr>
-      <a:lvl2pPr marL="685800" indent="-228600" algn="l" defTabSz="914400" rtl="0" eaLnBrk="1" latinLnBrk="0" hangingPunct="1">
+      <a:lvl2pPr marL="685800" indent="-228600" algn="l" rtl="0" eaLnBrk="0" fontAlgn="base" hangingPunct="0">
         <a:lnSpc>
           <a:spcPct val="90000"/>
         </a:lnSpc>
         <a:spcBef>
           <a:spcPts val="500"/>
         </a:spcBef>
+        <a:spcAft>
+          <a:spcPct val="0"/>
+        </a:spcAft>
         <a:buFont typeface="Arial" panose="020B0604020202020204" pitchFamily="34" charset="0"/>
         <a:buChar char="•"/>
         <a:defRPr sz="2400" kern="1200">
@@ -3087,13 +3646,16 @@
           <a:cs typeface="+mn-cs"/>
         </a:defRPr>
       </a:lvl2pPr>
-      <a:lvl3pPr marL="1143000" indent="-228600" algn="l" defTabSz="914400" rtl="0" eaLnBrk="1" latinLnBrk="0" hangingPunct="1">
+      <a:lvl3pPr marL="1143000" indent="-228600" algn="l" rtl="0" eaLnBrk="0" fontAlgn="base" hangingPunct="0">
         <a:lnSpc>
           <a:spcPct val="90000"/>
         </a:lnSpc>
         <a:spcBef>
           <a:spcPts val="500"/>
         </a:spcBef>
+        <a:spcAft>
+          <a:spcPct val="0"/>
+        </a:spcAft>
         <a:buFont typeface="Arial" panose="020B0604020202020204" pitchFamily="34" charset="0"/>
         <a:buChar char="•"/>
         <a:defRPr sz="2000" kern="1200">
@@ -3105,16 +3667,19 @@
           <a:cs typeface="+mn-cs"/>
         </a:defRPr>
       </a:lvl3pPr>
-      <a:lvl4pPr marL="1600200" indent="-228600" algn="l" defTabSz="914400" rtl="0" eaLnBrk="1" latinLnBrk="0" hangingPunct="1">
+      <a:lvl4pPr marL="1600200" indent="-228600" algn="l" rtl="0" eaLnBrk="0" fontAlgn="base" hangingPunct="0">
         <a:lnSpc>
           <a:spcPct val="90000"/>
         </a:lnSpc>
         <a:spcBef>
           <a:spcPts val="500"/>
         </a:spcBef>
+        <a:spcAft>
+          <a:spcPct val="0"/>
+        </a:spcAft>
         <a:buFont typeface="Arial" panose="020B0604020202020204" pitchFamily="34" charset="0"/>
         <a:buChar char="•"/>
-        <a:defRPr sz="1800" kern="1200">
+        <a:defRPr kern="1200">
           <a:solidFill>
             <a:schemeClr val="tx1"/>
           </a:solidFill>
@@ -3123,16 +3688,19 @@
           <a:cs typeface="+mn-cs"/>
         </a:defRPr>
       </a:lvl4pPr>
-      <a:lvl5pPr marL="2057400" indent="-228600" algn="l" defTabSz="914400" rtl="0" eaLnBrk="1" latinLnBrk="0" hangingPunct="1">
+      <a:lvl5pPr marL="2057400" indent="-228600" algn="l" rtl="0" eaLnBrk="0" fontAlgn="base" hangingPunct="0">
         <a:lnSpc>
           <a:spcPct val="90000"/>
         </a:lnSpc>
         <a:spcBef>
           <a:spcPts val="500"/>
         </a:spcBef>
+        <a:spcAft>
+          <a:spcPct val="0"/>
+        </a:spcAft>
         <a:buFont typeface="Arial" panose="020B0604020202020204" pitchFamily="34" charset="0"/>
         <a:buChar char="•"/>
-        <a:defRPr sz="1800" kern="1200">
+        <a:defRPr kern="1200">
           <a:solidFill>
             <a:schemeClr val="tx1"/>
           </a:solidFill>
@@ -3332,15 +3900,15 @@
       </p:grpSpPr>
       <p:sp>
         <p:nvSpPr>
-          <p:cNvPr id="2" name="Title 1">
-            <a:extLst>
-              <a:ext uri="{FF2B5EF4-FFF2-40B4-BE49-F238E27FC236}">
-                <a16:creationId xmlns:a16="http://schemas.microsoft.com/office/drawing/2014/main" id="{E9E1FB94-357D-4711-A789-69D6614EC850}"/>
+          <p:cNvPr id="2050" name="Title 1">
+            <a:extLst>
+              <a:ext uri="{FF2B5EF4-FFF2-40B4-BE49-F238E27FC236}">
+                <a16:creationId xmlns:a16="http://schemas.microsoft.com/office/drawing/2014/main" id="{F8C4418C-26DF-44E0-9A7E-F87392D355D7}"/>
               </a:ext>
             </a:extLst>
           </p:cNvPr>
           <p:cNvSpPr>
-            <a:spLocks noGrp="1"/>
+            <a:spLocks noGrp="1" noChangeArrowheads="1"/>
           </p:cNvSpPr>
           <p:nvPr>
             <p:ph type="ctrTitle"/>
@@ -3351,8 +3919,9 @@
           <a:bodyPr/>
           <a:lstStyle/>
           <a:p>
-            <a:r>
-              <a:rPr lang="en-US" dirty="0"/>
+            <a:pPr eaLnBrk="1" hangingPunct="1"/>
+            <a:r>
+              <a:rPr lang="en-US" altLang="en-US"/>
               <a:t>IOT Power Considerations</a:t>
             </a:r>
           </a:p>
@@ -3360,15 +3929,15 @@
       </p:sp>
       <p:sp>
         <p:nvSpPr>
-          <p:cNvPr id="3" name="Subtitle 2">
-            <a:extLst>
-              <a:ext uri="{FF2B5EF4-FFF2-40B4-BE49-F238E27FC236}">
-                <a16:creationId xmlns:a16="http://schemas.microsoft.com/office/drawing/2014/main" id="{E45B8253-5070-4531-ACA7-C874EF6AA46C}"/>
+          <p:cNvPr id="2051" name="Subtitle 2">
+            <a:extLst>
+              <a:ext uri="{FF2B5EF4-FFF2-40B4-BE49-F238E27FC236}">
+                <a16:creationId xmlns:a16="http://schemas.microsoft.com/office/drawing/2014/main" id="{3A8610DB-8AFD-4BEE-ABDC-5D64B28F0B9B}"/>
               </a:ext>
             </a:extLst>
           </p:cNvPr>
           <p:cNvSpPr>
-            <a:spLocks noGrp="1"/>
+            <a:spLocks noGrp="1" noChangeArrowheads="1"/>
           </p:cNvSpPr>
           <p:nvPr>
             <p:ph type="subTitle" idx="1"/>
@@ -3379,16 +3948,12 @@
           <a:bodyPr/>
           <a:lstStyle/>
           <a:p>
-            <a:endParaRPr lang="en-US"/>
+            <a:pPr eaLnBrk="1" hangingPunct="1"/>
+            <a:endParaRPr lang="en-US" altLang="en-US"/>
           </a:p>
         </p:txBody>
       </p:sp>
     </p:spTree>
-    <p:extLst>
-      <p:ext uri="{BB962C8B-B14F-4D97-AF65-F5344CB8AC3E}">
-        <p14:creationId xmlns:p14="http://schemas.microsoft.com/office/powerpoint/2010/main" val="87912941"/>
-      </p:ext>
-    </p:extLst>
   </p:cSld>
   <p:clrMapOvr>
     <a:masterClrMapping/>
@@ -3415,15 +3980,15 @@
       </p:grpSpPr>
       <p:sp>
         <p:nvSpPr>
-          <p:cNvPr id="2" name="Title 1">
-            <a:extLst>
-              <a:ext uri="{FF2B5EF4-FFF2-40B4-BE49-F238E27FC236}">
-                <a16:creationId xmlns:a16="http://schemas.microsoft.com/office/drawing/2014/main" id="{7CAEEBB3-2569-4C25-963D-D2B6AE18D326}"/>
+          <p:cNvPr id="11266" name="Title 1">
+            <a:extLst>
+              <a:ext uri="{FF2B5EF4-FFF2-40B4-BE49-F238E27FC236}">
+                <a16:creationId xmlns:a16="http://schemas.microsoft.com/office/drawing/2014/main" id="{16613972-8636-4977-9C39-FD050C2D75B2}"/>
               </a:ext>
             </a:extLst>
           </p:cNvPr>
           <p:cNvSpPr>
-            <a:spLocks noGrp="1"/>
+            <a:spLocks noGrp="1" noChangeArrowheads="1"/>
           </p:cNvSpPr>
           <p:nvPr>
             <p:ph type="title"/>
@@ -3434,8 +3999,9 @@
           <a:bodyPr/>
           <a:lstStyle/>
           <a:p>
-            <a:r>
-              <a:rPr lang="en-US" dirty="0"/>
+            <a:pPr eaLnBrk="1" hangingPunct="1"/>
+            <a:r>
+              <a:rPr lang="en-US" altLang="en-US"/>
               <a:t>Product for Majority of California Agriculture</a:t>
             </a:r>
           </a:p>
@@ -3443,15 +4009,15 @@
       </p:sp>
       <p:sp>
         <p:nvSpPr>
-          <p:cNvPr id="3" name="Content Placeholder 2">
-            <a:extLst>
-              <a:ext uri="{FF2B5EF4-FFF2-40B4-BE49-F238E27FC236}">
-                <a16:creationId xmlns:a16="http://schemas.microsoft.com/office/drawing/2014/main" id="{0149512C-C488-43E0-AD4E-4DB51364DCCE}"/>
+          <p:cNvPr id="11267" name="Content Placeholder 2">
+            <a:extLst>
+              <a:ext uri="{FF2B5EF4-FFF2-40B4-BE49-F238E27FC236}">
+                <a16:creationId xmlns:a16="http://schemas.microsoft.com/office/drawing/2014/main" id="{B44A28C3-0CDD-40BF-8FFE-3488D4825735}"/>
               </a:ext>
             </a:extLst>
           </p:cNvPr>
           <p:cNvSpPr>
-            <a:spLocks noGrp="1"/>
+            <a:spLocks noGrp="1" noChangeArrowheads="1"/>
           </p:cNvSpPr>
           <p:nvPr>
             <p:ph idx="1"/>
@@ -3462,34 +4028,33 @@
           <a:bodyPr/>
           <a:lstStyle/>
           <a:p>
-            <a:r>
-              <a:rPr lang="en-US" dirty="0"/>
+            <a:pPr eaLnBrk="1" hangingPunct="1"/>
+            <a:r>
+              <a:rPr lang="en-US" altLang="en-US"/>
               <a:t>I do not have time to develop this product</a:t>
             </a:r>
           </a:p>
           <a:p>
-            <a:r>
-              <a:rPr lang="en-US" dirty="0"/>
+            <a:pPr eaLnBrk="1" hangingPunct="1"/>
+            <a:r>
+              <a:rPr lang="en-US" altLang="en-US"/>
               <a:t>I could use this product.</a:t>
             </a:r>
           </a:p>
           <a:p>
-            <a:r>
-              <a:rPr lang="en-US" dirty="0"/>
+            <a:pPr eaLnBrk="1" hangingPunct="1"/>
+            <a:r>
+              <a:rPr lang="en-US" altLang="en-US"/>
               <a:t>I will let some one prototype it on my site</a:t>
             </a:r>
           </a:p>
           <a:p>
-            <a:endParaRPr lang="en-US" dirty="0"/>
+            <a:pPr eaLnBrk="1" hangingPunct="1"/>
+            <a:endParaRPr lang="en-US" altLang="en-US"/>
           </a:p>
         </p:txBody>
       </p:sp>
     </p:spTree>
-    <p:extLst>
-      <p:ext uri="{BB962C8B-B14F-4D97-AF65-F5344CB8AC3E}">
-        <p14:creationId xmlns:p14="http://schemas.microsoft.com/office/powerpoint/2010/main" val="1584301933"/>
-      </p:ext>
-    </p:extLst>
   </p:cSld>
   <p:clrMapOvr>
     <a:masterClrMapping/>
@@ -3516,15 +4081,15 @@
       </p:grpSpPr>
       <p:sp>
         <p:nvSpPr>
-          <p:cNvPr id="2" name="Title 1">
-            <a:extLst>
-              <a:ext uri="{FF2B5EF4-FFF2-40B4-BE49-F238E27FC236}">
-                <a16:creationId xmlns:a16="http://schemas.microsoft.com/office/drawing/2014/main" id="{C7FB2815-6DFA-4755-ABE4-5063DC7F0BCD}"/>
+          <p:cNvPr id="3074" name="Title 1">
+            <a:extLst>
+              <a:ext uri="{FF2B5EF4-FFF2-40B4-BE49-F238E27FC236}">
+                <a16:creationId xmlns:a16="http://schemas.microsoft.com/office/drawing/2014/main" id="{2F8ABD96-5ECB-4847-9C24-EBE65A214E14}"/>
               </a:ext>
             </a:extLst>
           </p:cNvPr>
           <p:cNvSpPr>
-            <a:spLocks noGrp="1"/>
+            <a:spLocks noGrp="1" noChangeArrowheads="1"/>
           </p:cNvSpPr>
           <p:nvPr>
             <p:ph type="title"/>
@@ -3535,8 +4100,9 @@
           <a:bodyPr/>
           <a:lstStyle/>
           <a:p>
-            <a:r>
-              <a:rPr lang="en-US" dirty="0"/>
+            <a:pPr eaLnBrk="1" hangingPunct="1"/>
+            <a:r>
+              <a:rPr lang="en-US" altLang="en-US"/>
               <a:t>Two Types of Power Sites</a:t>
             </a:r>
           </a:p>
@@ -3544,15 +4110,15 @@
       </p:sp>
       <p:sp>
         <p:nvSpPr>
-          <p:cNvPr id="3" name="Content Placeholder 2">
-            <a:extLst>
-              <a:ext uri="{FF2B5EF4-FFF2-40B4-BE49-F238E27FC236}">
-                <a16:creationId xmlns:a16="http://schemas.microsoft.com/office/drawing/2014/main" id="{3AB8E22B-AECA-43FC-8189-D006A4FCF886}"/>
+          <p:cNvPr id="3075" name="Content Placeholder 2">
+            <a:extLst>
+              <a:ext uri="{FF2B5EF4-FFF2-40B4-BE49-F238E27FC236}">
+                <a16:creationId xmlns:a16="http://schemas.microsoft.com/office/drawing/2014/main" id="{E8AF7677-31EA-43F3-B951-66907B939500}"/>
               </a:ext>
             </a:extLst>
           </p:cNvPr>
           <p:cNvSpPr>
-            <a:spLocks noGrp="1"/>
+            <a:spLocks noGrp="1" noChangeArrowheads="1"/>
           </p:cNvSpPr>
           <p:nvPr>
             <p:ph idx="1"/>
@@ -3563,78 +4129,68 @@
           <a:bodyPr/>
           <a:lstStyle/>
           <a:p>
-            <a:r>
-              <a:rPr lang="en-US" dirty="0"/>
+            <a:pPr eaLnBrk="1" hangingPunct="1"/>
+            <a:r>
+              <a:rPr lang="en-US" altLang="en-US"/>
               <a:t>Sites with Power and Sites without Power</a:t>
             </a:r>
           </a:p>
           <a:p>
-            <a:r>
-              <a:rPr lang="en-US" dirty="0"/>
+            <a:pPr eaLnBrk="1" hangingPunct="1"/>
+            <a:r>
+              <a:rPr lang="en-US" altLang="en-US"/>
               <a:t>My irrigation system that I developed requires ac power brought to the site. </a:t>
             </a:r>
           </a:p>
           <a:p>
-            <a:pPr lvl="1"/>
-            <a:r>
-              <a:rPr lang="en-US" dirty="0"/>
+            <a:pPr lvl="1" eaLnBrk="1" hangingPunct="1"/>
+            <a:r>
+              <a:rPr lang="en-US" altLang="en-US"/>
               <a:t>For sites that have wells this is not a problem</a:t>
             </a:r>
           </a:p>
           <a:p>
-            <a:pPr lvl="1"/>
-            <a:r>
-              <a:rPr lang="en-US" dirty="0"/>
+            <a:pPr lvl="1" eaLnBrk="1" hangingPunct="1"/>
+            <a:r>
+              <a:rPr lang="en-US" altLang="en-US"/>
               <a:t>The solenoid valves that I use require about 4.5 watts to operate.</a:t>
             </a:r>
           </a:p>
           <a:p>
-            <a:pPr lvl="1"/>
-            <a:r>
-              <a:rPr lang="en-US" dirty="0"/>
+            <a:pPr lvl="1" eaLnBrk="1" hangingPunct="1"/>
+            <a:r>
+              <a:rPr lang="en-US" altLang="en-US"/>
               <a:t>The max irrigation draw would be 18 watts ( 4 valves )</a:t>
             </a:r>
           </a:p>
           <a:p>
-            <a:r>
-              <a:rPr lang="en-US" dirty="0"/>
-              <a:t>There are sites in </a:t>
-            </a:r>
-            <a:r>
-              <a:rPr lang="en-US" dirty="0" err="1"/>
-              <a:t>Deluz</a:t>
-            </a:r>
-            <a:r>
-              <a:rPr lang="en-US" dirty="0"/>
-              <a:t> where there is no electrical is present.</a:t>
-            </a:r>
-          </a:p>
-          <a:p>
-            <a:pPr lvl="1"/>
-            <a:r>
-              <a:rPr lang="en-US" dirty="0"/>
+            <a:pPr eaLnBrk="1" hangingPunct="1"/>
+            <a:r>
+              <a:rPr lang="en-US" altLang="en-US"/>
+              <a:t>There are sites in Deluz where there is no electrical is present.</a:t>
+            </a:r>
+          </a:p>
+          <a:p>
+            <a:pPr lvl="1" eaLnBrk="1" hangingPunct="1"/>
+            <a:r>
+              <a:rPr lang="en-US" altLang="en-US"/>
               <a:t>Uses Rancho Water</a:t>
             </a:r>
           </a:p>
           <a:p>
-            <a:pPr lvl="1"/>
-            <a:r>
-              <a:rPr lang="en-US" dirty="0"/>
+            <a:pPr lvl="1" eaLnBrk="1" hangingPunct="1"/>
+            <a:r>
+              <a:rPr lang="en-US" altLang="en-US"/>
               <a:t>Even though electrical lines are overhead, cost would be prohibited to install electric for irrigation control. </a:t>
             </a:r>
           </a:p>
           <a:p>
-            <a:pPr lvl="1"/>
-            <a:endParaRPr lang="en-US" dirty="0"/>
+            <a:pPr lvl="1" eaLnBrk="1" hangingPunct="1"/>
+            <a:endParaRPr lang="en-US" altLang="en-US"/>
           </a:p>
         </p:txBody>
       </p:sp>
     </p:spTree>
-    <p:extLst>
-      <p:ext uri="{BB962C8B-B14F-4D97-AF65-F5344CB8AC3E}">
-        <p14:creationId xmlns:p14="http://schemas.microsoft.com/office/powerpoint/2010/main" val="2435004285"/>
-      </p:ext>
-    </p:extLst>
   </p:cSld>
   <p:clrMapOvr>
     <a:masterClrMapping/>
@@ -3661,15 +4217,15 @@
       </p:grpSpPr>
       <p:sp>
         <p:nvSpPr>
-          <p:cNvPr id="2" name="Title 1">
-            <a:extLst>
-              <a:ext uri="{FF2B5EF4-FFF2-40B4-BE49-F238E27FC236}">
-                <a16:creationId xmlns:a16="http://schemas.microsoft.com/office/drawing/2014/main" id="{5F42C855-8AE5-4A21-9C47-ED3D1D265B35}"/>
+          <p:cNvPr id="4098" name="Title 1">
+            <a:extLst>
+              <a:ext uri="{FF2B5EF4-FFF2-40B4-BE49-F238E27FC236}">
+                <a16:creationId xmlns:a16="http://schemas.microsoft.com/office/drawing/2014/main" id="{42A27298-2ACD-4876-B3C1-1EFDE27D05A5}"/>
               </a:ext>
             </a:extLst>
           </p:cNvPr>
           <p:cNvSpPr>
-            <a:spLocks noGrp="1"/>
+            <a:spLocks noGrp="1" noChangeArrowheads="1"/>
           </p:cNvSpPr>
           <p:nvPr>
             <p:ph type="title"/>
@@ -3680,8 +4236,9 @@
           <a:bodyPr/>
           <a:lstStyle/>
           <a:p>
-            <a:r>
-              <a:rPr lang="en-US" dirty="0"/>
+            <a:pPr eaLnBrk="1" hangingPunct="1"/>
+            <a:r>
+              <a:rPr lang="en-US" altLang="en-US"/>
               <a:t>Sites where power will never be added</a:t>
             </a:r>
           </a:p>
@@ -3689,10 +4246,10 @@
       </p:sp>
       <p:pic>
         <p:nvPicPr>
-          <p:cNvPr id="1026" name="Picture 2" descr="https://upload.wikimedia.org/wikipedia/commons/thumb/1/17/PivotIrrigationOnCotton.jpg/300px-PivotIrrigationOnCotton.jpg">
-            <a:extLst>
-              <a:ext uri="{FF2B5EF4-FFF2-40B4-BE49-F238E27FC236}">
-                <a16:creationId xmlns:a16="http://schemas.microsoft.com/office/drawing/2014/main" id="{D26A5C32-E179-48B8-B3E8-91EEB6596D7C}"/>
+          <p:cNvPr id="4099" name="Picture 2" descr="https://upload.wikimedia.org/wikipedia/commons/thumb/1/17/PivotIrrigationOnCotton.jpg/300px-PivotIrrigationOnCotton.jpg">
+            <a:extLst>
+              <a:ext uri="{FF2B5EF4-FFF2-40B4-BE49-F238E27FC236}">
+                <a16:creationId xmlns:a16="http://schemas.microsoft.com/office/drawing/2014/main" id="{0F7E8D2B-956C-4E7C-8F9A-A5B6574033DF}"/>
               </a:ext>
             </a:extLst>
           </p:cNvPr>
@@ -3723,6 +4280,9 @@
             <a:avLst/>
           </a:prstGeom>
           <a:noFill/>
+          <a:ln>
+            <a:noFill/>
+          </a:ln>
           <a:extLst>
             <a:ext uri="{909E8E84-426E-40DD-AFC4-6F175D3DCCD1}">
               <a14:hiddenFill xmlns:a14="http://schemas.microsoft.com/office/drawing/2010/main">
@@ -3730,51 +4290,247 @@
                   <a:srgbClr val="FFFFFF"/>
                 </a:solidFill>
               </a14:hiddenFill>
+            </a:ext>
+            <a:ext uri="{91240B29-F687-4F45-9708-019B960494DF}">
+              <a14:hiddenLine xmlns:a14="http://schemas.microsoft.com/office/drawing/2010/main" w="9525">
+                <a:solidFill>
+                  <a:srgbClr val="000000"/>
+                </a:solidFill>
+                <a:miter lim="800000"/>
+                <a:headEnd/>
+                <a:tailEnd/>
+              </a14:hiddenLine>
             </a:ext>
           </a:extLst>
         </p:spPr>
       </p:pic>
       <p:sp>
         <p:nvSpPr>
-          <p:cNvPr id="4" name="TextBox 3">
-            <a:extLst>
-              <a:ext uri="{FF2B5EF4-FFF2-40B4-BE49-F238E27FC236}">
-                <a16:creationId xmlns:a16="http://schemas.microsoft.com/office/drawing/2014/main" id="{F7694CCA-9644-4D13-8116-83FF2D50496A}"/>
-              </a:ext>
-            </a:extLst>
-          </p:cNvPr>
-          <p:cNvSpPr txBox="1"/>
+          <p:cNvPr id="4100" name="TextBox 3">
+            <a:extLst>
+              <a:ext uri="{FF2B5EF4-FFF2-40B4-BE49-F238E27FC236}">
+                <a16:creationId xmlns:a16="http://schemas.microsoft.com/office/drawing/2014/main" id="{89046E7B-B87D-4669-9B6E-2A3398F4D44A}"/>
+              </a:ext>
+            </a:extLst>
+          </p:cNvPr>
+          <p:cNvSpPr txBox="1">
+            <a:spLocks noChangeArrowheads="1"/>
+          </p:cNvSpPr>
           <p:nvPr/>
         </p:nvSpPr>
-        <p:spPr>
+        <p:spPr bwMode="auto">
           <a:xfrm>
-            <a:off x="6522244" y="2064544"/>
-            <a:ext cx="3857625" cy="646331"/>
+            <a:off x="6523038" y="2065338"/>
+            <a:ext cx="3857625" cy="646112"/>
           </a:xfrm>
           <a:prstGeom prst="rect">
             <a:avLst/>
           </a:prstGeom>
           <a:noFill/>
+          <a:ln>
+            <a:noFill/>
+          </a:ln>
+          <a:extLst>
+            <a:ext uri="{909E8E84-426E-40DD-AFC4-6F175D3DCCD1}">
+              <a14:hiddenFill xmlns:a14="http://schemas.microsoft.com/office/drawing/2010/main">
+                <a:solidFill>
+                  <a:srgbClr val="FFFFFF"/>
+                </a:solidFill>
+              </a14:hiddenFill>
+            </a:ext>
+            <a:ext uri="{91240B29-F687-4F45-9708-019B960494DF}">
+              <a14:hiddenLine xmlns:a14="http://schemas.microsoft.com/office/drawing/2010/main" w="9525">
+                <a:solidFill>
+                  <a:srgbClr val="000000"/>
+                </a:solidFill>
+                <a:miter lim="800000"/>
+                <a:headEnd/>
+                <a:tailEnd/>
+              </a14:hiddenLine>
+            </a:ext>
+          </a:extLst>
         </p:spPr>
         <p:txBody>
-          <a:bodyPr wrap="square" rtlCol="0">
+          <a:bodyPr>
             <a:spAutoFit/>
           </a:bodyPr>
-          <a:lstStyle/>
-          <a:p>
-            <a:r>
-              <a:rPr lang="en-US" dirty="0"/>
+          <a:lstStyle>
+            <a:lvl1pPr>
+              <a:lnSpc>
+                <a:spcPct val="90000"/>
+              </a:lnSpc>
+              <a:spcBef>
+                <a:spcPts val="1000"/>
+              </a:spcBef>
+              <a:buFont typeface="Arial" panose="020B0604020202020204" pitchFamily="34" charset="0"/>
+              <a:buChar char="•"/>
+              <a:defRPr sz="2800">
+                <a:solidFill>
+                  <a:schemeClr val="tx1"/>
+                </a:solidFill>
+                <a:latin typeface="Calibri" panose="020F0502020204030204" pitchFamily="34" charset="0"/>
+              </a:defRPr>
+            </a:lvl1pPr>
+            <a:lvl2pPr marL="742950" indent="-285750">
+              <a:lnSpc>
+                <a:spcPct val="90000"/>
+              </a:lnSpc>
+              <a:spcBef>
+                <a:spcPts val="500"/>
+              </a:spcBef>
+              <a:buFont typeface="Arial" panose="020B0604020202020204" pitchFamily="34" charset="0"/>
+              <a:buChar char="•"/>
+              <a:defRPr sz="2400">
+                <a:solidFill>
+                  <a:schemeClr val="tx1"/>
+                </a:solidFill>
+                <a:latin typeface="Calibri" panose="020F0502020204030204" pitchFamily="34" charset="0"/>
+              </a:defRPr>
+            </a:lvl2pPr>
+            <a:lvl3pPr marL="1143000" indent="-228600">
+              <a:lnSpc>
+                <a:spcPct val="90000"/>
+              </a:lnSpc>
+              <a:spcBef>
+                <a:spcPts val="500"/>
+              </a:spcBef>
+              <a:buFont typeface="Arial" panose="020B0604020202020204" pitchFamily="34" charset="0"/>
+              <a:buChar char="•"/>
+              <a:defRPr sz="2000">
+                <a:solidFill>
+                  <a:schemeClr val="tx1"/>
+                </a:solidFill>
+                <a:latin typeface="Calibri" panose="020F0502020204030204" pitchFamily="34" charset="0"/>
+              </a:defRPr>
+            </a:lvl3pPr>
+            <a:lvl4pPr marL="1600200" indent="-228600">
+              <a:lnSpc>
+                <a:spcPct val="90000"/>
+              </a:lnSpc>
+              <a:spcBef>
+                <a:spcPts val="500"/>
+              </a:spcBef>
+              <a:buFont typeface="Arial" panose="020B0604020202020204" pitchFamily="34" charset="0"/>
+              <a:buChar char="•"/>
+              <a:defRPr>
+                <a:solidFill>
+                  <a:schemeClr val="tx1"/>
+                </a:solidFill>
+                <a:latin typeface="Calibri" panose="020F0502020204030204" pitchFamily="34" charset="0"/>
+              </a:defRPr>
+            </a:lvl4pPr>
+            <a:lvl5pPr marL="2057400" indent="-228600">
+              <a:lnSpc>
+                <a:spcPct val="90000"/>
+              </a:lnSpc>
+              <a:spcBef>
+                <a:spcPts val="500"/>
+              </a:spcBef>
+              <a:buFont typeface="Arial" panose="020B0604020202020204" pitchFamily="34" charset="0"/>
+              <a:buChar char="•"/>
+              <a:defRPr>
+                <a:solidFill>
+                  <a:schemeClr val="tx1"/>
+                </a:solidFill>
+                <a:latin typeface="Calibri" panose="020F0502020204030204" pitchFamily="34" charset="0"/>
+              </a:defRPr>
+            </a:lvl5pPr>
+            <a:lvl6pPr marL="2514600" indent="-228600" eaLnBrk="0" fontAlgn="base" hangingPunct="0">
+              <a:lnSpc>
+                <a:spcPct val="90000"/>
+              </a:lnSpc>
+              <a:spcBef>
+                <a:spcPts val="500"/>
+              </a:spcBef>
+              <a:spcAft>
+                <a:spcPct val="0"/>
+              </a:spcAft>
+              <a:buFont typeface="Arial" panose="020B0604020202020204" pitchFamily="34" charset="0"/>
+              <a:buChar char="•"/>
+              <a:defRPr>
+                <a:solidFill>
+                  <a:schemeClr val="tx1"/>
+                </a:solidFill>
+                <a:latin typeface="Calibri" panose="020F0502020204030204" pitchFamily="34" charset="0"/>
+              </a:defRPr>
+            </a:lvl6pPr>
+            <a:lvl7pPr marL="2971800" indent="-228600" eaLnBrk="0" fontAlgn="base" hangingPunct="0">
+              <a:lnSpc>
+                <a:spcPct val="90000"/>
+              </a:lnSpc>
+              <a:spcBef>
+                <a:spcPts val="500"/>
+              </a:spcBef>
+              <a:spcAft>
+                <a:spcPct val="0"/>
+              </a:spcAft>
+              <a:buFont typeface="Arial" panose="020B0604020202020204" pitchFamily="34" charset="0"/>
+              <a:buChar char="•"/>
+              <a:defRPr>
+                <a:solidFill>
+                  <a:schemeClr val="tx1"/>
+                </a:solidFill>
+                <a:latin typeface="Calibri" panose="020F0502020204030204" pitchFamily="34" charset="0"/>
+              </a:defRPr>
+            </a:lvl7pPr>
+            <a:lvl8pPr marL="3429000" indent="-228600" eaLnBrk="0" fontAlgn="base" hangingPunct="0">
+              <a:lnSpc>
+                <a:spcPct val="90000"/>
+              </a:lnSpc>
+              <a:spcBef>
+                <a:spcPts val="500"/>
+              </a:spcBef>
+              <a:spcAft>
+                <a:spcPct val="0"/>
+              </a:spcAft>
+              <a:buFont typeface="Arial" panose="020B0604020202020204" pitchFamily="34" charset="0"/>
+              <a:buChar char="•"/>
+              <a:defRPr>
+                <a:solidFill>
+                  <a:schemeClr val="tx1"/>
+                </a:solidFill>
+                <a:latin typeface="Calibri" panose="020F0502020204030204" pitchFamily="34" charset="0"/>
+              </a:defRPr>
+            </a:lvl8pPr>
+            <a:lvl9pPr marL="3886200" indent="-228600" eaLnBrk="0" fontAlgn="base" hangingPunct="0">
+              <a:lnSpc>
+                <a:spcPct val="90000"/>
+              </a:lnSpc>
+              <a:spcBef>
+                <a:spcPts val="500"/>
+              </a:spcBef>
+              <a:spcAft>
+                <a:spcPct val="0"/>
+              </a:spcAft>
+              <a:buFont typeface="Arial" panose="020B0604020202020204" pitchFamily="34" charset="0"/>
+              <a:buChar char="•"/>
+              <a:defRPr>
+                <a:solidFill>
+                  <a:schemeClr val="tx1"/>
+                </a:solidFill>
+                <a:latin typeface="Calibri" panose="020F0502020204030204" pitchFamily="34" charset="0"/>
+              </a:defRPr>
+            </a:lvl9pPr>
+          </a:lstStyle>
+          <a:p>
+            <a:pPr eaLnBrk="1" hangingPunct="1">
+              <a:lnSpc>
+                <a:spcPct val="100000"/>
+              </a:lnSpc>
+              <a:spcBef>
+                <a:spcPct val="0"/>
+              </a:spcBef>
+              <a:buFontTx/>
+              <a:buNone/>
+            </a:pPr>
+            <a:r>
+              <a:rPr lang="en-US" altLang="en-US" sz="1800"/>
               <a:t>However, flow metes mounted on the unit will benefit operation.</a:t>
             </a:r>
           </a:p>
         </p:txBody>
       </p:sp>
     </p:spTree>
-    <p:extLst>
-      <p:ext uri="{BB962C8B-B14F-4D97-AF65-F5344CB8AC3E}">
-        <p14:creationId xmlns:p14="http://schemas.microsoft.com/office/powerpoint/2010/main" val="2238599353"/>
-      </p:ext>
-    </p:extLst>
   </p:cSld>
   <p:clrMapOvr>
     <a:masterClrMapping/>
@@ -3801,15 +4557,15 @@
       </p:grpSpPr>
       <p:sp>
         <p:nvSpPr>
-          <p:cNvPr id="2" name="Title 1">
-            <a:extLst>
-              <a:ext uri="{FF2B5EF4-FFF2-40B4-BE49-F238E27FC236}">
-                <a16:creationId xmlns:a16="http://schemas.microsoft.com/office/drawing/2014/main" id="{3D72F260-B6A0-4D45-99AA-5F7FEF0B6A62}"/>
+          <p:cNvPr id="5122" name="Title 1">
+            <a:extLst>
+              <a:ext uri="{FF2B5EF4-FFF2-40B4-BE49-F238E27FC236}">
+                <a16:creationId xmlns:a16="http://schemas.microsoft.com/office/drawing/2014/main" id="{2F287093-AEDD-4C09-A80D-F2F8E68AEEA5}"/>
               </a:ext>
             </a:extLst>
           </p:cNvPr>
           <p:cNvSpPr>
-            <a:spLocks noGrp="1"/>
+            <a:spLocks noGrp="1" noChangeArrowheads="1"/>
           </p:cNvSpPr>
           <p:nvPr>
             <p:ph type="title"/>
@@ -3820,8 +4576,9 @@
           <a:bodyPr/>
           <a:lstStyle/>
           <a:p>
-            <a:r>
-              <a:rPr lang="en-US" dirty="0"/>
+            <a:pPr eaLnBrk="1" hangingPunct="1"/>
+            <a:r>
+              <a:rPr lang="en-US" altLang="en-US"/>
               <a:t>Flow meters can be cheap</a:t>
             </a:r>
           </a:p>
@@ -3829,10 +4586,10 @@
       </p:sp>
       <p:pic>
         <p:nvPicPr>
-          <p:cNvPr id="2050" name="Picture 2" descr="https://images-na.ssl-images-amazon.com/images/I/61QgmQquVEL._SL1000_.jpg">
-            <a:extLst>
-              <a:ext uri="{FF2B5EF4-FFF2-40B4-BE49-F238E27FC236}">
-                <a16:creationId xmlns:a16="http://schemas.microsoft.com/office/drawing/2014/main" id="{C7DFB159-0F84-49EB-BE22-862592DEAF48}"/>
+          <p:cNvPr id="5123" name="Picture 2" descr="https://images-na.ssl-images-amazon.com/images/I/61QgmQquVEL._SL1000_.jpg">
+            <a:extLst>
+              <a:ext uri="{FF2B5EF4-FFF2-40B4-BE49-F238E27FC236}">
+                <a16:creationId xmlns:a16="http://schemas.microsoft.com/office/drawing/2014/main" id="{71631F7B-4DCD-4B12-8745-915EBBAB9CE0}"/>
               </a:ext>
             </a:extLst>
           </p:cNvPr>
@@ -3856,13 +4613,16 @@
         </p:blipFill>
         <p:spPr bwMode="auto">
           <a:xfrm>
-            <a:off x="1316831" y="1690688"/>
-            <a:ext cx="4005263" cy="4005263"/>
+            <a:off x="1316038" y="1690688"/>
+            <a:ext cx="4006850" cy="4005262"/>
           </a:xfrm>
           <a:prstGeom prst="rect">
             <a:avLst/>
           </a:prstGeom>
           <a:noFill/>
+          <a:ln>
+            <a:noFill/>
+          </a:ln>
           <a:extLst>
             <a:ext uri="{909E8E84-426E-40DD-AFC4-6F175D3DCCD1}">
               <a14:hiddenFill xmlns:a14="http://schemas.microsoft.com/office/drawing/2010/main">
@@ -3870,84 +4630,350 @@
                   <a:srgbClr val="FFFFFF"/>
                 </a:solidFill>
               </a14:hiddenFill>
+            </a:ext>
+            <a:ext uri="{91240B29-F687-4F45-9708-019B960494DF}">
+              <a14:hiddenLine xmlns:a14="http://schemas.microsoft.com/office/drawing/2010/main" w="9525">
+                <a:solidFill>
+                  <a:srgbClr val="000000"/>
+                </a:solidFill>
+                <a:miter lim="800000"/>
+                <a:headEnd/>
+                <a:tailEnd/>
+              </a14:hiddenLine>
             </a:ext>
           </a:extLst>
         </p:spPr>
       </p:pic>
       <p:sp>
         <p:nvSpPr>
-          <p:cNvPr id="4" name="TextBox 3">
-            <a:extLst>
-              <a:ext uri="{FF2B5EF4-FFF2-40B4-BE49-F238E27FC236}">
-                <a16:creationId xmlns:a16="http://schemas.microsoft.com/office/drawing/2014/main" id="{43FDEDF4-B0AC-4634-BF92-9DF2315D3A96}"/>
-              </a:ext>
-            </a:extLst>
-          </p:cNvPr>
-          <p:cNvSpPr txBox="1"/>
+          <p:cNvPr id="5124" name="TextBox 3">
+            <a:extLst>
+              <a:ext uri="{FF2B5EF4-FFF2-40B4-BE49-F238E27FC236}">
+                <a16:creationId xmlns:a16="http://schemas.microsoft.com/office/drawing/2014/main" id="{ADBDCCC2-8EF7-4480-8798-E9A97D3E71CB}"/>
+              </a:ext>
+            </a:extLst>
+          </p:cNvPr>
+          <p:cNvSpPr txBox="1">
+            <a:spLocks noChangeArrowheads="1"/>
+          </p:cNvSpPr>
           <p:nvPr/>
         </p:nvSpPr>
-        <p:spPr>
+        <p:spPr bwMode="auto">
           <a:xfrm>
             <a:off x="7143750" y="1857375"/>
-            <a:ext cx="4191276" cy="2308324"/>
+            <a:ext cx="4191000" cy="2308225"/>
           </a:xfrm>
           <a:prstGeom prst="rect">
             <a:avLst/>
           </a:prstGeom>
           <a:noFill/>
+          <a:ln>
+            <a:noFill/>
+          </a:ln>
+          <a:extLst>
+            <a:ext uri="{909E8E84-426E-40DD-AFC4-6F175D3DCCD1}">
+              <a14:hiddenFill xmlns:a14="http://schemas.microsoft.com/office/drawing/2010/main">
+                <a:solidFill>
+                  <a:srgbClr val="FFFFFF"/>
+                </a:solidFill>
+              </a14:hiddenFill>
+            </a:ext>
+            <a:ext uri="{91240B29-F687-4F45-9708-019B960494DF}">
+              <a14:hiddenLine xmlns:a14="http://schemas.microsoft.com/office/drawing/2010/main" w="9525">
+                <a:solidFill>
+                  <a:srgbClr val="000000"/>
+                </a:solidFill>
+                <a:miter lim="800000"/>
+                <a:headEnd/>
+                <a:tailEnd/>
+              </a14:hiddenLine>
+            </a:ext>
+          </a:extLst>
         </p:spPr>
         <p:txBody>
-          <a:bodyPr wrap="none" rtlCol="0">
+          <a:bodyPr wrap="none">
             <a:spAutoFit/>
           </a:bodyPr>
-          <a:lstStyle/>
-          <a:p>
-            <a:r>
-              <a:rPr lang="en-US" dirty="0"/>
+          <a:lstStyle>
+            <a:lvl1pPr>
+              <a:lnSpc>
+                <a:spcPct val="90000"/>
+              </a:lnSpc>
+              <a:spcBef>
+                <a:spcPts val="1000"/>
+              </a:spcBef>
+              <a:buFont typeface="Arial" panose="020B0604020202020204" pitchFamily="34" charset="0"/>
+              <a:buChar char="•"/>
+              <a:defRPr sz="2800">
+                <a:solidFill>
+                  <a:schemeClr val="tx1"/>
+                </a:solidFill>
+                <a:latin typeface="Calibri" panose="020F0502020204030204" pitchFamily="34" charset="0"/>
+              </a:defRPr>
+            </a:lvl1pPr>
+            <a:lvl2pPr marL="742950" indent="-285750">
+              <a:lnSpc>
+                <a:spcPct val="90000"/>
+              </a:lnSpc>
+              <a:spcBef>
+                <a:spcPts val="500"/>
+              </a:spcBef>
+              <a:buFont typeface="Arial" panose="020B0604020202020204" pitchFamily="34" charset="0"/>
+              <a:buChar char="•"/>
+              <a:defRPr sz="2400">
+                <a:solidFill>
+                  <a:schemeClr val="tx1"/>
+                </a:solidFill>
+                <a:latin typeface="Calibri" panose="020F0502020204030204" pitchFamily="34" charset="0"/>
+              </a:defRPr>
+            </a:lvl2pPr>
+            <a:lvl3pPr marL="1143000" indent="-228600">
+              <a:lnSpc>
+                <a:spcPct val="90000"/>
+              </a:lnSpc>
+              <a:spcBef>
+                <a:spcPts val="500"/>
+              </a:spcBef>
+              <a:buFont typeface="Arial" panose="020B0604020202020204" pitchFamily="34" charset="0"/>
+              <a:buChar char="•"/>
+              <a:defRPr sz="2000">
+                <a:solidFill>
+                  <a:schemeClr val="tx1"/>
+                </a:solidFill>
+                <a:latin typeface="Calibri" panose="020F0502020204030204" pitchFamily="34" charset="0"/>
+              </a:defRPr>
+            </a:lvl3pPr>
+            <a:lvl4pPr marL="1600200" indent="-228600">
+              <a:lnSpc>
+                <a:spcPct val="90000"/>
+              </a:lnSpc>
+              <a:spcBef>
+                <a:spcPts val="500"/>
+              </a:spcBef>
+              <a:buFont typeface="Arial" panose="020B0604020202020204" pitchFamily="34" charset="0"/>
+              <a:buChar char="•"/>
+              <a:defRPr>
+                <a:solidFill>
+                  <a:schemeClr val="tx1"/>
+                </a:solidFill>
+                <a:latin typeface="Calibri" panose="020F0502020204030204" pitchFamily="34" charset="0"/>
+              </a:defRPr>
+            </a:lvl4pPr>
+            <a:lvl5pPr marL="2057400" indent="-228600">
+              <a:lnSpc>
+                <a:spcPct val="90000"/>
+              </a:lnSpc>
+              <a:spcBef>
+                <a:spcPts val="500"/>
+              </a:spcBef>
+              <a:buFont typeface="Arial" panose="020B0604020202020204" pitchFamily="34" charset="0"/>
+              <a:buChar char="•"/>
+              <a:defRPr>
+                <a:solidFill>
+                  <a:schemeClr val="tx1"/>
+                </a:solidFill>
+                <a:latin typeface="Calibri" panose="020F0502020204030204" pitchFamily="34" charset="0"/>
+              </a:defRPr>
+            </a:lvl5pPr>
+            <a:lvl6pPr marL="2514600" indent="-228600" eaLnBrk="0" fontAlgn="base" hangingPunct="0">
+              <a:lnSpc>
+                <a:spcPct val="90000"/>
+              </a:lnSpc>
+              <a:spcBef>
+                <a:spcPts val="500"/>
+              </a:spcBef>
+              <a:spcAft>
+                <a:spcPct val="0"/>
+              </a:spcAft>
+              <a:buFont typeface="Arial" panose="020B0604020202020204" pitchFamily="34" charset="0"/>
+              <a:buChar char="•"/>
+              <a:defRPr>
+                <a:solidFill>
+                  <a:schemeClr val="tx1"/>
+                </a:solidFill>
+                <a:latin typeface="Calibri" panose="020F0502020204030204" pitchFamily="34" charset="0"/>
+              </a:defRPr>
+            </a:lvl6pPr>
+            <a:lvl7pPr marL="2971800" indent="-228600" eaLnBrk="0" fontAlgn="base" hangingPunct="0">
+              <a:lnSpc>
+                <a:spcPct val="90000"/>
+              </a:lnSpc>
+              <a:spcBef>
+                <a:spcPts val="500"/>
+              </a:spcBef>
+              <a:spcAft>
+                <a:spcPct val="0"/>
+              </a:spcAft>
+              <a:buFont typeface="Arial" panose="020B0604020202020204" pitchFamily="34" charset="0"/>
+              <a:buChar char="•"/>
+              <a:defRPr>
+                <a:solidFill>
+                  <a:schemeClr val="tx1"/>
+                </a:solidFill>
+                <a:latin typeface="Calibri" panose="020F0502020204030204" pitchFamily="34" charset="0"/>
+              </a:defRPr>
+            </a:lvl7pPr>
+            <a:lvl8pPr marL="3429000" indent="-228600" eaLnBrk="0" fontAlgn="base" hangingPunct="0">
+              <a:lnSpc>
+                <a:spcPct val="90000"/>
+              </a:lnSpc>
+              <a:spcBef>
+                <a:spcPts val="500"/>
+              </a:spcBef>
+              <a:spcAft>
+                <a:spcPct val="0"/>
+              </a:spcAft>
+              <a:buFont typeface="Arial" panose="020B0604020202020204" pitchFamily="34" charset="0"/>
+              <a:buChar char="•"/>
+              <a:defRPr>
+                <a:solidFill>
+                  <a:schemeClr val="tx1"/>
+                </a:solidFill>
+                <a:latin typeface="Calibri" panose="020F0502020204030204" pitchFamily="34" charset="0"/>
+              </a:defRPr>
+            </a:lvl8pPr>
+            <a:lvl9pPr marL="3886200" indent="-228600" eaLnBrk="0" fontAlgn="base" hangingPunct="0">
+              <a:lnSpc>
+                <a:spcPct val="90000"/>
+              </a:lnSpc>
+              <a:spcBef>
+                <a:spcPts val="500"/>
+              </a:spcBef>
+              <a:spcAft>
+                <a:spcPct val="0"/>
+              </a:spcAft>
+              <a:buFont typeface="Arial" panose="020B0604020202020204" pitchFamily="34" charset="0"/>
+              <a:buChar char="•"/>
+              <a:defRPr>
+                <a:solidFill>
+                  <a:schemeClr val="tx1"/>
+                </a:solidFill>
+                <a:latin typeface="Calibri" panose="020F0502020204030204" pitchFamily="34" charset="0"/>
+              </a:defRPr>
+            </a:lvl9pPr>
+          </a:lstStyle>
+          <a:p>
+            <a:pPr eaLnBrk="1" hangingPunct="1">
+              <a:lnSpc>
+                <a:spcPct val="100000"/>
+              </a:lnSpc>
+              <a:spcBef>
+                <a:spcPct val="0"/>
+              </a:spcBef>
+              <a:buFontTx/>
+              <a:buNone/>
+            </a:pPr>
+            <a:r>
+              <a:rPr lang="en-US" altLang="en-US" sz="1800"/>
               <a:t>Flow meters designed for appliances can</a:t>
             </a:r>
           </a:p>
           <a:p>
-            <a:r>
-              <a:rPr lang="en-US" dirty="0"/>
+            <a:pPr eaLnBrk="1" hangingPunct="1">
+              <a:lnSpc>
+                <a:spcPct val="100000"/>
+              </a:lnSpc>
+              <a:spcBef>
+                <a:spcPct val="0"/>
+              </a:spcBef>
+              <a:buFontTx/>
+              <a:buNone/>
+            </a:pPr>
+            <a:r>
+              <a:rPr lang="en-US" altLang="en-US" sz="1800"/>
               <a:t>In agriculture applications.  </a:t>
             </a:r>
           </a:p>
           <a:p>
-            <a:endParaRPr lang="en-US" dirty="0"/>
-          </a:p>
-          <a:p>
-            <a:r>
-              <a:rPr lang="en-US" dirty="0"/>
+            <a:pPr eaLnBrk="1" hangingPunct="1">
+              <a:lnSpc>
+                <a:spcPct val="100000"/>
+              </a:lnSpc>
+              <a:spcBef>
+                <a:spcPct val="0"/>
+              </a:spcBef>
+              <a:buFontTx/>
+              <a:buNone/>
+            </a:pPr>
+            <a:endParaRPr lang="en-US" altLang="en-US" sz="1800"/>
+          </a:p>
+          <a:p>
+            <a:pPr eaLnBrk="1" hangingPunct="1">
+              <a:lnSpc>
+                <a:spcPct val="100000"/>
+              </a:lnSpc>
+              <a:spcBef>
+                <a:spcPct val="0"/>
+              </a:spcBef>
+              <a:buFontTx/>
+              <a:buNone/>
+            </a:pPr>
+            <a:r>
+              <a:rPr lang="en-US" altLang="en-US" sz="1800"/>
               <a:t>This flow meter is $11.00</a:t>
             </a:r>
           </a:p>
           <a:p>
-            <a:endParaRPr lang="en-US" dirty="0"/>
-          </a:p>
-          <a:p>
-            <a:r>
-              <a:rPr lang="en-US" dirty="0"/>
+            <a:pPr eaLnBrk="1" hangingPunct="1">
+              <a:lnSpc>
+                <a:spcPct val="100000"/>
+              </a:lnSpc>
+              <a:spcBef>
+                <a:spcPct val="0"/>
+              </a:spcBef>
+              <a:buFontTx/>
+              <a:buNone/>
+            </a:pPr>
+            <a:endParaRPr lang="en-US" altLang="en-US" sz="1800"/>
+          </a:p>
+          <a:p>
+            <a:pPr eaLnBrk="1" hangingPunct="1">
+              <a:lnSpc>
+                <a:spcPct val="100000"/>
+              </a:lnSpc>
+              <a:spcBef>
+                <a:spcPct val="0"/>
+              </a:spcBef>
+              <a:buFontTx/>
+              <a:buNone/>
+            </a:pPr>
+            <a:r>
+              <a:rPr lang="en-US" altLang="en-US" sz="1800"/>
               <a:t>I used a flow meter like this in the field for </a:t>
             </a:r>
           </a:p>
           <a:p>
-            <a:r>
-              <a:rPr lang="en-US" dirty="0"/>
+            <a:pPr eaLnBrk="1" hangingPunct="1">
+              <a:lnSpc>
+                <a:spcPct val="100000"/>
+              </a:lnSpc>
+              <a:spcBef>
+                <a:spcPct val="0"/>
+              </a:spcBef>
+              <a:buFontTx/>
+              <a:buNone/>
+            </a:pPr>
+            <a:r>
+              <a:rPr lang="en-US" altLang="en-US" sz="1800"/>
               <a:t>Over 1 year and had no problems with it.</a:t>
             </a:r>
           </a:p>
           <a:p>
-            <a:endParaRPr lang="en-US" dirty="0"/>
+            <a:pPr eaLnBrk="1" hangingPunct="1">
+              <a:lnSpc>
+                <a:spcPct val="100000"/>
+              </a:lnSpc>
+              <a:spcBef>
+                <a:spcPct val="0"/>
+              </a:spcBef>
+              <a:buFontTx/>
+              <a:buNone/>
+            </a:pPr>
+            <a:endParaRPr lang="en-US" altLang="en-US" sz="1800"/>
           </a:p>
         </p:txBody>
       </p:sp>
     </p:spTree>
-    <p:extLst>
-      <p:ext uri="{BB962C8B-B14F-4D97-AF65-F5344CB8AC3E}">
-        <p14:creationId xmlns:p14="http://schemas.microsoft.com/office/powerpoint/2010/main" val="729740840"/>
-      </p:ext>
-    </p:extLst>
   </p:cSld>
   <p:clrMapOvr>
     <a:masterClrMapping/>
@@ -3974,15 +5000,15 @@
       </p:grpSpPr>
       <p:sp>
         <p:nvSpPr>
-          <p:cNvPr id="2" name="Title 1">
-            <a:extLst>
-              <a:ext uri="{FF2B5EF4-FFF2-40B4-BE49-F238E27FC236}">
-                <a16:creationId xmlns:a16="http://schemas.microsoft.com/office/drawing/2014/main" id="{50C3D109-F9EA-4C09-98F6-FA71636C0595}"/>
+          <p:cNvPr id="6146" name="Title 1">
+            <a:extLst>
+              <a:ext uri="{FF2B5EF4-FFF2-40B4-BE49-F238E27FC236}">
+                <a16:creationId xmlns:a16="http://schemas.microsoft.com/office/drawing/2014/main" id="{FF62163E-EF9C-482C-986E-DE442CC473CC}"/>
               </a:ext>
             </a:extLst>
           </p:cNvPr>
           <p:cNvSpPr>
-            <a:spLocks noGrp="1"/>
+            <a:spLocks noGrp="1" noChangeArrowheads="1"/>
           </p:cNvSpPr>
           <p:nvPr>
             <p:ph type="title"/>
@@ -3993,8 +5019,9 @@
           <a:bodyPr/>
           <a:lstStyle/>
           <a:p>
-            <a:r>
-              <a:rPr lang="en-US" dirty="0"/>
+            <a:pPr eaLnBrk="1" hangingPunct="1"/>
+            <a:r>
+              <a:rPr lang="en-US" altLang="en-US"/>
               <a:t>Biggest Problem with Flow Meters</a:t>
             </a:r>
           </a:p>
@@ -4018,130 +5045,252 @@
         </p:nvSpPr>
         <p:spPr/>
         <p:txBody>
-          <a:bodyPr>
-            <a:normAutofit fontScale="92500" lnSpcReduction="20000"/>
+          <a:bodyPr rtlCol="0">
+            <a:normAutofit fontScale="55000" lnSpcReduction="20000"/>
           </a:bodyPr>
           <a:lstStyle/>
           <a:p>
-            <a:r>
-              <a:rPr lang="en-US" dirty="0"/>
+            <a:pPr eaLnBrk="1" fontAlgn="auto" hangingPunct="1">
+              <a:spcAft>
+                <a:spcPts val="0"/>
+              </a:spcAft>
+              <a:defRPr/>
+            </a:pPr>
+            <a:r>
+              <a:rPr lang="en-US" sz="2900" dirty="0"/>
               <a:t>Cannot </a:t>
             </a:r>
             <a:r>
-              <a:rPr lang="en-US" dirty="0" err="1"/>
+              <a:rPr lang="en-US" sz="2900" dirty="0" err="1"/>
               <a:t>reliabily</a:t>
             </a:r>
             <a:r>
-              <a:rPr lang="en-US" dirty="0"/>
+              <a:rPr lang="en-US" sz="2900" dirty="0"/>
               <a:t> detect bad emitters.</a:t>
             </a:r>
           </a:p>
           <a:p>
-            <a:pPr lvl="1"/>
-            <a:r>
-              <a:rPr lang="en-US" dirty="0"/>
+            <a:pPr lvl="1" eaLnBrk="1" fontAlgn="auto" hangingPunct="1">
+              <a:spcAft>
+                <a:spcPts val="0"/>
+              </a:spcAft>
+              <a:defRPr/>
+            </a:pPr>
+            <a:r>
+              <a:rPr lang="en-US" sz="2900" dirty="0"/>
               <a:t>Standard deviation of measurement is +.15 </a:t>
             </a:r>
             <a:r>
-              <a:rPr lang="en-US" dirty="0" err="1"/>
+              <a:rPr lang="en-US" sz="2900" dirty="0" err="1"/>
               <a:t>gpm</a:t>
             </a:r>
-            <a:endParaRPr lang="en-US" dirty="0"/>
-          </a:p>
-          <a:p>
-            <a:pPr lvl="1"/>
-            <a:r>
-              <a:rPr lang="en-US" dirty="0"/>
+            <a:endParaRPr lang="en-US" sz="2900" dirty="0"/>
+          </a:p>
+          <a:p>
+            <a:pPr lvl="1" eaLnBrk="1" fontAlgn="auto" hangingPunct="1">
+              <a:spcAft>
+                <a:spcPts val="0"/>
+              </a:spcAft>
+              <a:defRPr/>
+            </a:pPr>
+            <a:r>
+              <a:rPr lang="en-US" sz="2900" dirty="0"/>
               <a:t>For a 14.5 </a:t>
             </a:r>
             <a:r>
-              <a:rPr lang="en-US" dirty="0" err="1"/>
+              <a:rPr lang="en-US" sz="2900" dirty="0" err="1"/>
               <a:t>gph</a:t>
             </a:r>
             <a:r>
-              <a:rPr lang="en-US" dirty="0"/>
+              <a:rPr lang="en-US" sz="2900" dirty="0"/>
               <a:t> emitter the flow rate is .24 </a:t>
             </a:r>
             <a:r>
-              <a:rPr lang="en-US" dirty="0" err="1"/>
+              <a:rPr lang="en-US" sz="2900" dirty="0" err="1"/>
               <a:t>gpm</a:t>
             </a:r>
-            <a:endParaRPr lang="en-US" dirty="0"/>
-          </a:p>
-          <a:p>
-            <a:pPr lvl="2"/>
-            <a:r>
-              <a:rPr lang="en-US" dirty="0"/>
+            <a:endParaRPr lang="en-US" sz="2900" dirty="0"/>
+          </a:p>
+          <a:p>
+            <a:pPr lvl="2" eaLnBrk="1" fontAlgn="auto" hangingPunct="1">
+              <a:spcAft>
+                <a:spcPts val="0"/>
+              </a:spcAft>
+              <a:defRPr/>
+            </a:pPr>
+            <a:r>
+              <a:rPr lang="en-US" sz="2900" dirty="0"/>
               <a:t>In this case there is a 50% of Detecting a Bad </a:t>
             </a:r>
             <a:r>
-              <a:rPr lang="en-US" dirty="0" err="1"/>
+              <a:rPr lang="en-US" sz="2900" dirty="0" err="1"/>
               <a:t>Emiter</a:t>
             </a:r>
-            <a:endParaRPr lang="en-US" dirty="0"/>
-          </a:p>
-          <a:p>
-            <a:pPr lvl="2"/>
-            <a:r>
-              <a:rPr lang="en-US" dirty="0"/>
+            <a:endParaRPr lang="en-US" sz="2900" dirty="0"/>
+          </a:p>
+          <a:p>
+            <a:pPr lvl="2" eaLnBrk="1" fontAlgn="auto" hangingPunct="1">
+              <a:spcAft>
+                <a:spcPts val="0"/>
+              </a:spcAft>
+              <a:defRPr/>
+            </a:pPr>
+            <a:r>
+              <a:rPr lang="en-US" sz="2900" dirty="0"/>
               <a:t>And a 50 % chance of False alarm</a:t>
             </a:r>
           </a:p>
           <a:p>
-            <a:pPr lvl="2"/>
-            <a:r>
-              <a:rPr lang="en-US" dirty="0"/>
+            <a:pPr lvl="2" eaLnBrk="1" fontAlgn="auto" hangingPunct="1">
+              <a:spcAft>
+                <a:spcPts val="0"/>
+              </a:spcAft>
+              <a:defRPr/>
+            </a:pPr>
+            <a:r>
+              <a:rPr lang="en-US" sz="2900" dirty="0"/>
               <a:t>For two bad emitters the odds are very good of detection</a:t>
             </a:r>
           </a:p>
           <a:p>
-            <a:pPr lvl="1"/>
-            <a:r>
-              <a:rPr lang="en-US" dirty="0"/>
+            <a:pPr lvl="1" eaLnBrk="1" fontAlgn="auto" hangingPunct="1">
+              <a:spcAft>
+                <a:spcPts val="0"/>
+              </a:spcAft>
+              <a:defRPr/>
+            </a:pPr>
+            <a:r>
+              <a:rPr lang="en-US" sz="2900" dirty="0"/>
               <a:t>For a 5 </a:t>
             </a:r>
             <a:r>
-              <a:rPr lang="en-US" dirty="0" err="1"/>
+              <a:rPr lang="en-US" sz="2900" dirty="0" err="1"/>
               <a:t>gph</a:t>
             </a:r>
             <a:r>
-              <a:rPr lang="en-US" dirty="0"/>
+              <a:rPr lang="en-US" sz="2900" dirty="0"/>
               <a:t> emitter with a .08 </a:t>
             </a:r>
             <a:r>
-              <a:rPr lang="en-US" dirty="0" err="1"/>
+              <a:rPr lang="en-US" sz="2900" dirty="0" err="1"/>
               <a:t>gpm</a:t>
             </a:r>
             <a:r>
-              <a:rPr lang="en-US" dirty="0"/>
+              <a:rPr lang="en-US" sz="2900" dirty="0"/>
               <a:t> the odds are not good.</a:t>
             </a:r>
           </a:p>
           <a:p>
-            <a:r>
-              <a:rPr lang="en-US" dirty="0"/>
+            <a:pPr eaLnBrk="1" fontAlgn="auto" hangingPunct="1">
+              <a:spcAft>
+                <a:spcPts val="0"/>
+              </a:spcAft>
+              <a:defRPr/>
+            </a:pPr>
+            <a:r>
+              <a:rPr lang="en-US" sz="2900" dirty="0"/>
               <a:t>The solution is to put flow meters on the small flow sections of the irrigation lines.</a:t>
             </a:r>
           </a:p>
           <a:p>
-            <a:r>
-              <a:rPr lang="en-US" dirty="0"/>
-              <a:t>Problem is power</a:t>
-            </a:r>
-          </a:p>
-          <a:p>
-            <a:pPr lvl="1"/>
-            <a:endParaRPr lang="en-US" dirty="0"/>
-          </a:p>
-          <a:p>
-            <a:pPr marL="457200" lvl="1" indent="0">
-              <a:buNone/>
+            <a:pPr eaLnBrk="1" fontAlgn="auto" hangingPunct="1">
+              <a:spcAft>
+                <a:spcPts val="0"/>
+              </a:spcAft>
+              <a:defRPr/>
+            </a:pPr>
+            <a:r>
+              <a:rPr lang="en-US" sz="2900" dirty="0"/>
+              <a:t>Problem is power. </a:t>
+            </a:r>
+          </a:p>
+          <a:p>
+            <a:pPr lvl="1" eaLnBrk="1" fontAlgn="auto" hangingPunct="1">
+              <a:spcAft>
+                <a:spcPts val="0"/>
+              </a:spcAft>
+              <a:defRPr/>
+            </a:pPr>
+            <a:r>
+              <a:rPr lang="en-US" sz="2900" dirty="0"/>
+              <a:t>Processor has to on to count pulses</a:t>
+            </a:r>
+          </a:p>
+          <a:p>
+            <a:pPr lvl="1" eaLnBrk="1" fontAlgn="auto" hangingPunct="1">
+              <a:spcAft>
+                <a:spcPts val="0"/>
+              </a:spcAft>
+              <a:defRPr/>
+            </a:pPr>
+            <a:r>
+              <a:rPr lang="en-US" sz="2900" dirty="0"/>
+              <a:t>No battery powered processor can do this.</a:t>
+            </a:r>
+          </a:p>
+          <a:p>
+            <a:pPr lvl="2" eaLnBrk="1" fontAlgn="auto" hangingPunct="1">
+              <a:spcAft>
+                <a:spcPts val="0"/>
+              </a:spcAft>
+              <a:defRPr/>
+            </a:pPr>
+            <a:r>
+              <a:rPr lang="en-US" sz="2900" dirty="0"/>
+              <a:t>Exception FRAM MSP430</a:t>
+            </a:r>
+          </a:p>
+          <a:p>
+            <a:pPr lvl="2" eaLnBrk="1" fontAlgn="auto" hangingPunct="1">
+              <a:spcAft>
+                <a:spcPts val="0"/>
+              </a:spcAft>
+              <a:defRPr/>
+            </a:pPr>
+            <a:r>
+              <a:rPr lang="en-US" sz="2900" dirty="0"/>
+              <a:t>Done it for German Apartment Building with battery life of 5 years</a:t>
+            </a:r>
+          </a:p>
+          <a:p>
+            <a:pPr marL="914400" lvl="2" indent="0" eaLnBrk="1" fontAlgn="auto" hangingPunct="1">
+              <a:spcAft>
+                <a:spcPts val="0"/>
+              </a:spcAft>
+              <a:buFont typeface="Arial" panose="020B0604020202020204" pitchFamily="34" charset="0"/>
+              <a:buNone/>
+              <a:defRPr/>
+            </a:pPr>
+            <a:endParaRPr lang="en-US" sz="2900" dirty="0"/>
+          </a:p>
+          <a:p>
+            <a:pPr lvl="1" eaLnBrk="1" fontAlgn="auto" hangingPunct="1">
+              <a:spcAft>
+                <a:spcPts val="0"/>
+              </a:spcAft>
+              <a:defRPr/>
             </a:pPr>
             <a:endParaRPr lang="en-US" dirty="0"/>
           </a:p>
           <a:p>
-            <a:pPr marL="914400" lvl="2" indent="0">
-              <a:buNone/>
+            <a:pPr marL="457200" lvl="1" indent="0" eaLnBrk="1" fontAlgn="auto" hangingPunct="1">
+              <a:spcAft>
+                <a:spcPts val="0"/>
+              </a:spcAft>
+              <a:buFont typeface="Arial" panose="020B0604020202020204" pitchFamily="34" charset="0"/>
+              <a:buNone/>
+              <a:defRPr/>
+            </a:pPr>
+            <a:endParaRPr lang="en-US" dirty="0"/>
+          </a:p>
+          <a:p>
+            <a:pPr marL="914400" lvl="2" indent="0" eaLnBrk="1" fontAlgn="auto" hangingPunct="1">
+              <a:spcAft>
+                <a:spcPts val="0"/>
+              </a:spcAft>
+              <a:buFont typeface="Arial" panose="020B0604020202020204" pitchFamily="34" charset="0"/>
+              <a:buNone/>
+              <a:defRPr/>
             </a:pPr>
             <a:r>
               <a:rPr lang="en-US" dirty="0"/>
@@ -4151,11 +5300,6 @@
         </p:txBody>
       </p:sp>
     </p:spTree>
-    <p:extLst>
-      <p:ext uri="{BB962C8B-B14F-4D97-AF65-F5344CB8AC3E}">
-        <p14:creationId xmlns:p14="http://schemas.microsoft.com/office/powerpoint/2010/main" val="1565256637"/>
-      </p:ext>
-    </p:extLst>
   </p:cSld>
   <p:clrMapOvr>
     <a:masterClrMapping/>
@@ -4182,15 +5326,15 @@
       </p:grpSpPr>
       <p:sp>
         <p:nvSpPr>
-          <p:cNvPr id="2" name="Title 1">
-            <a:extLst>
-              <a:ext uri="{FF2B5EF4-FFF2-40B4-BE49-F238E27FC236}">
-                <a16:creationId xmlns:a16="http://schemas.microsoft.com/office/drawing/2014/main" id="{16A04483-2E13-4D87-9281-D787F73D69DF}"/>
+          <p:cNvPr id="7170" name="Title 1">
+            <a:extLst>
+              <a:ext uri="{FF2B5EF4-FFF2-40B4-BE49-F238E27FC236}">
+                <a16:creationId xmlns:a16="http://schemas.microsoft.com/office/drawing/2014/main" id="{8FDAEDB7-91EA-4738-8028-3E9731D8D0DB}"/>
               </a:ext>
             </a:extLst>
           </p:cNvPr>
           <p:cNvSpPr>
-            <a:spLocks noGrp="1"/>
+            <a:spLocks noGrp="1" noChangeArrowheads="1"/>
           </p:cNvSpPr>
           <p:nvPr>
             <p:ph type="title"/>
@@ -4201,24 +5345,32 @@
           <a:bodyPr/>
           <a:lstStyle/>
           <a:p>
-            <a:r>
-              <a:rPr lang="en-US" dirty="0"/>
+            <a:pPr eaLnBrk="1" hangingPunct="1"/>
+            <a:r>
+              <a:rPr lang="en-US" altLang="en-US"/>
               <a:t>Problem is that the flow meter is in an area where there is a lack of electrical power</a:t>
+            </a:r>
+            <a:br>
+              <a:rPr lang="en-US" altLang="en-US"/>
+            </a:br>
+            <a:r>
+              <a:rPr lang="en-US" altLang="en-US"/>
+              <a:t>Picture from my grove</a:t>
             </a:r>
           </a:p>
         </p:txBody>
       </p:sp>
       <p:pic>
         <p:nvPicPr>
-          <p:cNvPr id="5" name="Picture 4">
-            <a:extLst>
-              <a:ext uri="{FF2B5EF4-FFF2-40B4-BE49-F238E27FC236}">
-                <a16:creationId xmlns:a16="http://schemas.microsoft.com/office/drawing/2014/main" id="{FF7A261D-72BE-40ED-BF03-30F44A8B9B84}"/>
+          <p:cNvPr id="7171" name="Picture 4">
+            <a:extLst>
+              <a:ext uri="{FF2B5EF4-FFF2-40B4-BE49-F238E27FC236}">
+                <a16:creationId xmlns:a16="http://schemas.microsoft.com/office/drawing/2014/main" id="{D4F798A5-1272-4FFC-9438-747048E793A9}"/>
               </a:ext>
             </a:extLst>
           </p:cNvPr>
           <p:cNvPicPr>
-            <a:picLocks noChangeAspect="1"/>
+            <a:picLocks noChangeAspect="1" noChangeArrowheads="1"/>
           </p:cNvPicPr>
           <p:nvPr/>
         </p:nvPicPr>
@@ -4230,92 +5382,369 @@
               </a:ext>
             </a:extLst>
           </a:blip>
+          <a:srcRect/>
           <a:stretch>
             <a:fillRect/>
           </a:stretch>
         </p:blipFill>
-        <p:spPr>
+        <p:spPr bwMode="auto">
           <a:xfrm>
-            <a:off x="1089826" y="2001043"/>
-            <a:ext cx="6368250" cy="3520043"/>
-          </a:xfrm>
-          <a:prstGeom prst="rect">
-            <a:avLst/>
-          </a:prstGeom>
-        </p:spPr>
-      </p:pic>
-      <p:sp>
-        <p:nvSpPr>
-          <p:cNvPr id="6" name="TextBox 5">
-            <a:extLst>
-              <a:ext uri="{FF2B5EF4-FFF2-40B4-BE49-F238E27FC236}">
-                <a16:creationId xmlns:a16="http://schemas.microsoft.com/office/drawing/2014/main" id="{D1460359-1252-42C3-93B1-642F564EBF30}"/>
-              </a:ext>
-            </a:extLst>
-          </p:cNvPr>
-          <p:cNvSpPr txBox="1"/>
-          <p:nvPr/>
-        </p:nvSpPr>
-        <p:spPr>
-          <a:xfrm>
-            <a:off x="8122444" y="2314575"/>
-            <a:ext cx="3311035" cy="1754326"/>
+            <a:off x="1112838" y="2432050"/>
+            <a:ext cx="6367462" cy="3521075"/>
           </a:xfrm>
           <a:prstGeom prst="rect">
             <a:avLst/>
           </a:prstGeom>
           <a:noFill/>
+          <a:ln>
+            <a:noFill/>
+          </a:ln>
+          <a:extLst>
+            <a:ext uri="{909E8E84-426E-40DD-AFC4-6F175D3DCCD1}">
+              <a14:hiddenFill xmlns:a14="http://schemas.microsoft.com/office/drawing/2010/main">
+                <a:solidFill>
+                  <a:srgbClr val="FFFFFF"/>
+                </a:solidFill>
+              </a14:hiddenFill>
+            </a:ext>
+            <a:ext uri="{91240B29-F687-4F45-9708-019B960494DF}">
+              <a14:hiddenLine xmlns:a14="http://schemas.microsoft.com/office/drawing/2010/main" w="9525">
+                <a:solidFill>
+                  <a:srgbClr val="000000"/>
+                </a:solidFill>
+                <a:miter lim="800000"/>
+                <a:headEnd/>
+                <a:tailEnd/>
+              </a14:hiddenLine>
+            </a:ext>
+          </a:extLst>
+        </p:spPr>
+      </p:pic>
+      <p:sp>
+        <p:nvSpPr>
+          <p:cNvPr id="7172" name="TextBox 5">
+            <a:extLst>
+              <a:ext uri="{FF2B5EF4-FFF2-40B4-BE49-F238E27FC236}">
+                <a16:creationId xmlns:a16="http://schemas.microsoft.com/office/drawing/2014/main" id="{66A2062B-5D4A-4C50-8A91-4DCB59B7186F}"/>
+              </a:ext>
+            </a:extLst>
+          </p:cNvPr>
+          <p:cNvSpPr txBox="1">
+            <a:spLocks noChangeArrowheads="1"/>
+          </p:cNvSpPr>
+          <p:nvPr/>
+        </p:nvSpPr>
+        <p:spPr bwMode="auto">
+          <a:xfrm>
+            <a:off x="8123238" y="2314575"/>
+            <a:ext cx="3311525" cy="2032000"/>
+          </a:xfrm>
+          <a:prstGeom prst="rect">
+            <a:avLst/>
+          </a:prstGeom>
+          <a:noFill/>
+          <a:ln>
+            <a:noFill/>
+          </a:ln>
+          <a:extLst>
+            <a:ext uri="{909E8E84-426E-40DD-AFC4-6F175D3DCCD1}">
+              <a14:hiddenFill xmlns:a14="http://schemas.microsoft.com/office/drawing/2010/main">
+                <a:solidFill>
+                  <a:srgbClr val="FFFFFF"/>
+                </a:solidFill>
+              </a14:hiddenFill>
+            </a:ext>
+            <a:ext uri="{91240B29-F687-4F45-9708-019B960494DF}">
+              <a14:hiddenLine xmlns:a14="http://schemas.microsoft.com/office/drawing/2010/main" w="9525">
+                <a:solidFill>
+                  <a:srgbClr val="000000"/>
+                </a:solidFill>
+                <a:miter lim="800000"/>
+                <a:headEnd/>
+                <a:tailEnd/>
+              </a14:hiddenLine>
+            </a:ext>
+          </a:extLst>
         </p:spPr>
         <p:txBody>
-          <a:bodyPr wrap="none" rtlCol="0">
+          <a:bodyPr wrap="none">
             <a:spAutoFit/>
           </a:bodyPr>
-          <a:lstStyle/>
-          <a:p>
-            <a:r>
-              <a:rPr lang="en-US" dirty="0"/>
+          <a:lstStyle>
+            <a:lvl1pPr>
+              <a:lnSpc>
+                <a:spcPct val="90000"/>
+              </a:lnSpc>
+              <a:spcBef>
+                <a:spcPts val="1000"/>
+              </a:spcBef>
+              <a:buFont typeface="Arial" panose="020B0604020202020204" pitchFamily="34" charset="0"/>
+              <a:buChar char="•"/>
+              <a:defRPr sz="2800">
+                <a:solidFill>
+                  <a:schemeClr val="tx1"/>
+                </a:solidFill>
+                <a:latin typeface="Calibri" panose="020F0502020204030204" pitchFamily="34" charset="0"/>
+              </a:defRPr>
+            </a:lvl1pPr>
+            <a:lvl2pPr marL="742950" indent="-285750">
+              <a:lnSpc>
+                <a:spcPct val="90000"/>
+              </a:lnSpc>
+              <a:spcBef>
+                <a:spcPts val="500"/>
+              </a:spcBef>
+              <a:buFont typeface="Arial" panose="020B0604020202020204" pitchFamily="34" charset="0"/>
+              <a:buChar char="•"/>
+              <a:defRPr sz="2400">
+                <a:solidFill>
+                  <a:schemeClr val="tx1"/>
+                </a:solidFill>
+                <a:latin typeface="Calibri" panose="020F0502020204030204" pitchFamily="34" charset="0"/>
+              </a:defRPr>
+            </a:lvl2pPr>
+            <a:lvl3pPr marL="1143000" indent="-228600">
+              <a:lnSpc>
+                <a:spcPct val="90000"/>
+              </a:lnSpc>
+              <a:spcBef>
+                <a:spcPts val="500"/>
+              </a:spcBef>
+              <a:buFont typeface="Arial" panose="020B0604020202020204" pitchFamily="34" charset="0"/>
+              <a:buChar char="•"/>
+              <a:defRPr sz="2000">
+                <a:solidFill>
+                  <a:schemeClr val="tx1"/>
+                </a:solidFill>
+                <a:latin typeface="Calibri" panose="020F0502020204030204" pitchFamily="34" charset="0"/>
+              </a:defRPr>
+            </a:lvl3pPr>
+            <a:lvl4pPr marL="1600200" indent="-228600">
+              <a:lnSpc>
+                <a:spcPct val="90000"/>
+              </a:lnSpc>
+              <a:spcBef>
+                <a:spcPts val="500"/>
+              </a:spcBef>
+              <a:buFont typeface="Arial" panose="020B0604020202020204" pitchFamily="34" charset="0"/>
+              <a:buChar char="•"/>
+              <a:defRPr>
+                <a:solidFill>
+                  <a:schemeClr val="tx1"/>
+                </a:solidFill>
+                <a:latin typeface="Calibri" panose="020F0502020204030204" pitchFamily="34" charset="0"/>
+              </a:defRPr>
+            </a:lvl4pPr>
+            <a:lvl5pPr marL="2057400" indent="-228600">
+              <a:lnSpc>
+                <a:spcPct val="90000"/>
+              </a:lnSpc>
+              <a:spcBef>
+                <a:spcPts val="500"/>
+              </a:spcBef>
+              <a:buFont typeface="Arial" panose="020B0604020202020204" pitchFamily="34" charset="0"/>
+              <a:buChar char="•"/>
+              <a:defRPr>
+                <a:solidFill>
+                  <a:schemeClr val="tx1"/>
+                </a:solidFill>
+                <a:latin typeface="Calibri" panose="020F0502020204030204" pitchFamily="34" charset="0"/>
+              </a:defRPr>
+            </a:lvl5pPr>
+            <a:lvl6pPr marL="2514600" indent="-228600" eaLnBrk="0" fontAlgn="base" hangingPunct="0">
+              <a:lnSpc>
+                <a:spcPct val="90000"/>
+              </a:lnSpc>
+              <a:spcBef>
+                <a:spcPts val="500"/>
+              </a:spcBef>
+              <a:spcAft>
+                <a:spcPct val="0"/>
+              </a:spcAft>
+              <a:buFont typeface="Arial" panose="020B0604020202020204" pitchFamily="34" charset="0"/>
+              <a:buChar char="•"/>
+              <a:defRPr>
+                <a:solidFill>
+                  <a:schemeClr val="tx1"/>
+                </a:solidFill>
+                <a:latin typeface="Calibri" panose="020F0502020204030204" pitchFamily="34" charset="0"/>
+              </a:defRPr>
+            </a:lvl6pPr>
+            <a:lvl7pPr marL="2971800" indent="-228600" eaLnBrk="0" fontAlgn="base" hangingPunct="0">
+              <a:lnSpc>
+                <a:spcPct val="90000"/>
+              </a:lnSpc>
+              <a:spcBef>
+                <a:spcPts val="500"/>
+              </a:spcBef>
+              <a:spcAft>
+                <a:spcPct val="0"/>
+              </a:spcAft>
+              <a:buFont typeface="Arial" panose="020B0604020202020204" pitchFamily="34" charset="0"/>
+              <a:buChar char="•"/>
+              <a:defRPr>
+                <a:solidFill>
+                  <a:schemeClr val="tx1"/>
+                </a:solidFill>
+                <a:latin typeface="Calibri" panose="020F0502020204030204" pitchFamily="34" charset="0"/>
+              </a:defRPr>
+            </a:lvl7pPr>
+            <a:lvl8pPr marL="3429000" indent="-228600" eaLnBrk="0" fontAlgn="base" hangingPunct="0">
+              <a:lnSpc>
+                <a:spcPct val="90000"/>
+              </a:lnSpc>
+              <a:spcBef>
+                <a:spcPts val="500"/>
+              </a:spcBef>
+              <a:spcAft>
+                <a:spcPct val="0"/>
+              </a:spcAft>
+              <a:buFont typeface="Arial" panose="020B0604020202020204" pitchFamily="34" charset="0"/>
+              <a:buChar char="•"/>
+              <a:defRPr>
+                <a:solidFill>
+                  <a:schemeClr val="tx1"/>
+                </a:solidFill>
+                <a:latin typeface="Calibri" panose="020F0502020204030204" pitchFamily="34" charset="0"/>
+              </a:defRPr>
+            </a:lvl8pPr>
+            <a:lvl9pPr marL="3886200" indent="-228600" eaLnBrk="0" fontAlgn="base" hangingPunct="0">
+              <a:lnSpc>
+                <a:spcPct val="90000"/>
+              </a:lnSpc>
+              <a:spcBef>
+                <a:spcPts val="500"/>
+              </a:spcBef>
+              <a:spcAft>
+                <a:spcPct val="0"/>
+              </a:spcAft>
+              <a:buFont typeface="Arial" panose="020B0604020202020204" pitchFamily="34" charset="0"/>
+              <a:buChar char="•"/>
+              <a:defRPr>
+                <a:solidFill>
+                  <a:schemeClr val="tx1"/>
+                </a:solidFill>
+                <a:latin typeface="Calibri" panose="020F0502020204030204" pitchFamily="34" charset="0"/>
+              </a:defRPr>
+            </a:lvl9pPr>
+          </a:lstStyle>
+          <a:p>
+            <a:pPr eaLnBrk="1" hangingPunct="1">
+              <a:lnSpc>
+                <a:spcPct val="100000"/>
+              </a:lnSpc>
+              <a:spcBef>
+                <a:spcPct val="0"/>
+              </a:spcBef>
+              <a:buFontTx/>
+              <a:buNone/>
+            </a:pPr>
+            <a:r>
+              <a:rPr lang="en-US" altLang="en-US" sz="1800"/>
               <a:t>At 12 GPM and at least 30 psi</a:t>
             </a:r>
           </a:p>
           <a:p>
-            <a:r>
-              <a:rPr lang="en-US" dirty="0"/>
+            <a:pPr eaLnBrk="1" hangingPunct="1">
+              <a:lnSpc>
+                <a:spcPct val="100000"/>
+              </a:lnSpc>
+              <a:spcBef>
+                <a:spcPct val="0"/>
+              </a:spcBef>
+              <a:buFontTx/>
+              <a:buNone/>
+            </a:pPr>
+            <a:r>
+              <a:rPr lang="en-US" altLang="en-US" sz="1800"/>
               <a:t>Head the power generated by</a:t>
             </a:r>
           </a:p>
           <a:p>
-            <a:r>
-              <a:rPr lang="en-US" dirty="0"/>
-              <a:t>A water turbine is 157 watts</a:t>
-            </a:r>
-          </a:p>
-          <a:p>
-            <a:endParaRPr lang="en-US" dirty="0"/>
-          </a:p>
-          <a:p>
-            <a:r>
-              <a:rPr lang="en-US" dirty="0"/>
+            <a:pPr eaLnBrk="1" hangingPunct="1">
+              <a:lnSpc>
+                <a:spcPct val="100000"/>
+              </a:lnSpc>
+              <a:spcBef>
+                <a:spcPct val="0"/>
+              </a:spcBef>
+              <a:buFontTx/>
+              <a:buNone/>
+            </a:pPr>
+            <a:r>
+              <a:rPr lang="en-US" altLang="en-US" sz="1800"/>
+              <a:t>a water turbine has capacity of</a:t>
+            </a:r>
+          </a:p>
+          <a:p>
+            <a:pPr eaLnBrk="1" hangingPunct="1">
+              <a:lnSpc>
+                <a:spcPct val="100000"/>
+              </a:lnSpc>
+              <a:spcBef>
+                <a:spcPct val="0"/>
+              </a:spcBef>
+              <a:buFontTx/>
+              <a:buNone/>
+            </a:pPr>
+            <a:r>
+              <a:rPr lang="en-US" altLang="en-US" sz="1800"/>
+              <a:t> 157 watts</a:t>
+            </a:r>
+          </a:p>
+          <a:p>
+            <a:pPr eaLnBrk="1" hangingPunct="1">
+              <a:lnSpc>
+                <a:spcPct val="100000"/>
+              </a:lnSpc>
+              <a:spcBef>
+                <a:spcPct val="0"/>
+              </a:spcBef>
+              <a:buFontTx/>
+              <a:buNone/>
+            </a:pPr>
+            <a:endParaRPr lang="en-US" altLang="en-US" sz="1800"/>
+          </a:p>
+          <a:p>
+            <a:pPr eaLnBrk="1" hangingPunct="1">
+              <a:lnSpc>
+                <a:spcPct val="100000"/>
+              </a:lnSpc>
+              <a:spcBef>
+                <a:spcPct val="0"/>
+              </a:spcBef>
+              <a:buFontTx/>
+              <a:buNone/>
+            </a:pPr>
+            <a:r>
+              <a:rPr lang="en-US" altLang="en-US" sz="1800"/>
               <a:t>More than enough to power flow</a:t>
             </a:r>
           </a:p>
           <a:p>
-            <a:r>
-              <a:rPr lang="en-US" dirty="0"/>
+            <a:pPr eaLnBrk="1" hangingPunct="1">
+              <a:lnSpc>
+                <a:spcPct val="100000"/>
+              </a:lnSpc>
+              <a:spcBef>
+                <a:spcPct val="0"/>
+              </a:spcBef>
+              <a:buFontTx/>
+              <a:buNone/>
+            </a:pPr>
+            <a:r>
+              <a:rPr lang="en-US" altLang="en-US" sz="1800"/>
               <a:t>Meters or valves</a:t>
             </a:r>
           </a:p>
         </p:txBody>
       </p:sp>
     </p:spTree>
-    <p:extLst>
-      <p:ext uri="{BB962C8B-B14F-4D97-AF65-F5344CB8AC3E}">
-        <p14:creationId xmlns:p14="http://schemas.microsoft.com/office/powerpoint/2010/main" val="2930924266"/>
-      </p:ext>
-    </p:extLst>
   </p:cSld>
   <p:clrMapOvr>
     <a:masterClrMapping/>
   </p:clrMapOvr>
+  <p:transition spd="slow"/>
 </p:sld>
 </file>
 
@@ -4338,15 +5767,15 @@
       </p:grpSpPr>
       <p:sp>
         <p:nvSpPr>
-          <p:cNvPr id="2" name="Title 1">
-            <a:extLst>
-              <a:ext uri="{FF2B5EF4-FFF2-40B4-BE49-F238E27FC236}">
-                <a16:creationId xmlns:a16="http://schemas.microsoft.com/office/drawing/2014/main" id="{6EDFEEBE-F16A-496F-A366-747C4EE6EC9B}"/>
+          <p:cNvPr id="8194" name="Title 1">
+            <a:extLst>
+              <a:ext uri="{FF2B5EF4-FFF2-40B4-BE49-F238E27FC236}">
+                <a16:creationId xmlns:a16="http://schemas.microsoft.com/office/drawing/2014/main" id="{FD8338A3-CAFE-4CA2-9337-E561F7EE0341}"/>
               </a:ext>
             </a:extLst>
           </p:cNvPr>
           <p:cNvSpPr>
-            <a:spLocks noGrp="1"/>
+            <a:spLocks noGrp="1" noChangeArrowheads="1"/>
           </p:cNvSpPr>
           <p:nvPr>
             <p:ph type="title"/>
@@ -4357,8 +5786,9 @@
           <a:bodyPr/>
           <a:lstStyle/>
           <a:p>
-            <a:r>
-              <a:rPr lang="en-US" dirty="0"/>
+            <a:pPr eaLnBrk="1" hangingPunct="1"/>
+            <a:r>
+              <a:rPr lang="en-US" altLang="en-US"/>
               <a:t>Low Cost Generators Available??</a:t>
             </a:r>
           </a:p>
@@ -4366,10 +5796,10 @@
       </p:sp>
       <p:pic>
         <p:nvPicPr>
-          <p:cNvPr id="4098" name="Picture 2" descr="https://images-na.ssl-images-amazon.com/images/I/71Wt0jouzBL._SL1200_.jpg">
-            <a:extLst>
-              <a:ext uri="{FF2B5EF4-FFF2-40B4-BE49-F238E27FC236}">
-                <a16:creationId xmlns:a16="http://schemas.microsoft.com/office/drawing/2014/main" id="{89186278-7640-4010-967D-34D650A7F855}"/>
+          <p:cNvPr id="8195" name="Picture 2" descr="https://images-na.ssl-images-amazon.com/images/I/71Wt0jouzBL._SL1200_.jpg">
+            <a:extLst>
+              <a:ext uri="{FF2B5EF4-FFF2-40B4-BE49-F238E27FC236}">
+                <a16:creationId xmlns:a16="http://schemas.microsoft.com/office/drawing/2014/main" id="{84142AED-67F4-464C-A2FD-2C9E66090788}"/>
               </a:ext>
             </a:extLst>
           </p:cNvPr>
@@ -4393,13 +5823,16 @@
         </p:blipFill>
         <p:spPr bwMode="auto">
           <a:xfrm>
-            <a:off x="1645444" y="1571625"/>
-            <a:ext cx="3871913" cy="3871913"/>
+            <a:off x="1646238" y="1571625"/>
+            <a:ext cx="3871912" cy="3871913"/>
           </a:xfrm>
           <a:prstGeom prst="rect">
             <a:avLst/>
           </a:prstGeom>
           <a:noFill/>
+          <a:ln>
+            <a:noFill/>
+          </a:ln>
           <a:extLst>
             <a:ext uri="{909E8E84-426E-40DD-AFC4-6F175D3DCCD1}">
               <a14:hiddenFill xmlns:a14="http://schemas.microsoft.com/office/drawing/2010/main">
@@ -4407,84 +5840,350 @@
                   <a:srgbClr val="FFFFFF"/>
                 </a:solidFill>
               </a14:hiddenFill>
+            </a:ext>
+            <a:ext uri="{91240B29-F687-4F45-9708-019B960494DF}">
+              <a14:hiddenLine xmlns:a14="http://schemas.microsoft.com/office/drawing/2010/main" w="9525">
+                <a:solidFill>
+                  <a:srgbClr val="000000"/>
+                </a:solidFill>
+                <a:miter lim="800000"/>
+                <a:headEnd/>
+                <a:tailEnd/>
+              </a14:hiddenLine>
             </a:ext>
           </a:extLst>
         </p:spPr>
       </p:pic>
       <p:sp>
         <p:nvSpPr>
-          <p:cNvPr id="4" name="TextBox 3">
-            <a:extLst>
-              <a:ext uri="{FF2B5EF4-FFF2-40B4-BE49-F238E27FC236}">
-                <a16:creationId xmlns:a16="http://schemas.microsoft.com/office/drawing/2014/main" id="{76837C79-4887-460A-8E94-3A69C70517D6}"/>
-              </a:ext>
-            </a:extLst>
-          </p:cNvPr>
-          <p:cNvSpPr txBox="1"/>
+          <p:cNvPr id="8196" name="TextBox 3">
+            <a:extLst>
+              <a:ext uri="{FF2B5EF4-FFF2-40B4-BE49-F238E27FC236}">
+                <a16:creationId xmlns:a16="http://schemas.microsoft.com/office/drawing/2014/main" id="{568342B2-8F62-465A-9E41-B13E2B4FF6E4}"/>
+              </a:ext>
+            </a:extLst>
+          </p:cNvPr>
+          <p:cNvSpPr txBox="1">
+            <a:spLocks noChangeArrowheads="1"/>
+          </p:cNvSpPr>
           <p:nvPr/>
         </p:nvSpPr>
-        <p:spPr>
+        <p:spPr bwMode="auto">
           <a:xfrm>
-            <a:off x="6950869" y="1928813"/>
-            <a:ext cx="3606115" cy="2308324"/>
+            <a:off x="6951663" y="1928813"/>
+            <a:ext cx="3605212" cy="2308225"/>
           </a:xfrm>
           <a:prstGeom prst="rect">
             <a:avLst/>
           </a:prstGeom>
           <a:noFill/>
+          <a:ln>
+            <a:noFill/>
+          </a:ln>
+          <a:extLst>
+            <a:ext uri="{909E8E84-426E-40DD-AFC4-6F175D3DCCD1}">
+              <a14:hiddenFill xmlns:a14="http://schemas.microsoft.com/office/drawing/2010/main">
+                <a:solidFill>
+                  <a:srgbClr val="FFFFFF"/>
+                </a:solidFill>
+              </a14:hiddenFill>
+            </a:ext>
+            <a:ext uri="{91240B29-F687-4F45-9708-019B960494DF}">
+              <a14:hiddenLine xmlns:a14="http://schemas.microsoft.com/office/drawing/2010/main" w="9525">
+                <a:solidFill>
+                  <a:srgbClr val="000000"/>
+                </a:solidFill>
+                <a:miter lim="800000"/>
+                <a:headEnd/>
+                <a:tailEnd/>
+              </a14:hiddenLine>
+            </a:ext>
+          </a:extLst>
         </p:spPr>
         <p:txBody>
-          <a:bodyPr wrap="none" rtlCol="0">
+          <a:bodyPr wrap="none">
             <a:spAutoFit/>
           </a:bodyPr>
-          <a:lstStyle/>
-          <a:p>
-            <a:r>
-              <a:rPr lang="en-US" dirty="0"/>
+          <a:lstStyle>
+            <a:lvl1pPr>
+              <a:lnSpc>
+                <a:spcPct val="90000"/>
+              </a:lnSpc>
+              <a:spcBef>
+                <a:spcPts val="1000"/>
+              </a:spcBef>
+              <a:buFont typeface="Arial" panose="020B0604020202020204" pitchFamily="34" charset="0"/>
+              <a:buChar char="•"/>
+              <a:defRPr sz="2800">
+                <a:solidFill>
+                  <a:schemeClr val="tx1"/>
+                </a:solidFill>
+                <a:latin typeface="Calibri" panose="020F0502020204030204" pitchFamily="34" charset="0"/>
+              </a:defRPr>
+            </a:lvl1pPr>
+            <a:lvl2pPr marL="742950" indent="-285750">
+              <a:lnSpc>
+                <a:spcPct val="90000"/>
+              </a:lnSpc>
+              <a:spcBef>
+                <a:spcPts val="500"/>
+              </a:spcBef>
+              <a:buFont typeface="Arial" panose="020B0604020202020204" pitchFamily="34" charset="0"/>
+              <a:buChar char="•"/>
+              <a:defRPr sz="2400">
+                <a:solidFill>
+                  <a:schemeClr val="tx1"/>
+                </a:solidFill>
+                <a:latin typeface="Calibri" panose="020F0502020204030204" pitchFamily="34" charset="0"/>
+              </a:defRPr>
+            </a:lvl2pPr>
+            <a:lvl3pPr marL="1143000" indent="-228600">
+              <a:lnSpc>
+                <a:spcPct val="90000"/>
+              </a:lnSpc>
+              <a:spcBef>
+                <a:spcPts val="500"/>
+              </a:spcBef>
+              <a:buFont typeface="Arial" panose="020B0604020202020204" pitchFamily="34" charset="0"/>
+              <a:buChar char="•"/>
+              <a:defRPr sz="2000">
+                <a:solidFill>
+                  <a:schemeClr val="tx1"/>
+                </a:solidFill>
+                <a:latin typeface="Calibri" panose="020F0502020204030204" pitchFamily="34" charset="0"/>
+              </a:defRPr>
+            </a:lvl3pPr>
+            <a:lvl4pPr marL="1600200" indent="-228600">
+              <a:lnSpc>
+                <a:spcPct val="90000"/>
+              </a:lnSpc>
+              <a:spcBef>
+                <a:spcPts val="500"/>
+              </a:spcBef>
+              <a:buFont typeface="Arial" panose="020B0604020202020204" pitchFamily="34" charset="0"/>
+              <a:buChar char="•"/>
+              <a:defRPr>
+                <a:solidFill>
+                  <a:schemeClr val="tx1"/>
+                </a:solidFill>
+                <a:latin typeface="Calibri" panose="020F0502020204030204" pitchFamily="34" charset="0"/>
+              </a:defRPr>
+            </a:lvl4pPr>
+            <a:lvl5pPr marL="2057400" indent="-228600">
+              <a:lnSpc>
+                <a:spcPct val="90000"/>
+              </a:lnSpc>
+              <a:spcBef>
+                <a:spcPts val="500"/>
+              </a:spcBef>
+              <a:buFont typeface="Arial" panose="020B0604020202020204" pitchFamily="34" charset="0"/>
+              <a:buChar char="•"/>
+              <a:defRPr>
+                <a:solidFill>
+                  <a:schemeClr val="tx1"/>
+                </a:solidFill>
+                <a:latin typeface="Calibri" panose="020F0502020204030204" pitchFamily="34" charset="0"/>
+              </a:defRPr>
+            </a:lvl5pPr>
+            <a:lvl6pPr marL="2514600" indent="-228600" eaLnBrk="0" fontAlgn="base" hangingPunct="0">
+              <a:lnSpc>
+                <a:spcPct val="90000"/>
+              </a:lnSpc>
+              <a:spcBef>
+                <a:spcPts val="500"/>
+              </a:spcBef>
+              <a:spcAft>
+                <a:spcPct val="0"/>
+              </a:spcAft>
+              <a:buFont typeface="Arial" panose="020B0604020202020204" pitchFamily="34" charset="0"/>
+              <a:buChar char="•"/>
+              <a:defRPr>
+                <a:solidFill>
+                  <a:schemeClr val="tx1"/>
+                </a:solidFill>
+                <a:latin typeface="Calibri" panose="020F0502020204030204" pitchFamily="34" charset="0"/>
+              </a:defRPr>
+            </a:lvl6pPr>
+            <a:lvl7pPr marL="2971800" indent="-228600" eaLnBrk="0" fontAlgn="base" hangingPunct="0">
+              <a:lnSpc>
+                <a:spcPct val="90000"/>
+              </a:lnSpc>
+              <a:spcBef>
+                <a:spcPts val="500"/>
+              </a:spcBef>
+              <a:spcAft>
+                <a:spcPct val="0"/>
+              </a:spcAft>
+              <a:buFont typeface="Arial" panose="020B0604020202020204" pitchFamily="34" charset="0"/>
+              <a:buChar char="•"/>
+              <a:defRPr>
+                <a:solidFill>
+                  <a:schemeClr val="tx1"/>
+                </a:solidFill>
+                <a:latin typeface="Calibri" panose="020F0502020204030204" pitchFamily="34" charset="0"/>
+              </a:defRPr>
+            </a:lvl7pPr>
+            <a:lvl8pPr marL="3429000" indent="-228600" eaLnBrk="0" fontAlgn="base" hangingPunct="0">
+              <a:lnSpc>
+                <a:spcPct val="90000"/>
+              </a:lnSpc>
+              <a:spcBef>
+                <a:spcPts val="500"/>
+              </a:spcBef>
+              <a:spcAft>
+                <a:spcPct val="0"/>
+              </a:spcAft>
+              <a:buFont typeface="Arial" panose="020B0604020202020204" pitchFamily="34" charset="0"/>
+              <a:buChar char="•"/>
+              <a:defRPr>
+                <a:solidFill>
+                  <a:schemeClr val="tx1"/>
+                </a:solidFill>
+                <a:latin typeface="Calibri" panose="020F0502020204030204" pitchFamily="34" charset="0"/>
+              </a:defRPr>
+            </a:lvl8pPr>
+            <a:lvl9pPr marL="3886200" indent="-228600" eaLnBrk="0" fontAlgn="base" hangingPunct="0">
+              <a:lnSpc>
+                <a:spcPct val="90000"/>
+              </a:lnSpc>
+              <a:spcBef>
+                <a:spcPts val="500"/>
+              </a:spcBef>
+              <a:spcAft>
+                <a:spcPct val="0"/>
+              </a:spcAft>
+              <a:buFont typeface="Arial" panose="020B0604020202020204" pitchFamily="34" charset="0"/>
+              <a:buChar char="•"/>
+              <a:defRPr>
+                <a:solidFill>
+                  <a:schemeClr val="tx1"/>
+                </a:solidFill>
+                <a:latin typeface="Calibri" panose="020F0502020204030204" pitchFamily="34" charset="0"/>
+              </a:defRPr>
+            </a:lvl9pPr>
+          </a:lstStyle>
+          <a:p>
+            <a:pPr eaLnBrk="1" hangingPunct="1">
+              <a:lnSpc>
+                <a:spcPct val="100000"/>
+              </a:lnSpc>
+              <a:spcBef>
+                <a:spcPct val="0"/>
+              </a:spcBef>
+              <a:buFontTx/>
+              <a:buNone/>
+            </a:pPr>
+            <a:r>
+              <a:rPr lang="en-US" altLang="en-US" sz="1800"/>
               <a:t>10 W  various voltages</a:t>
             </a:r>
           </a:p>
           <a:p>
-            <a:endParaRPr lang="en-US" dirty="0"/>
-          </a:p>
-          <a:p>
-            <a:r>
-              <a:rPr lang="en-US" dirty="0"/>
+            <a:pPr eaLnBrk="1" hangingPunct="1">
+              <a:lnSpc>
+                <a:spcPct val="100000"/>
+              </a:lnSpc>
+              <a:spcBef>
+                <a:spcPct val="0"/>
+              </a:spcBef>
+              <a:buFontTx/>
+              <a:buNone/>
+            </a:pPr>
+            <a:endParaRPr lang="en-US" altLang="en-US" sz="1800"/>
+          </a:p>
+          <a:p>
+            <a:pPr eaLnBrk="1" hangingPunct="1">
+              <a:lnSpc>
+                <a:spcPct val="100000"/>
+              </a:lnSpc>
+              <a:spcBef>
+                <a:spcPct val="0"/>
+              </a:spcBef>
+              <a:buFontTx/>
+              <a:buNone/>
+            </a:pPr>
+            <a:r>
+              <a:rPr lang="en-US" altLang="en-US" sz="1800"/>
               <a:t>.25 inlet</a:t>
             </a:r>
           </a:p>
           <a:p>
-            <a:endParaRPr lang="en-US" dirty="0"/>
-          </a:p>
-          <a:p>
-            <a:r>
-              <a:rPr lang="en-US" dirty="0"/>
+            <a:pPr eaLnBrk="1" hangingPunct="1">
+              <a:lnSpc>
+                <a:spcPct val="100000"/>
+              </a:lnSpc>
+              <a:spcBef>
+                <a:spcPct val="0"/>
+              </a:spcBef>
+              <a:buFontTx/>
+              <a:buNone/>
+            </a:pPr>
+            <a:endParaRPr lang="en-US" altLang="en-US" sz="1800"/>
+          </a:p>
+          <a:p>
+            <a:pPr eaLnBrk="1" hangingPunct="1">
+              <a:lnSpc>
+                <a:spcPct val="100000"/>
+              </a:lnSpc>
+              <a:spcBef>
+                <a:spcPct val="0"/>
+              </a:spcBef>
+              <a:buFontTx/>
+              <a:buNone/>
+            </a:pPr>
+            <a:r>
+              <a:rPr lang="en-US" altLang="en-US" sz="1800"/>
               <a:t>$10.00</a:t>
             </a:r>
           </a:p>
           <a:p>
-            <a:endParaRPr lang="en-US" dirty="0"/>
-          </a:p>
-          <a:p>
-            <a:r>
-              <a:rPr lang="en-US" dirty="0"/>
+            <a:pPr eaLnBrk="1" hangingPunct="1">
+              <a:lnSpc>
+                <a:spcPct val="100000"/>
+              </a:lnSpc>
+              <a:spcBef>
+                <a:spcPct val="0"/>
+              </a:spcBef>
+              <a:buFontTx/>
+              <a:buNone/>
+            </a:pPr>
+            <a:endParaRPr lang="en-US" altLang="en-US" sz="1800"/>
+          </a:p>
+          <a:p>
+            <a:pPr eaLnBrk="1" hangingPunct="1">
+              <a:lnSpc>
+                <a:spcPct val="100000"/>
+              </a:lnSpc>
+              <a:spcBef>
+                <a:spcPct val="0"/>
+              </a:spcBef>
+              <a:buFontTx/>
+              <a:buNone/>
+            </a:pPr>
+            <a:r>
+              <a:rPr lang="en-US" altLang="en-US" sz="1800"/>
               <a:t>Need to up scale or fit multiple units</a:t>
             </a:r>
           </a:p>
           <a:p>
-            <a:r>
-              <a:rPr lang="en-US" dirty="0"/>
+            <a:pPr eaLnBrk="1" hangingPunct="1">
+              <a:lnSpc>
+                <a:spcPct val="100000"/>
+              </a:lnSpc>
+              <a:spcBef>
+                <a:spcPct val="0"/>
+              </a:spcBef>
+              <a:buFontTx/>
+              <a:buNone/>
+            </a:pPr>
+            <a:r>
+              <a:rPr lang="en-US" altLang="en-US" sz="1800"/>
               <a:t>Into the system</a:t>
             </a:r>
           </a:p>
         </p:txBody>
       </p:sp>
     </p:spTree>
-    <p:extLst>
-      <p:ext uri="{BB962C8B-B14F-4D97-AF65-F5344CB8AC3E}">
-        <p14:creationId xmlns:p14="http://schemas.microsoft.com/office/powerpoint/2010/main" val="556956571"/>
-      </p:ext>
-    </p:extLst>
   </p:cSld>
   <p:clrMapOvr>
     <a:masterClrMapping/>
@@ -4511,15 +6210,15 @@
       </p:grpSpPr>
       <p:sp>
         <p:nvSpPr>
-          <p:cNvPr id="2" name="Title 1">
-            <a:extLst>
-              <a:ext uri="{FF2B5EF4-FFF2-40B4-BE49-F238E27FC236}">
-                <a16:creationId xmlns:a16="http://schemas.microsoft.com/office/drawing/2014/main" id="{994E4F9B-252D-403F-A0D3-7DDEA52D8A24}"/>
+          <p:cNvPr id="9218" name="Title 1">
+            <a:extLst>
+              <a:ext uri="{FF2B5EF4-FFF2-40B4-BE49-F238E27FC236}">
+                <a16:creationId xmlns:a16="http://schemas.microsoft.com/office/drawing/2014/main" id="{8130451F-D99D-49FB-BBB0-74AB01E77D09}"/>
               </a:ext>
             </a:extLst>
           </p:cNvPr>
           <p:cNvSpPr>
-            <a:spLocks noGrp="1"/>
+            <a:spLocks noGrp="1" noChangeArrowheads="1"/>
           </p:cNvSpPr>
           <p:nvPr>
             <p:ph type="title"/>
@@ -4530,8 +6229,9 @@
           <a:bodyPr/>
           <a:lstStyle/>
           <a:p>
-            <a:r>
-              <a:rPr lang="en-US" dirty="0"/>
+            <a:pPr eaLnBrk="1" hangingPunct="1"/>
+            <a:r>
+              <a:rPr lang="en-US" altLang="en-US"/>
               <a:t>What is need is a small water turbine powered subsystem</a:t>
             </a:r>
           </a:p>
@@ -4539,20 +6239,252 @@
       </p:sp>
       <p:sp>
         <p:nvSpPr>
-          <p:cNvPr id="4" name="TextBox 3">
-            <a:extLst>
-              <a:ext uri="{FF2B5EF4-FFF2-40B4-BE49-F238E27FC236}">
-                <a16:creationId xmlns:a16="http://schemas.microsoft.com/office/drawing/2014/main" id="{B789EAA0-1100-4E04-891E-344D6825A5A7}"/>
-              </a:ext>
-            </a:extLst>
-          </p:cNvPr>
-          <p:cNvSpPr txBox="1"/>
+          <p:cNvPr id="9219" name="TextBox 3">
+            <a:extLst>
+              <a:ext uri="{FF2B5EF4-FFF2-40B4-BE49-F238E27FC236}">
+                <a16:creationId xmlns:a16="http://schemas.microsoft.com/office/drawing/2014/main" id="{05EF974D-7746-4DA9-AB64-5F5D3C7F3979}"/>
+              </a:ext>
+            </a:extLst>
+          </p:cNvPr>
+          <p:cNvSpPr txBox="1">
+            <a:spLocks noChangeArrowheads="1"/>
+          </p:cNvSpPr>
           <p:nvPr/>
         </p:nvSpPr>
-        <p:spPr>
+        <p:spPr bwMode="auto">
           <a:xfrm>
-            <a:off x="1492211" y="2266366"/>
-            <a:ext cx="1312697" cy="646331"/>
+            <a:off x="1492250" y="2266950"/>
+            <a:ext cx="1312863" cy="646113"/>
+          </a:xfrm>
+          <a:prstGeom prst="rect">
+            <a:avLst/>
+          </a:prstGeom>
+          <a:solidFill>
+            <a:schemeClr val="bg2"/>
+          </a:solidFill>
+          <a:ln w="9525">
+            <a:solidFill>
+              <a:schemeClr val="tx1"/>
+            </a:solidFill>
+            <a:miter lim="800000"/>
+            <a:headEnd/>
+            <a:tailEnd/>
+          </a:ln>
+        </p:spPr>
+        <p:txBody>
+          <a:bodyPr>
+            <a:spAutoFit/>
+          </a:bodyPr>
+          <a:lstStyle>
+            <a:lvl1pPr>
+              <a:lnSpc>
+                <a:spcPct val="90000"/>
+              </a:lnSpc>
+              <a:spcBef>
+                <a:spcPts val="1000"/>
+              </a:spcBef>
+              <a:buFont typeface="Arial" panose="020B0604020202020204" pitchFamily="34" charset="0"/>
+              <a:buChar char="•"/>
+              <a:defRPr sz="2800">
+                <a:solidFill>
+                  <a:schemeClr val="tx1"/>
+                </a:solidFill>
+                <a:latin typeface="Calibri" panose="020F0502020204030204" pitchFamily="34" charset="0"/>
+              </a:defRPr>
+            </a:lvl1pPr>
+            <a:lvl2pPr marL="742950" indent="-285750">
+              <a:lnSpc>
+                <a:spcPct val="90000"/>
+              </a:lnSpc>
+              <a:spcBef>
+                <a:spcPts val="500"/>
+              </a:spcBef>
+              <a:buFont typeface="Arial" panose="020B0604020202020204" pitchFamily="34" charset="0"/>
+              <a:buChar char="•"/>
+              <a:defRPr sz="2400">
+                <a:solidFill>
+                  <a:schemeClr val="tx1"/>
+                </a:solidFill>
+                <a:latin typeface="Calibri" panose="020F0502020204030204" pitchFamily="34" charset="0"/>
+              </a:defRPr>
+            </a:lvl2pPr>
+            <a:lvl3pPr marL="1143000" indent="-228600">
+              <a:lnSpc>
+                <a:spcPct val="90000"/>
+              </a:lnSpc>
+              <a:spcBef>
+                <a:spcPts val="500"/>
+              </a:spcBef>
+              <a:buFont typeface="Arial" panose="020B0604020202020204" pitchFamily="34" charset="0"/>
+              <a:buChar char="•"/>
+              <a:defRPr sz="2000">
+                <a:solidFill>
+                  <a:schemeClr val="tx1"/>
+                </a:solidFill>
+                <a:latin typeface="Calibri" panose="020F0502020204030204" pitchFamily="34" charset="0"/>
+              </a:defRPr>
+            </a:lvl3pPr>
+            <a:lvl4pPr marL="1600200" indent="-228600">
+              <a:lnSpc>
+                <a:spcPct val="90000"/>
+              </a:lnSpc>
+              <a:spcBef>
+                <a:spcPts val="500"/>
+              </a:spcBef>
+              <a:buFont typeface="Arial" panose="020B0604020202020204" pitchFamily="34" charset="0"/>
+              <a:buChar char="•"/>
+              <a:defRPr>
+                <a:solidFill>
+                  <a:schemeClr val="tx1"/>
+                </a:solidFill>
+                <a:latin typeface="Calibri" panose="020F0502020204030204" pitchFamily="34" charset="0"/>
+              </a:defRPr>
+            </a:lvl4pPr>
+            <a:lvl5pPr marL="2057400" indent="-228600">
+              <a:lnSpc>
+                <a:spcPct val="90000"/>
+              </a:lnSpc>
+              <a:spcBef>
+                <a:spcPts val="500"/>
+              </a:spcBef>
+              <a:buFont typeface="Arial" panose="020B0604020202020204" pitchFamily="34" charset="0"/>
+              <a:buChar char="•"/>
+              <a:defRPr>
+                <a:solidFill>
+                  <a:schemeClr val="tx1"/>
+                </a:solidFill>
+                <a:latin typeface="Calibri" panose="020F0502020204030204" pitchFamily="34" charset="0"/>
+              </a:defRPr>
+            </a:lvl5pPr>
+            <a:lvl6pPr marL="2514600" indent="-228600" eaLnBrk="0" fontAlgn="base" hangingPunct="0">
+              <a:lnSpc>
+                <a:spcPct val="90000"/>
+              </a:lnSpc>
+              <a:spcBef>
+                <a:spcPts val="500"/>
+              </a:spcBef>
+              <a:spcAft>
+                <a:spcPct val="0"/>
+              </a:spcAft>
+              <a:buFont typeface="Arial" panose="020B0604020202020204" pitchFamily="34" charset="0"/>
+              <a:buChar char="•"/>
+              <a:defRPr>
+                <a:solidFill>
+                  <a:schemeClr val="tx1"/>
+                </a:solidFill>
+                <a:latin typeface="Calibri" panose="020F0502020204030204" pitchFamily="34" charset="0"/>
+              </a:defRPr>
+            </a:lvl6pPr>
+            <a:lvl7pPr marL="2971800" indent="-228600" eaLnBrk="0" fontAlgn="base" hangingPunct="0">
+              <a:lnSpc>
+                <a:spcPct val="90000"/>
+              </a:lnSpc>
+              <a:spcBef>
+                <a:spcPts val="500"/>
+              </a:spcBef>
+              <a:spcAft>
+                <a:spcPct val="0"/>
+              </a:spcAft>
+              <a:buFont typeface="Arial" panose="020B0604020202020204" pitchFamily="34" charset="0"/>
+              <a:buChar char="•"/>
+              <a:defRPr>
+                <a:solidFill>
+                  <a:schemeClr val="tx1"/>
+                </a:solidFill>
+                <a:latin typeface="Calibri" panose="020F0502020204030204" pitchFamily="34" charset="0"/>
+              </a:defRPr>
+            </a:lvl7pPr>
+            <a:lvl8pPr marL="3429000" indent="-228600" eaLnBrk="0" fontAlgn="base" hangingPunct="0">
+              <a:lnSpc>
+                <a:spcPct val="90000"/>
+              </a:lnSpc>
+              <a:spcBef>
+                <a:spcPts val="500"/>
+              </a:spcBef>
+              <a:spcAft>
+                <a:spcPct val="0"/>
+              </a:spcAft>
+              <a:buFont typeface="Arial" panose="020B0604020202020204" pitchFamily="34" charset="0"/>
+              <a:buChar char="•"/>
+              <a:defRPr>
+                <a:solidFill>
+                  <a:schemeClr val="tx1"/>
+                </a:solidFill>
+                <a:latin typeface="Calibri" panose="020F0502020204030204" pitchFamily="34" charset="0"/>
+              </a:defRPr>
+            </a:lvl8pPr>
+            <a:lvl9pPr marL="3886200" indent="-228600" eaLnBrk="0" fontAlgn="base" hangingPunct="0">
+              <a:lnSpc>
+                <a:spcPct val="90000"/>
+              </a:lnSpc>
+              <a:spcBef>
+                <a:spcPts val="500"/>
+              </a:spcBef>
+              <a:spcAft>
+                <a:spcPct val="0"/>
+              </a:spcAft>
+              <a:buFont typeface="Arial" panose="020B0604020202020204" pitchFamily="34" charset="0"/>
+              <a:buChar char="•"/>
+              <a:defRPr>
+                <a:solidFill>
+                  <a:schemeClr val="tx1"/>
+                </a:solidFill>
+                <a:latin typeface="Calibri" panose="020F0502020204030204" pitchFamily="34" charset="0"/>
+              </a:defRPr>
+            </a:lvl9pPr>
+          </a:lstStyle>
+          <a:p>
+            <a:pPr eaLnBrk="1" hangingPunct="1">
+              <a:lnSpc>
+                <a:spcPct val="100000"/>
+              </a:lnSpc>
+              <a:spcBef>
+                <a:spcPct val="0"/>
+              </a:spcBef>
+              <a:buFontTx/>
+              <a:buNone/>
+            </a:pPr>
+            <a:r>
+              <a:rPr lang="en-US" altLang="en-US" sz="1800"/>
+              <a:t>Water</a:t>
+            </a:r>
+          </a:p>
+          <a:p>
+            <a:pPr eaLnBrk="1" hangingPunct="1">
+              <a:lnSpc>
+                <a:spcPct val="100000"/>
+              </a:lnSpc>
+              <a:spcBef>
+                <a:spcPct val="0"/>
+              </a:spcBef>
+              <a:buFontTx/>
+              <a:buNone/>
+            </a:pPr>
+            <a:r>
+              <a:rPr lang="en-US" altLang="en-US" sz="1800"/>
+              <a:t>Turbine</a:t>
+            </a:r>
+          </a:p>
+        </p:txBody>
+      </p:sp>
+      <p:sp>
+        <p:nvSpPr>
+          <p:cNvPr id="9220" name="TextBox 4">
+            <a:extLst>
+              <a:ext uri="{FF2B5EF4-FFF2-40B4-BE49-F238E27FC236}">
+                <a16:creationId xmlns:a16="http://schemas.microsoft.com/office/drawing/2014/main" id="{BAF385C7-4FED-4281-867B-2A83E0C6B706}"/>
+              </a:ext>
+            </a:extLst>
+          </p:cNvPr>
+          <p:cNvSpPr txBox="1">
+            <a:spLocks noChangeArrowheads="1"/>
+          </p:cNvSpPr>
+          <p:nvPr/>
+        </p:nvSpPr>
+        <p:spPr bwMode="auto">
+          <a:xfrm>
+            <a:off x="3382963" y="2417763"/>
+            <a:ext cx="1263650" cy="369887"/>
           </a:xfrm>
           <a:prstGeom prst="rect">
             <a:avLst/>
@@ -4561,46 +6493,219 @@
             <a:schemeClr val="bg2"/>
           </a:solidFill>
           <a:ln>
-            <a:solidFill>
-              <a:schemeClr val="tx1"/>
-            </a:solidFill>
+            <a:noFill/>
           </a:ln>
+          <a:extLst>
+            <a:ext uri="{91240B29-F687-4F45-9708-019B960494DF}">
+              <a14:hiddenLine xmlns:a14="http://schemas.microsoft.com/office/drawing/2010/main" w="9525">
+                <a:solidFill>
+                  <a:srgbClr val="000000"/>
+                </a:solidFill>
+                <a:miter lim="800000"/>
+                <a:headEnd/>
+                <a:tailEnd/>
+              </a14:hiddenLine>
+            </a:ext>
+          </a:extLst>
         </p:spPr>
         <p:txBody>
-          <a:bodyPr wrap="square" rtlCol="0">
+          <a:bodyPr wrap="none">
             <a:spAutoFit/>
           </a:bodyPr>
-          <a:lstStyle/>
-          <a:p>
-            <a:r>
-              <a:rPr lang="en-US" dirty="0"/>
-              <a:t>Water</a:t>
-            </a:r>
-          </a:p>
-          <a:p>
-            <a:r>
-              <a:rPr lang="en-US" dirty="0"/>
-              <a:t>Turbine</a:t>
+          <a:lstStyle>
+            <a:lvl1pPr>
+              <a:lnSpc>
+                <a:spcPct val="90000"/>
+              </a:lnSpc>
+              <a:spcBef>
+                <a:spcPts val="1000"/>
+              </a:spcBef>
+              <a:buFont typeface="Arial" panose="020B0604020202020204" pitchFamily="34" charset="0"/>
+              <a:buChar char="•"/>
+              <a:defRPr sz="2800">
+                <a:solidFill>
+                  <a:schemeClr val="tx1"/>
+                </a:solidFill>
+                <a:latin typeface="Calibri" panose="020F0502020204030204" pitchFamily="34" charset="0"/>
+              </a:defRPr>
+            </a:lvl1pPr>
+            <a:lvl2pPr marL="742950" indent="-285750">
+              <a:lnSpc>
+                <a:spcPct val="90000"/>
+              </a:lnSpc>
+              <a:spcBef>
+                <a:spcPts val="500"/>
+              </a:spcBef>
+              <a:buFont typeface="Arial" panose="020B0604020202020204" pitchFamily="34" charset="0"/>
+              <a:buChar char="•"/>
+              <a:defRPr sz="2400">
+                <a:solidFill>
+                  <a:schemeClr val="tx1"/>
+                </a:solidFill>
+                <a:latin typeface="Calibri" panose="020F0502020204030204" pitchFamily="34" charset="0"/>
+              </a:defRPr>
+            </a:lvl2pPr>
+            <a:lvl3pPr marL="1143000" indent="-228600">
+              <a:lnSpc>
+                <a:spcPct val="90000"/>
+              </a:lnSpc>
+              <a:spcBef>
+                <a:spcPts val="500"/>
+              </a:spcBef>
+              <a:buFont typeface="Arial" panose="020B0604020202020204" pitchFamily="34" charset="0"/>
+              <a:buChar char="•"/>
+              <a:defRPr sz="2000">
+                <a:solidFill>
+                  <a:schemeClr val="tx1"/>
+                </a:solidFill>
+                <a:latin typeface="Calibri" panose="020F0502020204030204" pitchFamily="34" charset="0"/>
+              </a:defRPr>
+            </a:lvl3pPr>
+            <a:lvl4pPr marL="1600200" indent="-228600">
+              <a:lnSpc>
+                <a:spcPct val="90000"/>
+              </a:lnSpc>
+              <a:spcBef>
+                <a:spcPts val="500"/>
+              </a:spcBef>
+              <a:buFont typeface="Arial" panose="020B0604020202020204" pitchFamily="34" charset="0"/>
+              <a:buChar char="•"/>
+              <a:defRPr>
+                <a:solidFill>
+                  <a:schemeClr val="tx1"/>
+                </a:solidFill>
+                <a:latin typeface="Calibri" panose="020F0502020204030204" pitchFamily="34" charset="0"/>
+              </a:defRPr>
+            </a:lvl4pPr>
+            <a:lvl5pPr marL="2057400" indent="-228600">
+              <a:lnSpc>
+                <a:spcPct val="90000"/>
+              </a:lnSpc>
+              <a:spcBef>
+                <a:spcPts val="500"/>
+              </a:spcBef>
+              <a:buFont typeface="Arial" panose="020B0604020202020204" pitchFamily="34" charset="0"/>
+              <a:buChar char="•"/>
+              <a:defRPr>
+                <a:solidFill>
+                  <a:schemeClr val="tx1"/>
+                </a:solidFill>
+                <a:latin typeface="Calibri" panose="020F0502020204030204" pitchFamily="34" charset="0"/>
+              </a:defRPr>
+            </a:lvl5pPr>
+            <a:lvl6pPr marL="2514600" indent="-228600" eaLnBrk="0" fontAlgn="base" hangingPunct="0">
+              <a:lnSpc>
+                <a:spcPct val="90000"/>
+              </a:lnSpc>
+              <a:spcBef>
+                <a:spcPts val="500"/>
+              </a:spcBef>
+              <a:spcAft>
+                <a:spcPct val="0"/>
+              </a:spcAft>
+              <a:buFont typeface="Arial" panose="020B0604020202020204" pitchFamily="34" charset="0"/>
+              <a:buChar char="•"/>
+              <a:defRPr>
+                <a:solidFill>
+                  <a:schemeClr val="tx1"/>
+                </a:solidFill>
+                <a:latin typeface="Calibri" panose="020F0502020204030204" pitchFamily="34" charset="0"/>
+              </a:defRPr>
+            </a:lvl6pPr>
+            <a:lvl7pPr marL="2971800" indent="-228600" eaLnBrk="0" fontAlgn="base" hangingPunct="0">
+              <a:lnSpc>
+                <a:spcPct val="90000"/>
+              </a:lnSpc>
+              <a:spcBef>
+                <a:spcPts val="500"/>
+              </a:spcBef>
+              <a:spcAft>
+                <a:spcPct val="0"/>
+              </a:spcAft>
+              <a:buFont typeface="Arial" panose="020B0604020202020204" pitchFamily="34" charset="0"/>
+              <a:buChar char="•"/>
+              <a:defRPr>
+                <a:solidFill>
+                  <a:schemeClr val="tx1"/>
+                </a:solidFill>
+                <a:latin typeface="Calibri" panose="020F0502020204030204" pitchFamily="34" charset="0"/>
+              </a:defRPr>
+            </a:lvl7pPr>
+            <a:lvl8pPr marL="3429000" indent="-228600" eaLnBrk="0" fontAlgn="base" hangingPunct="0">
+              <a:lnSpc>
+                <a:spcPct val="90000"/>
+              </a:lnSpc>
+              <a:spcBef>
+                <a:spcPts val="500"/>
+              </a:spcBef>
+              <a:spcAft>
+                <a:spcPct val="0"/>
+              </a:spcAft>
+              <a:buFont typeface="Arial" panose="020B0604020202020204" pitchFamily="34" charset="0"/>
+              <a:buChar char="•"/>
+              <a:defRPr>
+                <a:solidFill>
+                  <a:schemeClr val="tx1"/>
+                </a:solidFill>
+                <a:latin typeface="Calibri" panose="020F0502020204030204" pitchFamily="34" charset="0"/>
+              </a:defRPr>
+            </a:lvl8pPr>
+            <a:lvl9pPr marL="3886200" indent="-228600" eaLnBrk="0" fontAlgn="base" hangingPunct="0">
+              <a:lnSpc>
+                <a:spcPct val="90000"/>
+              </a:lnSpc>
+              <a:spcBef>
+                <a:spcPts val="500"/>
+              </a:spcBef>
+              <a:spcAft>
+                <a:spcPct val="0"/>
+              </a:spcAft>
+              <a:buFont typeface="Arial" panose="020B0604020202020204" pitchFamily="34" charset="0"/>
+              <a:buChar char="•"/>
+              <a:defRPr>
+                <a:solidFill>
+                  <a:schemeClr val="tx1"/>
+                </a:solidFill>
+                <a:latin typeface="Calibri" panose="020F0502020204030204" pitchFamily="34" charset="0"/>
+              </a:defRPr>
+            </a:lvl9pPr>
+          </a:lstStyle>
+          <a:p>
+            <a:pPr eaLnBrk="1" hangingPunct="1">
+              <a:lnSpc>
+                <a:spcPct val="100000"/>
+              </a:lnSpc>
+              <a:spcBef>
+                <a:spcPct val="0"/>
+              </a:spcBef>
+              <a:buFontTx/>
+              <a:buNone/>
+            </a:pPr>
+            <a:r>
+              <a:rPr lang="en-US" altLang="en-US" sz="1800"/>
+              <a:t>Flow Meter</a:t>
             </a:r>
           </a:p>
         </p:txBody>
       </p:sp>
       <p:sp>
         <p:nvSpPr>
-          <p:cNvPr id="5" name="TextBox 4">
-            <a:extLst>
-              <a:ext uri="{FF2B5EF4-FFF2-40B4-BE49-F238E27FC236}">
-                <a16:creationId xmlns:a16="http://schemas.microsoft.com/office/drawing/2014/main" id="{1D21A6A4-0F32-4DC5-9F53-CCE33DD61BA9}"/>
-              </a:ext>
-            </a:extLst>
-          </p:cNvPr>
-          <p:cNvSpPr txBox="1"/>
+          <p:cNvPr id="9221" name="TextBox 5">
+            <a:extLst>
+              <a:ext uri="{FF2B5EF4-FFF2-40B4-BE49-F238E27FC236}">
+                <a16:creationId xmlns:a16="http://schemas.microsoft.com/office/drawing/2014/main" id="{47E9E3E9-EAD6-4D2E-972E-6F27806EBBCF}"/>
+              </a:ext>
+            </a:extLst>
+          </p:cNvPr>
+          <p:cNvSpPr txBox="1">
+            <a:spLocks noChangeArrowheads="1"/>
+          </p:cNvSpPr>
           <p:nvPr/>
         </p:nvSpPr>
-        <p:spPr>
+        <p:spPr bwMode="auto">
           <a:xfrm>
-            <a:off x="3382719" y="2417831"/>
-            <a:ext cx="1263679" cy="369332"/>
+            <a:off x="5362575" y="2530475"/>
+            <a:ext cx="1905000" cy="646113"/>
           </a:xfrm>
           <a:prstGeom prst="rect">
             <a:avLst/>
@@ -4608,58 +6713,213 @@
           <a:solidFill>
             <a:schemeClr val="bg2"/>
           </a:solidFill>
+          <a:ln>
+            <a:noFill/>
+          </a:ln>
+          <a:extLst>
+            <a:ext uri="{91240B29-F687-4F45-9708-019B960494DF}">
+              <a14:hiddenLine xmlns:a14="http://schemas.microsoft.com/office/drawing/2010/main" w="9525">
+                <a:solidFill>
+                  <a:srgbClr val="000000"/>
+                </a:solidFill>
+                <a:miter lim="800000"/>
+                <a:headEnd/>
+                <a:tailEnd/>
+              </a14:hiddenLine>
+            </a:ext>
+          </a:extLst>
         </p:spPr>
         <p:txBody>
-          <a:bodyPr wrap="none" rtlCol="0">
+          <a:bodyPr wrap="none">
             <a:spAutoFit/>
           </a:bodyPr>
-          <a:lstStyle/>
-          <a:p>
-            <a:r>
-              <a:rPr lang="en-US" dirty="0"/>
-              <a:t>Flow Meter</a:t>
-            </a:r>
-          </a:p>
-        </p:txBody>
-      </p:sp>
-      <p:sp>
-        <p:nvSpPr>
-          <p:cNvPr id="6" name="TextBox 5">
-            <a:extLst>
-              <a:ext uri="{FF2B5EF4-FFF2-40B4-BE49-F238E27FC236}">
-                <a16:creationId xmlns:a16="http://schemas.microsoft.com/office/drawing/2014/main" id="{796AF03B-4A2F-49EC-9A15-F95F7F843BB9}"/>
-              </a:ext>
-            </a:extLst>
-          </p:cNvPr>
-          <p:cNvSpPr txBox="1"/>
-          <p:nvPr/>
-        </p:nvSpPr>
-        <p:spPr>
-          <a:xfrm>
-            <a:off x="5362984" y="2530027"/>
-            <a:ext cx="1904239" cy="646331"/>
-          </a:xfrm>
-          <a:prstGeom prst="rect">
-            <a:avLst/>
-          </a:prstGeom>
-          <a:solidFill>
-            <a:schemeClr val="bg2"/>
-          </a:solidFill>
-        </p:spPr>
-        <p:txBody>
-          <a:bodyPr wrap="none" rtlCol="0">
-            <a:spAutoFit/>
-          </a:bodyPr>
-          <a:lstStyle/>
-          <a:p>
-            <a:r>
-              <a:rPr lang="en-US" dirty="0"/>
+          <a:lstStyle>
+            <a:lvl1pPr>
+              <a:lnSpc>
+                <a:spcPct val="90000"/>
+              </a:lnSpc>
+              <a:spcBef>
+                <a:spcPts val="1000"/>
+              </a:spcBef>
+              <a:buFont typeface="Arial" panose="020B0604020202020204" pitchFamily="34" charset="0"/>
+              <a:buChar char="•"/>
+              <a:defRPr sz="2800">
+                <a:solidFill>
+                  <a:schemeClr val="tx1"/>
+                </a:solidFill>
+                <a:latin typeface="Calibri" panose="020F0502020204030204" pitchFamily="34" charset="0"/>
+              </a:defRPr>
+            </a:lvl1pPr>
+            <a:lvl2pPr marL="742950" indent="-285750">
+              <a:lnSpc>
+                <a:spcPct val="90000"/>
+              </a:lnSpc>
+              <a:spcBef>
+                <a:spcPts val="500"/>
+              </a:spcBef>
+              <a:buFont typeface="Arial" panose="020B0604020202020204" pitchFamily="34" charset="0"/>
+              <a:buChar char="•"/>
+              <a:defRPr sz="2400">
+                <a:solidFill>
+                  <a:schemeClr val="tx1"/>
+                </a:solidFill>
+                <a:latin typeface="Calibri" panose="020F0502020204030204" pitchFamily="34" charset="0"/>
+              </a:defRPr>
+            </a:lvl2pPr>
+            <a:lvl3pPr marL="1143000" indent="-228600">
+              <a:lnSpc>
+                <a:spcPct val="90000"/>
+              </a:lnSpc>
+              <a:spcBef>
+                <a:spcPts val="500"/>
+              </a:spcBef>
+              <a:buFont typeface="Arial" panose="020B0604020202020204" pitchFamily="34" charset="0"/>
+              <a:buChar char="•"/>
+              <a:defRPr sz="2000">
+                <a:solidFill>
+                  <a:schemeClr val="tx1"/>
+                </a:solidFill>
+                <a:latin typeface="Calibri" panose="020F0502020204030204" pitchFamily="34" charset="0"/>
+              </a:defRPr>
+            </a:lvl3pPr>
+            <a:lvl4pPr marL="1600200" indent="-228600">
+              <a:lnSpc>
+                <a:spcPct val="90000"/>
+              </a:lnSpc>
+              <a:spcBef>
+                <a:spcPts val="500"/>
+              </a:spcBef>
+              <a:buFont typeface="Arial" panose="020B0604020202020204" pitchFamily="34" charset="0"/>
+              <a:buChar char="•"/>
+              <a:defRPr>
+                <a:solidFill>
+                  <a:schemeClr val="tx1"/>
+                </a:solidFill>
+                <a:latin typeface="Calibri" panose="020F0502020204030204" pitchFamily="34" charset="0"/>
+              </a:defRPr>
+            </a:lvl4pPr>
+            <a:lvl5pPr marL="2057400" indent="-228600">
+              <a:lnSpc>
+                <a:spcPct val="90000"/>
+              </a:lnSpc>
+              <a:spcBef>
+                <a:spcPts val="500"/>
+              </a:spcBef>
+              <a:buFont typeface="Arial" panose="020B0604020202020204" pitchFamily="34" charset="0"/>
+              <a:buChar char="•"/>
+              <a:defRPr>
+                <a:solidFill>
+                  <a:schemeClr val="tx1"/>
+                </a:solidFill>
+                <a:latin typeface="Calibri" panose="020F0502020204030204" pitchFamily="34" charset="0"/>
+              </a:defRPr>
+            </a:lvl5pPr>
+            <a:lvl6pPr marL="2514600" indent="-228600" eaLnBrk="0" fontAlgn="base" hangingPunct="0">
+              <a:lnSpc>
+                <a:spcPct val="90000"/>
+              </a:lnSpc>
+              <a:spcBef>
+                <a:spcPts val="500"/>
+              </a:spcBef>
+              <a:spcAft>
+                <a:spcPct val="0"/>
+              </a:spcAft>
+              <a:buFont typeface="Arial" panose="020B0604020202020204" pitchFamily="34" charset="0"/>
+              <a:buChar char="•"/>
+              <a:defRPr>
+                <a:solidFill>
+                  <a:schemeClr val="tx1"/>
+                </a:solidFill>
+                <a:latin typeface="Calibri" panose="020F0502020204030204" pitchFamily="34" charset="0"/>
+              </a:defRPr>
+            </a:lvl6pPr>
+            <a:lvl7pPr marL="2971800" indent="-228600" eaLnBrk="0" fontAlgn="base" hangingPunct="0">
+              <a:lnSpc>
+                <a:spcPct val="90000"/>
+              </a:lnSpc>
+              <a:spcBef>
+                <a:spcPts val="500"/>
+              </a:spcBef>
+              <a:spcAft>
+                <a:spcPct val="0"/>
+              </a:spcAft>
+              <a:buFont typeface="Arial" panose="020B0604020202020204" pitchFamily="34" charset="0"/>
+              <a:buChar char="•"/>
+              <a:defRPr>
+                <a:solidFill>
+                  <a:schemeClr val="tx1"/>
+                </a:solidFill>
+                <a:latin typeface="Calibri" panose="020F0502020204030204" pitchFamily="34" charset="0"/>
+              </a:defRPr>
+            </a:lvl7pPr>
+            <a:lvl8pPr marL="3429000" indent="-228600" eaLnBrk="0" fontAlgn="base" hangingPunct="0">
+              <a:lnSpc>
+                <a:spcPct val="90000"/>
+              </a:lnSpc>
+              <a:spcBef>
+                <a:spcPts val="500"/>
+              </a:spcBef>
+              <a:spcAft>
+                <a:spcPct val="0"/>
+              </a:spcAft>
+              <a:buFont typeface="Arial" panose="020B0604020202020204" pitchFamily="34" charset="0"/>
+              <a:buChar char="•"/>
+              <a:defRPr>
+                <a:solidFill>
+                  <a:schemeClr val="tx1"/>
+                </a:solidFill>
+                <a:latin typeface="Calibri" panose="020F0502020204030204" pitchFamily="34" charset="0"/>
+              </a:defRPr>
+            </a:lvl8pPr>
+            <a:lvl9pPr marL="3886200" indent="-228600" eaLnBrk="0" fontAlgn="base" hangingPunct="0">
+              <a:lnSpc>
+                <a:spcPct val="90000"/>
+              </a:lnSpc>
+              <a:spcBef>
+                <a:spcPts val="500"/>
+              </a:spcBef>
+              <a:spcAft>
+                <a:spcPct val="0"/>
+              </a:spcAft>
+              <a:buFont typeface="Arial" panose="020B0604020202020204" pitchFamily="34" charset="0"/>
+              <a:buChar char="•"/>
+              <a:defRPr>
+                <a:solidFill>
+                  <a:schemeClr val="tx1"/>
+                </a:solidFill>
+                <a:latin typeface="Calibri" panose="020F0502020204030204" pitchFamily="34" charset="0"/>
+              </a:defRPr>
+            </a:lvl9pPr>
+          </a:lstStyle>
+          <a:p>
+            <a:pPr eaLnBrk="1" hangingPunct="1">
+              <a:lnSpc>
+                <a:spcPct val="100000"/>
+              </a:lnSpc>
+              <a:spcBef>
+                <a:spcPct val="0"/>
+              </a:spcBef>
+              <a:buFontTx/>
+              <a:buNone/>
+            </a:pPr>
+            <a:r>
+              <a:rPr lang="en-US" altLang="en-US" sz="1800"/>
               <a:t>Pressure Reducing</a:t>
             </a:r>
           </a:p>
           <a:p>
-            <a:r>
-              <a:rPr lang="en-US" dirty="0"/>
+            <a:pPr eaLnBrk="1" hangingPunct="1">
+              <a:lnSpc>
+                <a:spcPct val="100000"/>
+              </a:lnSpc>
+              <a:spcBef>
+                <a:spcPct val="0"/>
+              </a:spcBef>
+              <a:buFontTx/>
+              <a:buNone/>
+            </a:pPr>
+            <a:r>
+              <a:rPr lang="en-US" altLang="en-US" sz="1800"/>
               <a:t>Valve</a:t>
             </a:r>
           </a:p>
@@ -4679,8 +6939,8 @@
         </p:nvCxnSpPr>
         <p:spPr>
           <a:xfrm>
-            <a:off x="7663009" y="2807026"/>
-            <a:ext cx="3186375" cy="0"/>
+            <a:off x="7662863" y="2806700"/>
+            <a:ext cx="3186112" cy="0"/>
           </a:xfrm>
           <a:prstGeom prst="line">
             <a:avLst/>
@@ -4703,40 +6963,241 @@
       </p:cxnSp>
       <p:sp>
         <p:nvSpPr>
-          <p:cNvPr id="9" name="TextBox 8">
-            <a:extLst>
-              <a:ext uri="{FF2B5EF4-FFF2-40B4-BE49-F238E27FC236}">
-                <a16:creationId xmlns:a16="http://schemas.microsoft.com/office/drawing/2014/main" id="{054EBA99-B49E-4B87-80F1-E38609B05DE2}"/>
-              </a:ext>
-            </a:extLst>
-          </p:cNvPr>
-          <p:cNvSpPr txBox="1"/>
+          <p:cNvPr id="9223" name="TextBox 8">
+            <a:extLst>
+              <a:ext uri="{FF2B5EF4-FFF2-40B4-BE49-F238E27FC236}">
+                <a16:creationId xmlns:a16="http://schemas.microsoft.com/office/drawing/2014/main" id="{B48D6AD8-9E4E-4C34-BEAF-EFFD1E9D8FBF}"/>
+              </a:ext>
+            </a:extLst>
+          </p:cNvPr>
+          <p:cNvSpPr txBox="1">
+            <a:spLocks noChangeArrowheads="1"/>
+          </p:cNvSpPr>
           <p:nvPr/>
         </p:nvSpPr>
-        <p:spPr>
+        <p:spPr bwMode="auto">
           <a:xfrm>
-            <a:off x="7983809" y="2102323"/>
-            <a:ext cx="2245743" cy="646331"/>
+            <a:off x="7983538" y="2101850"/>
+            <a:ext cx="2246312" cy="646113"/>
           </a:xfrm>
           <a:prstGeom prst="rect">
             <a:avLst/>
           </a:prstGeom>
           <a:noFill/>
+          <a:ln>
+            <a:noFill/>
+          </a:ln>
+          <a:extLst>
+            <a:ext uri="{909E8E84-426E-40DD-AFC4-6F175D3DCCD1}">
+              <a14:hiddenFill xmlns:a14="http://schemas.microsoft.com/office/drawing/2010/main">
+                <a:solidFill>
+                  <a:srgbClr val="FFFFFF"/>
+                </a:solidFill>
+              </a14:hiddenFill>
+            </a:ext>
+            <a:ext uri="{91240B29-F687-4F45-9708-019B960494DF}">
+              <a14:hiddenLine xmlns:a14="http://schemas.microsoft.com/office/drawing/2010/main" w="9525">
+                <a:solidFill>
+                  <a:srgbClr val="000000"/>
+                </a:solidFill>
+                <a:miter lim="800000"/>
+                <a:headEnd/>
+                <a:tailEnd/>
+              </a14:hiddenLine>
+            </a:ext>
+          </a:extLst>
         </p:spPr>
         <p:txBody>
-          <a:bodyPr wrap="none" rtlCol="0">
+          <a:bodyPr wrap="none">
             <a:spAutoFit/>
           </a:bodyPr>
-          <a:lstStyle/>
-          <a:p>
-            <a:r>
-              <a:rPr lang="en-US" dirty="0"/>
+          <a:lstStyle>
+            <a:lvl1pPr>
+              <a:lnSpc>
+                <a:spcPct val="90000"/>
+              </a:lnSpc>
+              <a:spcBef>
+                <a:spcPts val="1000"/>
+              </a:spcBef>
+              <a:buFont typeface="Arial" panose="020B0604020202020204" pitchFamily="34" charset="0"/>
+              <a:buChar char="•"/>
+              <a:defRPr sz="2800">
+                <a:solidFill>
+                  <a:schemeClr val="tx1"/>
+                </a:solidFill>
+                <a:latin typeface="Calibri" panose="020F0502020204030204" pitchFamily="34" charset="0"/>
+              </a:defRPr>
+            </a:lvl1pPr>
+            <a:lvl2pPr marL="742950" indent="-285750">
+              <a:lnSpc>
+                <a:spcPct val="90000"/>
+              </a:lnSpc>
+              <a:spcBef>
+                <a:spcPts val="500"/>
+              </a:spcBef>
+              <a:buFont typeface="Arial" panose="020B0604020202020204" pitchFamily="34" charset="0"/>
+              <a:buChar char="•"/>
+              <a:defRPr sz="2400">
+                <a:solidFill>
+                  <a:schemeClr val="tx1"/>
+                </a:solidFill>
+                <a:latin typeface="Calibri" panose="020F0502020204030204" pitchFamily="34" charset="0"/>
+              </a:defRPr>
+            </a:lvl2pPr>
+            <a:lvl3pPr marL="1143000" indent="-228600">
+              <a:lnSpc>
+                <a:spcPct val="90000"/>
+              </a:lnSpc>
+              <a:spcBef>
+                <a:spcPts val="500"/>
+              </a:spcBef>
+              <a:buFont typeface="Arial" panose="020B0604020202020204" pitchFamily="34" charset="0"/>
+              <a:buChar char="•"/>
+              <a:defRPr sz="2000">
+                <a:solidFill>
+                  <a:schemeClr val="tx1"/>
+                </a:solidFill>
+                <a:latin typeface="Calibri" panose="020F0502020204030204" pitchFamily="34" charset="0"/>
+              </a:defRPr>
+            </a:lvl3pPr>
+            <a:lvl4pPr marL="1600200" indent="-228600">
+              <a:lnSpc>
+                <a:spcPct val="90000"/>
+              </a:lnSpc>
+              <a:spcBef>
+                <a:spcPts val="500"/>
+              </a:spcBef>
+              <a:buFont typeface="Arial" panose="020B0604020202020204" pitchFamily="34" charset="0"/>
+              <a:buChar char="•"/>
+              <a:defRPr>
+                <a:solidFill>
+                  <a:schemeClr val="tx1"/>
+                </a:solidFill>
+                <a:latin typeface="Calibri" panose="020F0502020204030204" pitchFamily="34" charset="0"/>
+              </a:defRPr>
+            </a:lvl4pPr>
+            <a:lvl5pPr marL="2057400" indent="-228600">
+              <a:lnSpc>
+                <a:spcPct val="90000"/>
+              </a:lnSpc>
+              <a:spcBef>
+                <a:spcPts val="500"/>
+              </a:spcBef>
+              <a:buFont typeface="Arial" panose="020B0604020202020204" pitchFamily="34" charset="0"/>
+              <a:buChar char="•"/>
+              <a:defRPr>
+                <a:solidFill>
+                  <a:schemeClr val="tx1"/>
+                </a:solidFill>
+                <a:latin typeface="Calibri" panose="020F0502020204030204" pitchFamily="34" charset="0"/>
+              </a:defRPr>
+            </a:lvl5pPr>
+            <a:lvl6pPr marL="2514600" indent="-228600" eaLnBrk="0" fontAlgn="base" hangingPunct="0">
+              <a:lnSpc>
+                <a:spcPct val="90000"/>
+              </a:lnSpc>
+              <a:spcBef>
+                <a:spcPts val="500"/>
+              </a:spcBef>
+              <a:spcAft>
+                <a:spcPct val="0"/>
+              </a:spcAft>
+              <a:buFont typeface="Arial" panose="020B0604020202020204" pitchFamily="34" charset="0"/>
+              <a:buChar char="•"/>
+              <a:defRPr>
+                <a:solidFill>
+                  <a:schemeClr val="tx1"/>
+                </a:solidFill>
+                <a:latin typeface="Calibri" panose="020F0502020204030204" pitchFamily="34" charset="0"/>
+              </a:defRPr>
+            </a:lvl6pPr>
+            <a:lvl7pPr marL="2971800" indent="-228600" eaLnBrk="0" fontAlgn="base" hangingPunct="0">
+              <a:lnSpc>
+                <a:spcPct val="90000"/>
+              </a:lnSpc>
+              <a:spcBef>
+                <a:spcPts val="500"/>
+              </a:spcBef>
+              <a:spcAft>
+                <a:spcPct val="0"/>
+              </a:spcAft>
+              <a:buFont typeface="Arial" panose="020B0604020202020204" pitchFamily="34" charset="0"/>
+              <a:buChar char="•"/>
+              <a:defRPr>
+                <a:solidFill>
+                  <a:schemeClr val="tx1"/>
+                </a:solidFill>
+                <a:latin typeface="Calibri" panose="020F0502020204030204" pitchFamily="34" charset="0"/>
+              </a:defRPr>
+            </a:lvl7pPr>
+            <a:lvl8pPr marL="3429000" indent="-228600" eaLnBrk="0" fontAlgn="base" hangingPunct="0">
+              <a:lnSpc>
+                <a:spcPct val="90000"/>
+              </a:lnSpc>
+              <a:spcBef>
+                <a:spcPts val="500"/>
+              </a:spcBef>
+              <a:spcAft>
+                <a:spcPct val="0"/>
+              </a:spcAft>
+              <a:buFont typeface="Arial" panose="020B0604020202020204" pitchFamily="34" charset="0"/>
+              <a:buChar char="•"/>
+              <a:defRPr>
+                <a:solidFill>
+                  <a:schemeClr val="tx1"/>
+                </a:solidFill>
+                <a:latin typeface="Calibri" panose="020F0502020204030204" pitchFamily="34" charset="0"/>
+              </a:defRPr>
+            </a:lvl8pPr>
+            <a:lvl9pPr marL="3886200" indent="-228600" eaLnBrk="0" fontAlgn="base" hangingPunct="0">
+              <a:lnSpc>
+                <a:spcPct val="90000"/>
+              </a:lnSpc>
+              <a:spcBef>
+                <a:spcPts val="500"/>
+              </a:spcBef>
+              <a:spcAft>
+                <a:spcPct val="0"/>
+              </a:spcAft>
+              <a:buFont typeface="Arial" panose="020B0604020202020204" pitchFamily="34" charset="0"/>
+              <a:buChar char="•"/>
+              <a:defRPr>
+                <a:solidFill>
+                  <a:schemeClr val="tx1"/>
+                </a:solidFill>
+                <a:latin typeface="Calibri" panose="020F0502020204030204" pitchFamily="34" charset="0"/>
+              </a:defRPr>
+            </a:lvl9pPr>
+          </a:lstStyle>
+          <a:p>
+            <a:pPr eaLnBrk="1" hangingPunct="1">
+              <a:lnSpc>
+                <a:spcPct val="100000"/>
+              </a:lnSpc>
+              <a:spcBef>
+                <a:spcPct val="0"/>
+              </a:spcBef>
+              <a:buFontTx/>
+              <a:buNone/>
+            </a:pPr>
+            <a:r>
+              <a:rPr lang="en-US" altLang="en-US" sz="1800"/>
               <a:t>Irrigation Flow line</a:t>
             </a:r>
           </a:p>
           <a:p>
-            <a:r>
-              <a:rPr lang="en-US" dirty="0"/>
+            <a:pPr eaLnBrk="1" hangingPunct="1">
+              <a:lnSpc>
+                <a:spcPct val="100000"/>
+              </a:lnSpc>
+              <a:spcBef>
+                <a:spcPct val="0"/>
+              </a:spcBef>
+              <a:buFontTx/>
+              <a:buNone/>
+            </a:pPr>
+            <a:r>
+              <a:rPr lang="en-US" altLang="en-US" sz="1800"/>
               <a:t>3~4 gallon per minute</a:t>
             </a:r>
           </a:p>
@@ -4744,20 +7205,22 @@
       </p:sp>
       <p:sp>
         <p:nvSpPr>
-          <p:cNvPr id="10" name="TextBox 9">
-            <a:extLst>
-              <a:ext uri="{FF2B5EF4-FFF2-40B4-BE49-F238E27FC236}">
-                <a16:creationId xmlns:a16="http://schemas.microsoft.com/office/drawing/2014/main" id="{F22B3C8B-6AE2-4C59-B6EE-6910AF904C8C}"/>
-              </a:ext>
-            </a:extLst>
-          </p:cNvPr>
-          <p:cNvSpPr txBox="1"/>
+          <p:cNvPr id="9224" name="TextBox 9">
+            <a:extLst>
+              <a:ext uri="{FF2B5EF4-FFF2-40B4-BE49-F238E27FC236}">
+                <a16:creationId xmlns:a16="http://schemas.microsoft.com/office/drawing/2014/main" id="{C7E83CA6-3E11-452F-A098-44A936D77176}"/>
+              </a:ext>
+            </a:extLst>
+          </p:cNvPr>
+          <p:cNvSpPr txBox="1">
+            <a:spLocks noChangeArrowheads="1"/>
+          </p:cNvSpPr>
           <p:nvPr/>
         </p:nvSpPr>
-        <p:spPr>
+        <p:spPr bwMode="auto">
           <a:xfrm>
-            <a:off x="3438817" y="3365890"/>
-            <a:ext cx="1727823" cy="369332"/>
+            <a:off x="3438525" y="3365500"/>
+            <a:ext cx="1728788" cy="369888"/>
           </a:xfrm>
           <a:prstGeom prst="rect">
             <a:avLst/>
@@ -4765,15 +7228,197 @@
           <a:solidFill>
             <a:schemeClr val="bg2"/>
           </a:solidFill>
+          <a:ln>
+            <a:noFill/>
+          </a:ln>
+          <a:extLst>
+            <a:ext uri="{91240B29-F687-4F45-9708-019B960494DF}">
+              <a14:hiddenLine xmlns:a14="http://schemas.microsoft.com/office/drawing/2010/main" w="9525">
+                <a:solidFill>
+                  <a:srgbClr val="000000"/>
+                </a:solidFill>
+                <a:miter lim="800000"/>
+                <a:headEnd/>
+                <a:tailEnd/>
+              </a14:hiddenLine>
+            </a:ext>
+          </a:extLst>
         </p:spPr>
         <p:txBody>
-          <a:bodyPr wrap="square" rtlCol="0">
+          <a:bodyPr>
             <a:spAutoFit/>
           </a:bodyPr>
-          <a:lstStyle/>
-          <a:p>
-            <a:r>
-              <a:rPr lang="en-US" dirty="0"/>
+          <a:lstStyle>
+            <a:lvl1pPr>
+              <a:lnSpc>
+                <a:spcPct val="90000"/>
+              </a:lnSpc>
+              <a:spcBef>
+                <a:spcPts val="1000"/>
+              </a:spcBef>
+              <a:buFont typeface="Arial" panose="020B0604020202020204" pitchFamily="34" charset="0"/>
+              <a:buChar char="•"/>
+              <a:defRPr sz="2800">
+                <a:solidFill>
+                  <a:schemeClr val="tx1"/>
+                </a:solidFill>
+                <a:latin typeface="Calibri" panose="020F0502020204030204" pitchFamily="34" charset="0"/>
+              </a:defRPr>
+            </a:lvl1pPr>
+            <a:lvl2pPr marL="742950" indent="-285750">
+              <a:lnSpc>
+                <a:spcPct val="90000"/>
+              </a:lnSpc>
+              <a:spcBef>
+                <a:spcPts val="500"/>
+              </a:spcBef>
+              <a:buFont typeface="Arial" panose="020B0604020202020204" pitchFamily="34" charset="0"/>
+              <a:buChar char="•"/>
+              <a:defRPr sz="2400">
+                <a:solidFill>
+                  <a:schemeClr val="tx1"/>
+                </a:solidFill>
+                <a:latin typeface="Calibri" panose="020F0502020204030204" pitchFamily="34" charset="0"/>
+              </a:defRPr>
+            </a:lvl2pPr>
+            <a:lvl3pPr marL="1143000" indent="-228600">
+              <a:lnSpc>
+                <a:spcPct val="90000"/>
+              </a:lnSpc>
+              <a:spcBef>
+                <a:spcPts val="500"/>
+              </a:spcBef>
+              <a:buFont typeface="Arial" panose="020B0604020202020204" pitchFamily="34" charset="0"/>
+              <a:buChar char="•"/>
+              <a:defRPr sz="2000">
+                <a:solidFill>
+                  <a:schemeClr val="tx1"/>
+                </a:solidFill>
+                <a:latin typeface="Calibri" panose="020F0502020204030204" pitchFamily="34" charset="0"/>
+              </a:defRPr>
+            </a:lvl3pPr>
+            <a:lvl4pPr marL="1600200" indent="-228600">
+              <a:lnSpc>
+                <a:spcPct val="90000"/>
+              </a:lnSpc>
+              <a:spcBef>
+                <a:spcPts val="500"/>
+              </a:spcBef>
+              <a:buFont typeface="Arial" panose="020B0604020202020204" pitchFamily="34" charset="0"/>
+              <a:buChar char="•"/>
+              <a:defRPr>
+                <a:solidFill>
+                  <a:schemeClr val="tx1"/>
+                </a:solidFill>
+                <a:latin typeface="Calibri" panose="020F0502020204030204" pitchFamily="34" charset="0"/>
+              </a:defRPr>
+            </a:lvl4pPr>
+            <a:lvl5pPr marL="2057400" indent="-228600">
+              <a:lnSpc>
+                <a:spcPct val="90000"/>
+              </a:lnSpc>
+              <a:spcBef>
+                <a:spcPts val="500"/>
+              </a:spcBef>
+              <a:buFont typeface="Arial" panose="020B0604020202020204" pitchFamily="34" charset="0"/>
+              <a:buChar char="•"/>
+              <a:defRPr>
+                <a:solidFill>
+                  <a:schemeClr val="tx1"/>
+                </a:solidFill>
+                <a:latin typeface="Calibri" panose="020F0502020204030204" pitchFamily="34" charset="0"/>
+              </a:defRPr>
+            </a:lvl5pPr>
+            <a:lvl6pPr marL="2514600" indent="-228600" eaLnBrk="0" fontAlgn="base" hangingPunct="0">
+              <a:lnSpc>
+                <a:spcPct val="90000"/>
+              </a:lnSpc>
+              <a:spcBef>
+                <a:spcPts val="500"/>
+              </a:spcBef>
+              <a:spcAft>
+                <a:spcPct val="0"/>
+              </a:spcAft>
+              <a:buFont typeface="Arial" panose="020B0604020202020204" pitchFamily="34" charset="0"/>
+              <a:buChar char="•"/>
+              <a:defRPr>
+                <a:solidFill>
+                  <a:schemeClr val="tx1"/>
+                </a:solidFill>
+                <a:latin typeface="Calibri" panose="020F0502020204030204" pitchFamily="34" charset="0"/>
+              </a:defRPr>
+            </a:lvl6pPr>
+            <a:lvl7pPr marL="2971800" indent="-228600" eaLnBrk="0" fontAlgn="base" hangingPunct="0">
+              <a:lnSpc>
+                <a:spcPct val="90000"/>
+              </a:lnSpc>
+              <a:spcBef>
+                <a:spcPts val="500"/>
+              </a:spcBef>
+              <a:spcAft>
+                <a:spcPct val="0"/>
+              </a:spcAft>
+              <a:buFont typeface="Arial" panose="020B0604020202020204" pitchFamily="34" charset="0"/>
+              <a:buChar char="•"/>
+              <a:defRPr>
+                <a:solidFill>
+                  <a:schemeClr val="tx1"/>
+                </a:solidFill>
+                <a:latin typeface="Calibri" panose="020F0502020204030204" pitchFamily="34" charset="0"/>
+              </a:defRPr>
+            </a:lvl7pPr>
+            <a:lvl8pPr marL="3429000" indent="-228600" eaLnBrk="0" fontAlgn="base" hangingPunct="0">
+              <a:lnSpc>
+                <a:spcPct val="90000"/>
+              </a:lnSpc>
+              <a:spcBef>
+                <a:spcPts val="500"/>
+              </a:spcBef>
+              <a:spcAft>
+                <a:spcPct val="0"/>
+              </a:spcAft>
+              <a:buFont typeface="Arial" panose="020B0604020202020204" pitchFamily="34" charset="0"/>
+              <a:buChar char="•"/>
+              <a:defRPr>
+                <a:solidFill>
+                  <a:schemeClr val="tx1"/>
+                </a:solidFill>
+                <a:latin typeface="Calibri" panose="020F0502020204030204" pitchFamily="34" charset="0"/>
+              </a:defRPr>
+            </a:lvl8pPr>
+            <a:lvl9pPr marL="3886200" indent="-228600" eaLnBrk="0" fontAlgn="base" hangingPunct="0">
+              <a:lnSpc>
+                <a:spcPct val="90000"/>
+              </a:lnSpc>
+              <a:spcBef>
+                <a:spcPts val="500"/>
+              </a:spcBef>
+              <a:spcAft>
+                <a:spcPct val="0"/>
+              </a:spcAft>
+              <a:buFont typeface="Arial" panose="020B0604020202020204" pitchFamily="34" charset="0"/>
+              <a:buChar char="•"/>
+              <a:defRPr>
+                <a:solidFill>
+                  <a:schemeClr val="tx1"/>
+                </a:solidFill>
+                <a:latin typeface="Calibri" panose="020F0502020204030204" pitchFamily="34" charset="0"/>
+              </a:defRPr>
+            </a:lvl9pPr>
+          </a:lstStyle>
+          <a:p>
+            <a:pPr eaLnBrk="1" hangingPunct="1">
+              <a:lnSpc>
+                <a:spcPct val="100000"/>
+              </a:lnSpc>
+              <a:spcBef>
+                <a:spcPct val="0"/>
+              </a:spcBef>
+              <a:buFontTx/>
+              <a:buNone/>
+            </a:pPr>
+            <a:r>
+              <a:rPr lang="en-US" altLang="en-US" sz="1800"/>
               <a:t>Microprocessor</a:t>
             </a:r>
           </a:p>
@@ -4781,20 +7426,22 @@
       </p:sp>
       <p:sp>
         <p:nvSpPr>
-          <p:cNvPr id="11" name="TextBox 10">
-            <a:extLst>
-              <a:ext uri="{FF2B5EF4-FFF2-40B4-BE49-F238E27FC236}">
-                <a16:creationId xmlns:a16="http://schemas.microsoft.com/office/drawing/2014/main" id="{F55C8DD8-7B31-4488-A0F6-BBADD6063BD0}"/>
-              </a:ext>
-            </a:extLst>
-          </p:cNvPr>
-          <p:cNvSpPr txBox="1"/>
+          <p:cNvPr id="9225" name="TextBox 10">
+            <a:extLst>
+              <a:ext uri="{FF2B5EF4-FFF2-40B4-BE49-F238E27FC236}">
+                <a16:creationId xmlns:a16="http://schemas.microsoft.com/office/drawing/2014/main" id="{D208D82A-D5DB-44AC-BD0E-732CB46AE36D}"/>
+              </a:ext>
+            </a:extLst>
+          </p:cNvPr>
+          <p:cNvSpPr txBox="1">
+            <a:spLocks noChangeArrowheads="1"/>
+          </p:cNvSpPr>
           <p:nvPr/>
         </p:nvSpPr>
-        <p:spPr>
+        <p:spPr bwMode="auto">
           <a:xfrm>
-            <a:off x="4970297" y="4280290"/>
-            <a:ext cx="1296830" cy="923330"/>
+            <a:off x="4970463" y="4279900"/>
+            <a:ext cx="1296987" cy="923925"/>
           </a:xfrm>
           <a:prstGeom prst="rect">
             <a:avLst/>
@@ -4802,27 +7449,229 @@
           <a:solidFill>
             <a:schemeClr val="bg2"/>
           </a:solidFill>
+          <a:ln>
+            <a:noFill/>
+          </a:ln>
+          <a:extLst>
+            <a:ext uri="{91240B29-F687-4F45-9708-019B960494DF}">
+              <a14:hiddenLine xmlns:a14="http://schemas.microsoft.com/office/drawing/2010/main" w="9525">
+                <a:solidFill>
+                  <a:srgbClr val="000000"/>
+                </a:solidFill>
+                <a:miter lim="800000"/>
+                <a:headEnd/>
+                <a:tailEnd/>
+              </a14:hiddenLine>
+            </a:ext>
+          </a:extLst>
         </p:spPr>
         <p:txBody>
-          <a:bodyPr wrap="none" rtlCol="0">
+          <a:bodyPr wrap="none">
             <a:spAutoFit/>
           </a:bodyPr>
-          <a:lstStyle/>
-          <a:p>
-            <a:r>
-              <a:rPr lang="en-US" dirty="0"/>
+          <a:lstStyle>
+            <a:lvl1pPr>
+              <a:lnSpc>
+                <a:spcPct val="90000"/>
+              </a:lnSpc>
+              <a:spcBef>
+                <a:spcPts val="1000"/>
+              </a:spcBef>
+              <a:buFont typeface="Arial" panose="020B0604020202020204" pitchFamily="34" charset="0"/>
+              <a:buChar char="•"/>
+              <a:defRPr sz="2800">
+                <a:solidFill>
+                  <a:schemeClr val="tx1"/>
+                </a:solidFill>
+                <a:latin typeface="Calibri" panose="020F0502020204030204" pitchFamily="34" charset="0"/>
+              </a:defRPr>
+            </a:lvl1pPr>
+            <a:lvl2pPr marL="742950" indent="-285750">
+              <a:lnSpc>
+                <a:spcPct val="90000"/>
+              </a:lnSpc>
+              <a:spcBef>
+                <a:spcPts val="500"/>
+              </a:spcBef>
+              <a:buFont typeface="Arial" panose="020B0604020202020204" pitchFamily="34" charset="0"/>
+              <a:buChar char="•"/>
+              <a:defRPr sz="2400">
+                <a:solidFill>
+                  <a:schemeClr val="tx1"/>
+                </a:solidFill>
+                <a:latin typeface="Calibri" panose="020F0502020204030204" pitchFamily="34" charset="0"/>
+              </a:defRPr>
+            </a:lvl2pPr>
+            <a:lvl3pPr marL="1143000" indent="-228600">
+              <a:lnSpc>
+                <a:spcPct val="90000"/>
+              </a:lnSpc>
+              <a:spcBef>
+                <a:spcPts val="500"/>
+              </a:spcBef>
+              <a:buFont typeface="Arial" panose="020B0604020202020204" pitchFamily="34" charset="0"/>
+              <a:buChar char="•"/>
+              <a:defRPr sz="2000">
+                <a:solidFill>
+                  <a:schemeClr val="tx1"/>
+                </a:solidFill>
+                <a:latin typeface="Calibri" panose="020F0502020204030204" pitchFamily="34" charset="0"/>
+              </a:defRPr>
+            </a:lvl3pPr>
+            <a:lvl4pPr marL="1600200" indent="-228600">
+              <a:lnSpc>
+                <a:spcPct val="90000"/>
+              </a:lnSpc>
+              <a:spcBef>
+                <a:spcPts val="500"/>
+              </a:spcBef>
+              <a:buFont typeface="Arial" panose="020B0604020202020204" pitchFamily="34" charset="0"/>
+              <a:buChar char="•"/>
+              <a:defRPr>
+                <a:solidFill>
+                  <a:schemeClr val="tx1"/>
+                </a:solidFill>
+                <a:latin typeface="Calibri" panose="020F0502020204030204" pitchFamily="34" charset="0"/>
+              </a:defRPr>
+            </a:lvl4pPr>
+            <a:lvl5pPr marL="2057400" indent="-228600">
+              <a:lnSpc>
+                <a:spcPct val="90000"/>
+              </a:lnSpc>
+              <a:spcBef>
+                <a:spcPts val="500"/>
+              </a:spcBef>
+              <a:buFont typeface="Arial" panose="020B0604020202020204" pitchFamily="34" charset="0"/>
+              <a:buChar char="•"/>
+              <a:defRPr>
+                <a:solidFill>
+                  <a:schemeClr val="tx1"/>
+                </a:solidFill>
+                <a:latin typeface="Calibri" panose="020F0502020204030204" pitchFamily="34" charset="0"/>
+              </a:defRPr>
+            </a:lvl5pPr>
+            <a:lvl6pPr marL="2514600" indent="-228600" eaLnBrk="0" fontAlgn="base" hangingPunct="0">
+              <a:lnSpc>
+                <a:spcPct val="90000"/>
+              </a:lnSpc>
+              <a:spcBef>
+                <a:spcPts val="500"/>
+              </a:spcBef>
+              <a:spcAft>
+                <a:spcPct val="0"/>
+              </a:spcAft>
+              <a:buFont typeface="Arial" panose="020B0604020202020204" pitchFamily="34" charset="0"/>
+              <a:buChar char="•"/>
+              <a:defRPr>
+                <a:solidFill>
+                  <a:schemeClr val="tx1"/>
+                </a:solidFill>
+                <a:latin typeface="Calibri" panose="020F0502020204030204" pitchFamily="34" charset="0"/>
+              </a:defRPr>
+            </a:lvl6pPr>
+            <a:lvl7pPr marL="2971800" indent="-228600" eaLnBrk="0" fontAlgn="base" hangingPunct="0">
+              <a:lnSpc>
+                <a:spcPct val="90000"/>
+              </a:lnSpc>
+              <a:spcBef>
+                <a:spcPts val="500"/>
+              </a:spcBef>
+              <a:spcAft>
+                <a:spcPct val="0"/>
+              </a:spcAft>
+              <a:buFont typeface="Arial" panose="020B0604020202020204" pitchFamily="34" charset="0"/>
+              <a:buChar char="•"/>
+              <a:defRPr>
+                <a:solidFill>
+                  <a:schemeClr val="tx1"/>
+                </a:solidFill>
+                <a:latin typeface="Calibri" panose="020F0502020204030204" pitchFamily="34" charset="0"/>
+              </a:defRPr>
+            </a:lvl7pPr>
+            <a:lvl8pPr marL="3429000" indent="-228600" eaLnBrk="0" fontAlgn="base" hangingPunct="0">
+              <a:lnSpc>
+                <a:spcPct val="90000"/>
+              </a:lnSpc>
+              <a:spcBef>
+                <a:spcPts val="500"/>
+              </a:spcBef>
+              <a:spcAft>
+                <a:spcPct val="0"/>
+              </a:spcAft>
+              <a:buFont typeface="Arial" panose="020B0604020202020204" pitchFamily="34" charset="0"/>
+              <a:buChar char="•"/>
+              <a:defRPr>
+                <a:solidFill>
+                  <a:schemeClr val="tx1"/>
+                </a:solidFill>
+                <a:latin typeface="Calibri" panose="020F0502020204030204" pitchFamily="34" charset="0"/>
+              </a:defRPr>
+            </a:lvl8pPr>
+            <a:lvl9pPr marL="3886200" indent="-228600" eaLnBrk="0" fontAlgn="base" hangingPunct="0">
+              <a:lnSpc>
+                <a:spcPct val="90000"/>
+              </a:lnSpc>
+              <a:spcBef>
+                <a:spcPts val="500"/>
+              </a:spcBef>
+              <a:spcAft>
+                <a:spcPct val="0"/>
+              </a:spcAft>
+              <a:buFont typeface="Arial" panose="020B0604020202020204" pitchFamily="34" charset="0"/>
+              <a:buChar char="•"/>
+              <a:defRPr>
+                <a:solidFill>
+                  <a:schemeClr val="tx1"/>
+                </a:solidFill>
+                <a:latin typeface="Calibri" panose="020F0502020204030204" pitchFamily="34" charset="0"/>
+              </a:defRPr>
+            </a:lvl9pPr>
+          </a:lstStyle>
+          <a:p>
+            <a:pPr eaLnBrk="1" hangingPunct="1">
+              <a:lnSpc>
+                <a:spcPct val="100000"/>
+              </a:lnSpc>
+              <a:spcBef>
+                <a:spcPct val="0"/>
+              </a:spcBef>
+              <a:buFontTx/>
+              <a:buNone/>
+            </a:pPr>
+            <a:r>
+              <a:rPr lang="en-US" altLang="en-US" sz="1800"/>
               <a:t>Battery</a:t>
             </a:r>
           </a:p>
           <a:p>
-            <a:r>
-              <a:rPr lang="en-US" dirty="0"/>
+            <a:pPr eaLnBrk="1" hangingPunct="1">
+              <a:lnSpc>
+                <a:spcPct val="100000"/>
+              </a:lnSpc>
+              <a:spcBef>
+                <a:spcPct val="0"/>
+              </a:spcBef>
+              <a:buFontTx/>
+              <a:buNone/>
+            </a:pPr>
+            <a:r>
+              <a:rPr lang="en-US" altLang="en-US" sz="1800"/>
               <a:t>And Battery</a:t>
             </a:r>
           </a:p>
           <a:p>
-            <a:r>
-              <a:rPr lang="en-US" dirty="0"/>
+            <a:pPr eaLnBrk="1" hangingPunct="1">
+              <a:lnSpc>
+                <a:spcPct val="100000"/>
+              </a:lnSpc>
+              <a:spcBef>
+                <a:spcPct val="0"/>
+              </a:spcBef>
+              <a:buFontTx/>
+              <a:buNone/>
+            </a:pPr>
+            <a:r>
+              <a:rPr lang="en-US" altLang="en-US" sz="1800"/>
               <a:t>Charger</a:t>
             </a:r>
           </a:p>
@@ -4830,20 +7679,22 @@
       </p:sp>
       <p:sp>
         <p:nvSpPr>
-          <p:cNvPr id="12" name="TextBox 11">
-            <a:extLst>
-              <a:ext uri="{FF2B5EF4-FFF2-40B4-BE49-F238E27FC236}">
-                <a16:creationId xmlns:a16="http://schemas.microsoft.com/office/drawing/2014/main" id="{9E7A57AF-2EEB-48EA-8172-B951BDE59047}"/>
-              </a:ext>
-            </a:extLst>
-          </p:cNvPr>
-          <p:cNvSpPr txBox="1"/>
+          <p:cNvPr id="9226" name="TextBox 11">
+            <a:extLst>
+              <a:ext uri="{FF2B5EF4-FFF2-40B4-BE49-F238E27FC236}">
+                <a16:creationId xmlns:a16="http://schemas.microsoft.com/office/drawing/2014/main" id="{7030DFFA-7194-4729-84D6-AC86B04985CA}"/>
+              </a:ext>
+            </a:extLst>
+          </p:cNvPr>
+          <p:cNvSpPr txBox="1">
+            <a:spLocks noChangeArrowheads="1"/>
+          </p:cNvSpPr>
           <p:nvPr/>
         </p:nvSpPr>
-        <p:spPr>
+        <p:spPr bwMode="auto">
           <a:xfrm>
-            <a:off x="6315103" y="3412056"/>
-            <a:ext cx="964888" cy="646331"/>
+            <a:off x="6315075" y="3411538"/>
+            <a:ext cx="965200" cy="646112"/>
           </a:xfrm>
           <a:prstGeom prst="rect">
             <a:avLst/>
@@ -4851,21 +7702,213 @@
           <a:solidFill>
             <a:schemeClr val="bg2"/>
           </a:solidFill>
+          <a:ln>
+            <a:noFill/>
+          </a:ln>
+          <a:extLst>
+            <a:ext uri="{91240B29-F687-4F45-9708-019B960494DF}">
+              <a14:hiddenLine xmlns:a14="http://schemas.microsoft.com/office/drawing/2010/main" w="9525">
+                <a:solidFill>
+                  <a:srgbClr val="000000"/>
+                </a:solidFill>
+                <a:miter lim="800000"/>
+                <a:headEnd/>
+                <a:tailEnd/>
+              </a14:hiddenLine>
+            </a:ext>
+          </a:extLst>
         </p:spPr>
         <p:txBody>
-          <a:bodyPr wrap="square" rtlCol="0">
+          <a:bodyPr>
             <a:spAutoFit/>
           </a:bodyPr>
-          <a:lstStyle/>
-          <a:p>
-            <a:r>
-              <a:rPr lang="en-US" dirty="0"/>
+          <a:lstStyle>
+            <a:lvl1pPr>
+              <a:lnSpc>
+                <a:spcPct val="90000"/>
+              </a:lnSpc>
+              <a:spcBef>
+                <a:spcPts val="1000"/>
+              </a:spcBef>
+              <a:buFont typeface="Arial" panose="020B0604020202020204" pitchFamily="34" charset="0"/>
+              <a:buChar char="•"/>
+              <a:defRPr sz="2800">
+                <a:solidFill>
+                  <a:schemeClr val="tx1"/>
+                </a:solidFill>
+                <a:latin typeface="Calibri" panose="020F0502020204030204" pitchFamily="34" charset="0"/>
+              </a:defRPr>
+            </a:lvl1pPr>
+            <a:lvl2pPr marL="742950" indent="-285750">
+              <a:lnSpc>
+                <a:spcPct val="90000"/>
+              </a:lnSpc>
+              <a:spcBef>
+                <a:spcPts val="500"/>
+              </a:spcBef>
+              <a:buFont typeface="Arial" panose="020B0604020202020204" pitchFamily="34" charset="0"/>
+              <a:buChar char="•"/>
+              <a:defRPr sz="2400">
+                <a:solidFill>
+                  <a:schemeClr val="tx1"/>
+                </a:solidFill>
+                <a:latin typeface="Calibri" panose="020F0502020204030204" pitchFamily="34" charset="0"/>
+              </a:defRPr>
+            </a:lvl2pPr>
+            <a:lvl3pPr marL="1143000" indent="-228600">
+              <a:lnSpc>
+                <a:spcPct val="90000"/>
+              </a:lnSpc>
+              <a:spcBef>
+                <a:spcPts val="500"/>
+              </a:spcBef>
+              <a:buFont typeface="Arial" panose="020B0604020202020204" pitchFamily="34" charset="0"/>
+              <a:buChar char="•"/>
+              <a:defRPr sz="2000">
+                <a:solidFill>
+                  <a:schemeClr val="tx1"/>
+                </a:solidFill>
+                <a:latin typeface="Calibri" panose="020F0502020204030204" pitchFamily="34" charset="0"/>
+              </a:defRPr>
+            </a:lvl3pPr>
+            <a:lvl4pPr marL="1600200" indent="-228600">
+              <a:lnSpc>
+                <a:spcPct val="90000"/>
+              </a:lnSpc>
+              <a:spcBef>
+                <a:spcPts val="500"/>
+              </a:spcBef>
+              <a:buFont typeface="Arial" panose="020B0604020202020204" pitchFamily="34" charset="0"/>
+              <a:buChar char="•"/>
+              <a:defRPr>
+                <a:solidFill>
+                  <a:schemeClr val="tx1"/>
+                </a:solidFill>
+                <a:latin typeface="Calibri" panose="020F0502020204030204" pitchFamily="34" charset="0"/>
+              </a:defRPr>
+            </a:lvl4pPr>
+            <a:lvl5pPr marL="2057400" indent="-228600">
+              <a:lnSpc>
+                <a:spcPct val="90000"/>
+              </a:lnSpc>
+              <a:spcBef>
+                <a:spcPts val="500"/>
+              </a:spcBef>
+              <a:buFont typeface="Arial" panose="020B0604020202020204" pitchFamily="34" charset="0"/>
+              <a:buChar char="•"/>
+              <a:defRPr>
+                <a:solidFill>
+                  <a:schemeClr val="tx1"/>
+                </a:solidFill>
+                <a:latin typeface="Calibri" panose="020F0502020204030204" pitchFamily="34" charset="0"/>
+              </a:defRPr>
+            </a:lvl5pPr>
+            <a:lvl6pPr marL="2514600" indent="-228600" eaLnBrk="0" fontAlgn="base" hangingPunct="0">
+              <a:lnSpc>
+                <a:spcPct val="90000"/>
+              </a:lnSpc>
+              <a:spcBef>
+                <a:spcPts val="500"/>
+              </a:spcBef>
+              <a:spcAft>
+                <a:spcPct val="0"/>
+              </a:spcAft>
+              <a:buFont typeface="Arial" panose="020B0604020202020204" pitchFamily="34" charset="0"/>
+              <a:buChar char="•"/>
+              <a:defRPr>
+                <a:solidFill>
+                  <a:schemeClr val="tx1"/>
+                </a:solidFill>
+                <a:latin typeface="Calibri" panose="020F0502020204030204" pitchFamily="34" charset="0"/>
+              </a:defRPr>
+            </a:lvl6pPr>
+            <a:lvl7pPr marL="2971800" indent="-228600" eaLnBrk="0" fontAlgn="base" hangingPunct="0">
+              <a:lnSpc>
+                <a:spcPct val="90000"/>
+              </a:lnSpc>
+              <a:spcBef>
+                <a:spcPts val="500"/>
+              </a:spcBef>
+              <a:spcAft>
+                <a:spcPct val="0"/>
+              </a:spcAft>
+              <a:buFont typeface="Arial" panose="020B0604020202020204" pitchFamily="34" charset="0"/>
+              <a:buChar char="•"/>
+              <a:defRPr>
+                <a:solidFill>
+                  <a:schemeClr val="tx1"/>
+                </a:solidFill>
+                <a:latin typeface="Calibri" panose="020F0502020204030204" pitchFamily="34" charset="0"/>
+              </a:defRPr>
+            </a:lvl7pPr>
+            <a:lvl8pPr marL="3429000" indent="-228600" eaLnBrk="0" fontAlgn="base" hangingPunct="0">
+              <a:lnSpc>
+                <a:spcPct val="90000"/>
+              </a:lnSpc>
+              <a:spcBef>
+                <a:spcPts val="500"/>
+              </a:spcBef>
+              <a:spcAft>
+                <a:spcPct val="0"/>
+              </a:spcAft>
+              <a:buFont typeface="Arial" panose="020B0604020202020204" pitchFamily="34" charset="0"/>
+              <a:buChar char="•"/>
+              <a:defRPr>
+                <a:solidFill>
+                  <a:schemeClr val="tx1"/>
+                </a:solidFill>
+                <a:latin typeface="Calibri" panose="020F0502020204030204" pitchFamily="34" charset="0"/>
+              </a:defRPr>
+            </a:lvl8pPr>
+            <a:lvl9pPr marL="3886200" indent="-228600" eaLnBrk="0" fontAlgn="base" hangingPunct="0">
+              <a:lnSpc>
+                <a:spcPct val="90000"/>
+              </a:lnSpc>
+              <a:spcBef>
+                <a:spcPts val="500"/>
+              </a:spcBef>
+              <a:spcAft>
+                <a:spcPct val="0"/>
+              </a:spcAft>
+              <a:buFont typeface="Arial" panose="020B0604020202020204" pitchFamily="34" charset="0"/>
+              <a:buChar char="•"/>
+              <a:defRPr>
+                <a:solidFill>
+                  <a:schemeClr val="tx1"/>
+                </a:solidFill>
+                <a:latin typeface="Calibri" panose="020F0502020204030204" pitchFamily="34" charset="0"/>
+              </a:defRPr>
+            </a:lvl9pPr>
+          </a:lstStyle>
+          <a:p>
+            <a:pPr eaLnBrk="1" hangingPunct="1">
+              <a:lnSpc>
+                <a:spcPct val="100000"/>
+              </a:lnSpc>
+              <a:spcBef>
+                <a:spcPct val="0"/>
+              </a:spcBef>
+              <a:buFontTx/>
+              <a:buNone/>
+            </a:pPr>
+            <a:r>
+              <a:rPr lang="en-US" altLang="en-US" sz="1800"/>
               <a:t>Mesh</a:t>
             </a:r>
           </a:p>
           <a:p>
-            <a:r>
-              <a:rPr lang="en-US" dirty="0"/>
+            <a:pPr eaLnBrk="1" hangingPunct="1">
+              <a:lnSpc>
+                <a:spcPct val="100000"/>
+              </a:lnSpc>
+              <a:spcBef>
+                <a:spcPct val="0"/>
+              </a:spcBef>
+              <a:buFontTx/>
+              <a:buNone/>
+            </a:pPr>
+            <a:r>
+              <a:rPr lang="en-US" altLang="en-US" sz="1800"/>
               <a:t>RF Unit</a:t>
             </a:r>
           </a:p>
@@ -4881,14 +7924,14 @@
             </a:extLst>
           </p:cNvPr>
           <p:cNvCxnSpPr>
-            <a:endCxn id="4" idx="1"/>
+            <a:endCxn id="9219" idx="1"/>
           </p:cNvCxnSpPr>
           <p:nvPr/>
         </p:nvCxnSpPr>
         <p:spPr>
           <a:xfrm>
-            <a:off x="838200" y="2530027"/>
-            <a:ext cx="654011" cy="59505"/>
+            <a:off x="838200" y="2530475"/>
+            <a:ext cx="654050" cy="58738"/>
           </a:xfrm>
           <a:prstGeom prst="straightConnector1">
             <a:avLst/>
@@ -4922,15 +7965,15 @@
             </a:extLst>
           </p:cNvPr>
           <p:cNvCxnSpPr>
-            <a:stCxn id="4" idx="3"/>
-            <a:endCxn id="5" idx="1"/>
+            <a:stCxn id="9219" idx="3"/>
+            <a:endCxn id="9220" idx="1"/>
           </p:cNvCxnSpPr>
           <p:nvPr/>
         </p:nvCxnSpPr>
         <p:spPr>
           <a:xfrm>
-            <a:off x="2804908" y="2589532"/>
-            <a:ext cx="577811" cy="12965"/>
+            <a:off x="2805113" y="2589213"/>
+            <a:ext cx="577850" cy="12700"/>
           </a:xfrm>
           <a:prstGeom prst="straightConnector1">
             <a:avLst/>
@@ -4964,15 +8007,15 @@
             </a:extLst>
           </p:cNvPr>
           <p:cNvCxnSpPr>
-            <a:stCxn id="5" idx="3"/>
-            <a:endCxn id="6" idx="1"/>
+            <a:stCxn id="9220" idx="3"/>
+            <a:endCxn id="9221" idx="1"/>
           </p:cNvCxnSpPr>
           <p:nvPr/>
         </p:nvCxnSpPr>
         <p:spPr>
           <a:xfrm>
-            <a:off x="4646398" y="2602497"/>
-            <a:ext cx="716586" cy="250696"/>
+            <a:off x="4646613" y="2601913"/>
+            <a:ext cx="715962" cy="250825"/>
           </a:xfrm>
           <a:prstGeom prst="straightConnector1">
             <a:avLst/>
@@ -5006,15 +8049,15 @@
             </a:extLst>
           </p:cNvPr>
           <p:cNvCxnSpPr>
-            <a:stCxn id="4" idx="2"/>
-            <a:endCxn id="11" idx="1"/>
+            <a:stCxn id="9219" idx="2"/>
+            <a:endCxn id="9225" idx="1"/>
           </p:cNvCxnSpPr>
           <p:nvPr/>
         </p:nvCxnSpPr>
         <p:spPr>
           <a:xfrm rot="16200000" flipH="1">
-            <a:off x="2644799" y="2416457"/>
-            <a:ext cx="1829258" cy="2821737"/>
+            <a:off x="2644776" y="2416175"/>
+            <a:ext cx="1828800" cy="2822575"/>
           </a:xfrm>
           <a:prstGeom prst="bentConnector2">
             <a:avLst/>
@@ -5048,14 +8091,14 @@
             </a:extLst>
           </p:cNvPr>
           <p:cNvCxnSpPr>
-            <a:endCxn id="10" idx="0"/>
+            <a:endCxn id="9224" idx="0"/>
           </p:cNvCxnSpPr>
           <p:nvPr/>
         </p:nvCxnSpPr>
         <p:spPr>
           <a:xfrm>
-            <a:off x="4224191" y="2807026"/>
-            <a:ext cx="78538" cy="558864"/>
+            <a:off x="4224338" y="2806700"/>
+            <a:ext cx="77787" cy="558800"/>
           </a:xfrm>
           <a:prstGeom prst="straightConnector1">
             <a:avLst/>
@@ -5093,8 +8136,8 @@
         </p:nvCxnSpPr>
         <p:spPr>
           <a:xfrm>
-            <a:off x="4450055" y="3680039"/>
-            <a:ext cx="515367" cy="600251"/>
+            <a:off x="4449763" y="3679825"/>
+            <a:ext cx="515937" cy="600075"/>
           </a:xfrm>
           <a:prstGeom prst="straightConnector1">
             <a:avLst/>
@@ -5128,15 +8171,15 @@
             </a:extLst>
           </p:cNvPr>
           <p:cNvCxnSpPr>
-            <a:stCxn id="10" idx="3"/>
-            <a:endCxn id="12" idx="1"/>
+            <a:stCxn id="9224" idx="3"/>
+            <a:endCxn id="9226" idx="1"/>
           </p:cNvCxnSpPr>
           <p:nvPr/>
         </p:nvCxnSpPr>
         <p:spPr>
           <a:xfrm>
-            <a:off x="5166640" y="3550556"/>
-            <a:ext cx="1148463" cy="184666"/>
+            <a:off x="5167313" y="3551238"/>
+            <a:ext cx="1147762" cy="184150"/>
           </a:xfrm>
           <a:prstGeom prst="straightConnector1">
             <a:avLst/>
@@ -5161,11 +8204,6 @@
         </p:style>
       </p:cxnSp>
     </p:spTree>
-    <p:extLst>
-      <p:ext uri="{BB962C8B-B14F-4D97-AF65-F5344CB8AC3E}">
-        <p14:creationId xmlns:p14="http://schemas.microsoft.com/office/powerpoint/2010/main" val="2847195005"/>
-      </p:ext>
-    </p:extLst>
   </p:cSld>
   <p:clrMapOvr>
     <a:masterClrMapping/>
@@ -5192,15 +8230,15 @@
       </p:grpSpPr>
       <p:sp>
         <p:nvSpPr>
-          <p:cNvPr id="2" name="Title 1">
-            <a:extLst>
-              <a:ext uri="{FF2B5EF4-FFF2-40B4-BE49-F238E27FC236}">
-                <a16:creationId xmlns:a16="http://schemas.microsoft.com/office/drawing/2014/main" id="{A0202266-7782-4312-9FE4-301D52DBF58D}"/>
+          <p:cNvPr id="10242" name="Title 1">
+            <a:extLst>
+              <a:ext uri="{FF2B5EF4-FFF2-40B4-BE49-F238E27FC236}">
+                <a16:creationId xmlns:a16="http://schemas.microsoft.com/office/drawing/2014/main" id="{7596F120-89B5-42E2-949C-2F942A19ACE8}"/>
               </a:ext>
             </a:extLst>
           </p:cNvPr>
           <p:cNvSpPr>
-            <a:spLocks noGrp="1"/>
+            <a:spLocks noGrp="1" noChangeArrowheads="1"/>
           </p:cNvSpPr>
           <p:nvPr>
             <p:ph type="title"/>
@@ -5211,15 +8249,16 @@
           <a:bodyPr/>
           <a:lstStyle/>
           <a:p>
-            <a:r>
-              <a:rPr lang="en-US" dirty="0"/>
+            <a:pPr eaLnBrk="1" hangingPunct="1"/>
+            <a:r>
+              <a:rPr lang="en-US" altLang="en-US"/>
               <a:t>Mesh Unit will allow Units to communicate</a:t>
             </a:r>
             <a:br>
-              <a:rPr lang="en-US" dirty="0"/>
+              <a:rPr lang="en-US" altLang="en-US"/>
             </a:br>
             <a:r>
-              <a:rPr lang="en-US" dirty="0"/>
+              <a:rPr lang="en-US" altLang="en-US"/>
               <a:t>Across Fields</a:t>
             </a:r>
           </a:p>
@@ -5227,57 +8266,22 @@
       </p:sp>
       <p:sp>
         <p:nvSpPr>
-          <p:cNvPr id="4" name="TextBox 3">
-            <a:extLst>
-              <a:ext uri="{FF2B5EF4-FFF2-40B4-BE49-F238E27FC236}">
-                <a16:creationId xmlns:a16="http://schemas.microsoft.com/office/drawing/2014/main" id="{4064A4F9-048D-46D8-BA66-88DA60BA6019}"/>
-              </a:ext>
-            </a:extLst>
-          </p:cNvPr>
-          <p:cNvSpPr txBox="1"/>
+          <p:cNvPr id="10243" name="TextBox 3">
+            <a:extLst>
+              <a:ext uri="{FF2B5EF4-FFF2-40B4-BE49-F238E27FC236}">
+                <a16:creationId xmlns:a16="http://schemas.microsoft.com/office/drawing/2014/main" id="{BF0B5C91-5C8B-471F-8780-9252251720B7}"/>
+              </a:ext>
+            </a:extLst>
+          </p:cNvPr>
+          <p:cNvSpPr txBox="1">
+            <a:spLocks noChangeArrowheads="1"/>
+          </p:cNvSpPr>
           <p:nvPr/>
         </p:nvSpPr>
-        <p:spPr>
+        <p:spPr bwMode="auto">
           <a:xfrm>
-            <a:off x="838200" y="3152717"/>
-            <a:ext cx="1661609" cy="369332"/>
-          </a:xfrm>
-          <a:prstGeom prst="rect">
-            <a:avLst/>
-          </a:prstGeom>
-          <a:solidFill>
-            <a:schemeClr val="bg2"/>
-          </a:solidFill>
-        </p:spPr>
-        <p:txBody>
-          <a:bodyPr wrap="none" rtlCol="0">
-            <a:spAutoFit/>
-          </a:bodyPr>
-          <a:lstStyle/>
-          <a:p>
-            <a:r>
-              <a:rPr lang="en-US" dirty="0"/>
-              <a:t>Main Controller</a:t>
-            </a:r>
-          </a:p>
-        </p:txBody>
-      </p:sp>
-      <p:sp>
-        <p:nvSpPr>
-          <p:cNvPr id="5" name="TextBox 4">
-            <a:extLst>
-              <a:ext uri="{FF2B5EF4-FFF2-40B4-BE49-F238E27FC236}">
-                <a16:creationId xmlns:a16="http://schemas.microsoft.com/office/drawing/2014/main" id="{B6F2C077-6C4A-4246-A65C-C519C1E57B02}"/>
-              </a:ext>
-            </a:extLst>
-          </p:cNvPr>
-          <p:cNvSpPr txBox="1"/>
-          <p:nvPr/>
-        </p:nvSpPr>
-        <p:spPr>
-          <a:xfrm>
-            <a:off x="359028" y="4201752"/>
-            <a:ext cx="1598798" cy="646331"/>
+            <a:off x="838200" y="3152775"/>
+            <a:ext cx="1662113" cy="369888"/>
           </a:xfrm>
           <a:prstGeom prst="rect">
             <a:avLst/>
@@ -5286,46 +8290,219 @@
             <a:schemeClr val="bg2"/>
           </a:solidFill>
           <a:ln>
-            <a:solidFill>
-              <a:schemeClr val="accent1"/>
-            </a:solidFill>
+            <a:noFill/>
           </a:ln>
+          <a:extLst>
+            <a:ext uri="{91240B29-F687-4F45-9708-019B960494DF}">
+              <a14:hiddenLine xmlns:a14="http://schemas.microsoft.com/office/drawing/2010/main" w="9525">
+                <a:solidFill>
+                  <a:srgbClr val="000000"/>
+                </a:solidFill>
+                <a:miter lim="800000"/>
+                <a:headEnd/>
+                <a:tailEnd/>
+              </a14:hiddenLine>
+            </a:ext>
+          </a:extLst>
         </p:spPr>
         <p:txBody>
-          <a:bodyPr wrap="square" rtlCol="0">
+          <a:bodyPr wrap="none">
             <a:spAutoFit/>
           </a:bodyPr>
-          <a:lstStyle/>
-          <a:p>
-            <a:r>
-              <a:rPr lang="en-US" dirty="0"/>
-              <a:t>Internet</a:t>
-            </a:r>
-          </a:p>
-          <a:p>
-            <a:r>
-              <a:rPr lang="en-US" dirty="0"/>
-              <a:t>Access</a:t>
+          <a:lstStyle>
+            <a:lvl1pPr>
+              <a:lnSpc>
+                <a:spcPct val="90000"/>
+              </a:lnSpc>
+              <a:spcBef>
+                <a:spcPts val="1000"/>
+              </a:spcBef>
+              <a:buFont typeface="Arial" panose="020B0604020202020204" pitchFamily="34" charset="0"/>
+              <a:buChar char="•"/>
+              <a:defRPr sz="2800">
+                <a:solidFill>
+                  <a:schemeClr val="tx1"/>
+                </a:solidFill>
+                <a:latin typeface="Calibri" panose="020F0502020204030204" pitchFamily="34" charset="0"/>
+              </a:defRPr>
+            </a:lvl1pPr>
+            <a:lvl2pPr marL="742950" indent="-285750">
+              <a:lnSpc>
+                <a:spcPct val="90000"/>
+              </a:lnSpc>
+              <a:spcBef>
+                <a:spcPts val="500"/>
+              </a:spcBef>
+              <a:buFont typeface="Arial" panose="020B0604020202020204" pitchFamily="34" charset="0"/>
+              <a:buChar char="•"/>
+              <a:defRPr sz="2400">
+                <a:solidFill>
+                  <a:schemeClr val="tx1"/>
+                </a:solidFill>
+                <a:latin typeface="Calibri" panose="020F0502020204030204" pitchFamily="34" charset="0"/>
+              </a:defRPr>
+            </a:lvl2pPr>
+            <a:lvl3pPr marL="1143000" indent="-228600">
+              <a:lnSpc>
+                <a:spcPct val="90000"/>
+              </a:lnSpc>
+              <a:spcBef>
+                <a:spcPts val="500"/>
+              </a:spcBef>
+              <a:buFont typeface="Arial" panose="020B0604020202020204" pitchFamily="34" charset="0"/>
+              <a:buChar char="•"/>
+              <a:defRPr sz="2000">
+                <a:solidFill>
+                  <a:schemeClr val="tx1"/>
+                </a:solidFill>
+                <a:latin typeface="Calibri" panose="020F0502020204030204" pitchFamily="34" charset="0"/>
+              </a:defRPr>
+            </a:lvl3pPr>
+            <a:lvl4pPr marL="1600200" indent="-228600">
+              <a:lnSpc>
+                <a:spcPct val="90000"/>
+              </a:lnSpc>
+              <a:spcBef>
+                <a:spcPts val="500"/>
+              </a:spcBef>
+              <a:buFont typeface="Arial" panose="020B0604020202020204" pitchFamily="34" charset="0"/>
+              <a:buChar char="•"/>
+              <a:defRPr>
+                <a:solidFill>
+                  <a:schemeClr val="tx1"/>
+                </a:solidFill>
+                <a:latin typeface="Calibri" panose="020F0502020204030204" pitchFamily="34" charset="0"/>
+              </a:defRPr>
+            </a:lvl4pPr>
+            <a:lvl5pPr marL="2057400" indent="-228600">
+              <a:lnSpc>
+                <a:spcPct val="90000"/>
+              </a:lnSpc>
+              <a:spcBef>
+                <a:spcPts val="500"/>
+              </a:spcBef>
+              <a:buFont typeface="Arial" panose="020B0604020202020204" pitchFamily="34" charset="0"/>
+              <a:buChar char="•"/>
+              <a:defRPr>
+                <a:solidFill>
+                  <a:schemeClr val="tx1"/>
+                </a:solidFill>
+                <a:latin typeface="Calibri" panose="020F0502020204030204" pitchFamily="34" charset="0"/>
+              </a:defRPr>
+            </a:lvl5pPr>
+            <a:lvl6pPr marL="2514600" indent="-228600" eaLnBrk="0" fontAlgn="base" hangingPunct="0">
+              <a:lnSpc>
+                <a:spcPct val="90000"/>
+              </a:lnSpc>
+              <a:spcBef>
+                <a:spcPts val="500"/>
+              </a:spcBef>
+              <a:spcAft>
+                <a:spcPct val="0"/>
+              </a:spcAft>
+              <a:buFont typeface="Arial" panose="020B0604020202020204" pitchFamily="34" charset="0"/>
+              <a:buChar char="•"/>
+              <a:defRPr>
+                <a:solidFill>
+                  <a:schemeClr val="tx1"/>
+                </a:solidFill>
+                <a:latin typeface="Calibri" panose="020F0502020204030204" pitchFamily="34" charset="0"/>
+              </a:defRPr>
+            </a:lvl6pPr>
+            <a:lvl7pPr marL="2971800" indent="-228600" eaLnBrk="0" fontAlgn="base" hangingPunct="0">
+              <a:lnSpc>
+                <a:spcPct val="90000"/>
+              </a:lnSpc>
+              <a:spcBef>
+                <a:spcPts val="500"/>
+              </a:spcBef>
+              <a:spcAft>
+                <a:spcPct val="0"/>
+              </a:spcAft>
+              <a:buFont typeface="Arial" panose="020B0604020202020204" pitchFamily="34" charset="0"/>
+              <a:buChar char="•"/>
+              <a:defRPr>
+                <a:solidFill>
+                  <a:schemeClr val="tx1"/>
+                </a:solidFill>
+                <a:latin typeface="Calibri" panose="020F0502020204030204" pitchFamily="34" charset="0"/>
+              </a:defRPr>
+            </a:lvl7pPr>
+            <a:lvl8pPr marL="3429000" indent="-228600" eaLnBrk="0" fontAlgn="base" hangingPunct="0">
+              <a:lnSpc>
+                <a:spcPct val="90000"/>
+              </a:lnSpc>
+              <a:spcBef>
+                <a:spcPts val="500"/>
+              </a:spcBef>
+              <a:spcAft>
+                <a:spcPct val="0"/>
+              </a:spcAft>
+              <a:buFont typeface="Arial" panose="020B0604020202020204" pitchFamily="34" charset="0"/>
+              <a:buChar char="•"/>
+              <a:defRPr>
+                <a:solidFill>
+                  <a:schemeClr val="tx1"/>
+                </a:solidFill>
+                <a:latin typeface="Calibri" panose="020F0502020204030204" pitchFamily="34" charset="0"/>
+              </a:defRPr>
+            </a:lvl8pPr>
+            <a:lvl9pPr marL="3886200" indent="-228600" eaLnBrk="0" fontAlgn="base" hangingPunct="0">
+              <a:lnSpc>
+                <a:spcPct val="90000"/>
+              </a:lnSpc>
+              <a:spcBef>
+                <a:spcPts val="500"/>
+              </a:spcBef>
+              <a:spcAft>
+                <a:spcPct val="0"/>
+              </a:spcAft>
+              <a:buFont typeface="Arial" panose="020B0604020202020204" pitchFamily="34" charset="0"/>
+              <a:buChar char="•"/>
+              <a:defRPr>
+                <a:solidFill>
+                  <a:schemeClr val="tx1"/>
+                </a:solidFill>
+                <a:latin typeface="Calibri" panose="020F0502020204030204" pitchFamily="34" charset="0"/>
+              </a:defRPr>
+            </a:lvl9pPr>
+          </a:lstStyle>
+          <a:p>
+            <a:pPr eaLnBrk="1" hangingPunct="1">
+              <a:lnSpc>
+                <a:spcPct val="100000"/>
+              </a:lnSpc>
+              <a:spcBef>
+                <a:spcPct val="0"/>
+              </a:spcBef>
+              <a:buFontTx/>
+              <a:buNone/>
+            </a:pPr>
+            <a:r>
+              <a:rPr lang="en-US" altLang="en-US" sz="1800"/>
+              <a:t>Main Controller</a:t>
             </a:r>
           </a:p>
         </p:txBody>
       </p:sp>
       <p:sp>
         <p:nvSpPr>
-          <p:cNvPr id="6" name="TextBox 5">
-            <a:extLst>
-              <a:ext uri="{FF2B5EF4-FFF2-40B4-BE49-F238E27FC236}">
-                <a16:creationId xmlns:a16="http://schemas.microsoft.com/office/drawing/2014/main" id="{02218DA5-28A6-4F42-900E-5F62FCFAD0FA}"/>
-              </a:ext>
-            </a:extLst>
-          </p:cNvPr>
-          <p:cNvSpPr txBox="1"/>
+          <p:cNvPr id="10244" name="TextBox 4">
+            <a:extLst>
+              <a:ext uri="{FF2B5EF4-FFF2-40B4-BE49-F238E27FC236}">
+                <a16:creationId xmlns:a16="http://schemas.microsoft.com/office/drawing/2014/main" id="{578943AC-7F7E-44C6-872D-67190E2CAE7B}"/>
+              </a:ext>
+            </a:extLst>
+          </p:cNvPr>
+          <p:cNvSpPr txBox="1">
+            <a:spLocks noChangeArrowheads="1"/>
+          </p:cNvSpPr>
           <p:nvPr/>
         </p:nvSpPr>
-        <p:spPr>
+        <p:spPr bwMode="auto">
           <a:xfrm>
-            <a:off x="4114800" y="2957513"/>
-            <a:ext cx="1250663" cy="369332"/>
+            <a:off x="358775" y="4202113"/>
+            <a:ext cx="1598613" cy="646112"/>
           </a:xfrm>
           <a:prstGeom prst="rect">
             <a:avLst/>
@@ -5333,73 +8510,229 @@
           <a:solidFill>
             <a:schemeClr val="bg2"/>
           </a:solidFill>
+          <a:ln w="9525">
+            <a:solidFill>
+              <a:schemeClr val="accent1"/>
+            </a:solidFill>
+            <a:miter lim="800000"/>
+            <a:headEnd/>
+            <a:tailEnd/>
+          </a:ln>
         </p:spPr>
         <p:txBody>
-          <a:bodyPr wrap="none" rtlCol="0">
+          <a:bodyPr>
             <a:spAutoFit/>
           </a:bodyPr>
-          <a:lstStyle/>
-          <a:p>
-            <a:r>
-              <a:rPr lang="en-US" dirty="0"/>
-              <a:t>Mesh Units</a:t>
+          <a:lstStyle>
+            <a:lvl1pPr>
+              <a:lnSpc>
+                <a:spcPct val="90000"/>
+              </a:lnSpc>
+              <a:spcBef>
+                <a:spcPts val="1000"/>
+              </a:spcBef>
+              <a:buFont typeface="Arial" panose="020B0604020202020204" pitchFamily="34" charset="0"/>
+              <a:buChar char="•"/>
+              <a:defRPr sz="2800">
+                <a:solidFill>
+                  <a:schemeClr val="tx1"/>
+                </a:solidFill>
+                <a:latin typeface="Calibri" panose="020F0502020204030204" pitchFamily="34" charset="0"/>
+              </a:defRPr>
+            </a:lvl1pPr>
+            <a:lvl2pPr marL="742950" indent="-285750">
+              <a:lnSpc>
+                <a:spcPct val="90000"/>
+              </a:lnSpc>
+              <a:spcBef>
+                <a:spcPts val="500"/>
+              </a:spcBef>
+              <a:buFont typeface="Arial" panose="020B0604020202020204" pitchFamily="34" charset="0"/>
+              <a:buChar char="•"/>
+              <a:defRPr sz="2400">
+                <a:solidFill>
+                  <a:schemeClr val="tx1"/>
+                </a:solidFill>
+                <a:latin typeface="Calibri" panose="020F0502020204030204" pitchFamily="34" charset="0"/>
+              </a:defRPr>
+            </a:lvl2pPr>
+            <a:lvl3pPr marL="1143000" indent="-228600">
+              <a:lnSpc>
+                <a:spcPct val="90000"/>
+              </a:lnSpc>
+              <a:spcBef>
+                <a:spcPts val="500"/>
+              </a:spcBef>
+              <a:buFont typeface="Arial" panose="020B0604020202020204" pitchFamily="34" charset="0"/>
+              <a:buChar char="•"/>
+              <a:defRPr sz="2000">
+                <a:solidFill>
+                  <a:schemeClr val="tx1"/>
+                </a:solidFill>
+                <a:latin typeface="Calibri" panose="020F0502020204030204" pitchFamily="34" charset="0"/>
+              </a:defRPr>
+            </a:lvl3pPr>
+            <a:lvl4pPr marL="1600200" indent="-228600">
+              <a:lnSpc>
+                <a:spcPct val="90000"/>
+              </a:lnSpc>
+              <a:spcBef>
+                <a:spcPts val="500"/>
+              </a:spcBef>
+              <a:buFont typeface="Arial" panose="020B0604020202020204" pitchFamily="34" charset="0"/>
+              <a:buChar char="•"/>
+              <a:defRPr>
+                <a:solidFill>
+                  <a:schemeClr val="tx1"/>
+                </a:solidFill>
+                <a:latin typeface="Calibri" panose="020F0502020204030204" pitchFamily="34" charset="0"/>
+              </a:defRPr>
+            </a:lvl4pPr>
+            <a:lvl5pPr marL="2057400" indent="-228600">
+              <a:lnSpc>
+                <a:spcPct val="90000"/>
+              </a:lnSpc>
+              <a:spcBef>
+                <a:spcPts val="500"/>
+              </a:spcBef>
+              <a:buFont typeface="Arial" panose="020B0604020202020204" pitchFamily="34" charset="0"/>
+              <a:buChar char="•"/>
+              <a:defRPr>
+                <a:solidFill>
+                  <a:schemeClr val="tx1"/>
+                </a:solidFill>
+                <a:latin typeface="Calibri" panose="020F0502020204030204" pitchFamily="34" charset="0"/>
+              </a:defRPr>
+            </a:lvl5pPr>
+            <a:lvl6pPr marL="2514600" indent="-228600" eaLnBrk="0" fontAlgn="base" hangingPunct="0">
+              <a:lnSpc>
+                <a:spcPct val="90000"/>
+              </a:lnSpc>
+              <a:spcBef>
+                <a:spcPts val="500"/>
+              </a:spcBef>
+              <a:spcAft>
+                <a:spcPct val="0"/>
+              </a:spcAft>
+              <a:buFont typeface="Arial" panose="020B0604020202020204" pitchFamily="34" charset="0"/>
+              <a:buChar char="•"/>
+              <a:defRPr>
+                <a:solidFill>
+                  <a:schemeClr val="tx1"/>
+                </a:solidFill>
+                <a:latin typeface="Calibri" panose="020F0502020204030204" pitchFamily="34" charset="0"/>
+              </a:defRPr>
+            </a:lvl6pPr>
+            <a:lvl7pPr marL="2971800" indent="-228600" eaLnBrk="0" fontAlgn="base" hangingPunct="0">
+              <a:lnSpc>
+                <a:spcPct val="90000"/>
+              </a:lnSpc>
+              <a:spcBef>
+                <a:spcPts val="500"/>
+              </a:spcBef>
+              <a:spcAft>
+                <a:spcPct val="0"/>
+              </a:spcAft>
+              <a:buFont typeface="Arial" panose="020B0604020202020204" pitchFamily="34" charset="0"/>
+              <a:buChar char="•"/>
+              <a:defRPr>
+                <a:solidFill>
+                  <a:schemeClr val="tx1"/>
+                </a:solidFill>
+                <a:latin typeface="Calibri" panose="020F0502020204030204" pitchFamily="34" charset="0"/>
+              </a:defRPr>
+            </a:lvl7pPr>
+            <a:lvl8pPr marL="3429000" indent="-228600" eaLnBrk="0" fontAlgn="base" hangingPunct="0">
+              <a:lnSpc>
+                <a:spcPct val="90000"/>
+              </a:lnSpc>
+              <a:spcBef>
+                <a:spcPts val="500"/>
+              </a:spcBef>
+              <a:spcAft>
+                <a:spcPct val="0"/>
+              </a:spcAft>
+              <a:buFont typeface="Arial" panose="020B0604020202020204" pitchFamily="34" charset="0"/>
+              <a:buChar char="•"/>
+              <a:defRPr>
+                <a:solidFill>
+                  <a:schemeClr val="tx1"/>
+                </a:solidFill>
+                <a:latin typeface="Calibri" panose="020F0502020204030204" pitchFamily="34" charset="0"/>
+              </a:defRPr>
+            </a:lvl8pPr>
+            <a:lvl9pPr marL="3886200" indent="-228600" eaLnBrk="0" fontAlgn="base" hangingPunct="0">
+              <a:lnSpc>
+                <a:spcPct val="90000"/>
+              </a:lnSpc>
+              <a:spcBef>
+                <a:spcPts val="500"/>
+              </a:spcBef>
+              <a:spcAft>
+                <a:spcPct val="0"/>
+              </a:spcAft>
+              <a:buFont typeface="Arial" panose="020B0604020202020204" pitchFamily="34" charset="0"/>
+              <a:buChar char="•"/>
+              <a:defRPr>
+                <a:solidFill>
+                  <a:schemeClr val="tx1"/>
+                </a:solidFill>
+                <a:latin typeface="Calibri" panose="020F0502020204030204" pitchFamily="34" charset="0"/>
+              </a:defRPr>
+            </a:lvl9pPr>
+          </a:lstStyle>
+          <a:p>
+            <a:pPr eaLnBrk="1" hangingPunct="1">
+              <a:lnSpc>
+                <a:spcPct val="100000"/>
+              </a:lnSpc>
+              <a:spcBef>
+                <a:spcPct val="0"/>
+              </a:spcBef>
+              <a:buFontTx/>
+              <a:buNone/>
+            </a:pPr>
+            <a:r>
+              <a:rPr lang="en-US" altLang="en-US" sz="1800"/>
+              <a:t>Internet</a:t>
+            </a:r>
+          </a:p>
+          <a:p>
+            <a:pPr eaLnBrk="1" hangingPunct="1">
+              <a:lnSpc>
+                <a:spcPct val="100000"/>
+              </a:lnSpc>
+              <a:spcBef>
+                <a:spcPct val="0"/>
+              </a:spcBef>
+              <a:buFontTx/>
+              <a:buNone/>
+            </a:pPr>
+            <a:r>
+              <a:rPr lang="en-US" altLang="en-US" sz="1800"/>
+              <a:t>Access</a:t>
             </a:r>
           </a:p>
         </p:txBody>
       </p:sp>
       <p:sp>
         <p:nvSpPr>
-          <p:cNvPr id="7" name="TextBox 6">
-            <a:extLst>
-              <a:ext uri="{FF2B5EF4-FFF2-40B4-BE49-F238E27FC236}">
-                <a16:creationId xmlns:a16="http://schemas.microsoft.com/office/drawing/2014/main" id="{471A2CFC-2704-4D1A-B395-A6886C0F73DE}"/>
-              </a:ext>
-            </a:extLst>
-          </p:cNvPr>
-          <p:cNvSpPr txBox="1"/>
+          <p:cNvPr id="10245" name="TextBox 5">
+            <a:extLst>
+              <a:ext uri="{FF2B5EF4-FFF2-40B4-BE49-F238E27FC236}">
+                <a16:creationId xmlns:a16="http://schemas.microsoft.com/office/drawing/2014/main" id="{EB680C2E-B743-4391-9348-B4291B1D8964}"/>
+              </a:ext>
+            </a:extLst>
+          </p:cNvPr>
+          <p:cNvSpPr txBox="1">
+            <a:spLocks noChangeArrowheads="1"/>
+          </p:cNvSpPr>
           <p:nvPr/>
         </p:nvSpPr>
-        <p:spPr>
+        <p:spPr bwMode="auto">
           <a:xfrm>
-            <a:off x="6722269" y="2957513"/>
-            <a:ext cx="1250663" cy="369332"/>
-          </a:xfrm>
-          <a:prstGeom prst="rect">
-            <a:avLst/>
-          </a:prstGeom>
-          <a:solidFill>
-            <a:schemeClr val="bg2"/>
-          </a:solidFill>
-        </p:spPr>
-        <p:txBody>
-          <a:bodyPr wrap="none" rtlCol="0">
-            <a:spAutoFit/>
-          </a:bodyPr>
-          <a:lstStyle/>
-          <a:p>
-            <a:r>
-              <a:rPr lang="en-US" dirty="0"/>
-              <a:t>Mesh Units</a:t>
-            </a:r>
-          </a:p>
-        </p:txBody>
-      </p:sp>
-      <p:sp>
-        <p:nvSpPr>
-          <p:cNvPr id="8" name="TextBox 7">
-            <a:extLst>
-              <a:ext uri="{FF2B5EF4-FFF2-40B4-BE49-F238E27FC236}">
-                <a16:creationId xmlns:a16="http://schemas.microsoft.com/office/drawing/2014/main" id="{FC1888D6-AC4B-40F6-A204-F7DE40E9C7EA}"/>
-              </a:ext>
-            </a:extLst>
-          </p:cNvPr>
-          <p:cNvSpPr txBox="1"/>
-          <p:nvPr/>
-        </p:nvSpPr>
-        <p:spPr>
-          <a:xfrm>
-            <a:off x="9122569" y="2957513"/>
-            <a:ext cx="1250663" cy="369332"/>
+            <a:off x="4114800" y="2957513"/>
+            <a:ext cx="1250950" cy="369887"/>
           </a:xfrm>
           <a:prstGeom prst="rect">
             <a:avLst/>
@@ -5408,19 +8741,631 @@
             <a:schemeClr val="bg2"/>
           </a:solidFill>
           <a:ln>
+            <a:noFill/>
+          </a:ln>
+          <a:extLst>
+            <a:ext uri="{91240B29-F687-4F45-9708-019B960494DF}">
+              <a14:hiddenLine xmlns:a14="http://schemas.microsoft.com/office/drawing/2010/main" w="9525">
+                <a:solidFill>
+                  <a:srgbClr val="000000"/>
+                </a:solidFill>
+                <a:miter lim="800000"/>
+                <a:headEnd/>
+                <a:tailEnd/>
+              </a14:hiddenLine>
+            </a:ext>
+          </a:extLst>
+        </p:spPr>
+        <p:txBody>
+          <a:bodyPr wrap="none">
+            <a:spAutoFit/>
+          </a:bodyPr>
+          <a:lstStyle>
+            <a:lvl1pPr>
+              <a:lnSpc>
+                <a:spcPct val="90000"/>
+              </a:lnSpc>
+              <a:spcBef>
+                <a:spcPts val="1000"/>
+              </a:spcBef>
+              <a:buFont typeface="Arial" panose="020B0604020202020204" pitchFamily="34" charset="0"/>
+              <a:buChar char="•"/>
+              <a:defRPr sz="2800">
+                <a:solidFill>
+                  <a:schemeClr val="tx1"/>
+                </a:solidFill>
+                <a:latin typeface="Calibri" panose="020F0502020204030204" pitchFamily="34" charset="0"/>
+              </a:defRPr>
+            </a:lvl1pPr>
+            <a:lvl2pPr marL="742950" indent="-285750">
+              <a:lnSpc>
+                <a:spcPct val="90000"/>
+              </a:lnSpc>
+              <a:spcBef>
+                <a:spcPts val="500"/>
+              </a:spcBef>
+              <a:buFont typeface="Arial" panose="020B0604020202020204" pitchFamily="34" charset="0"/>
+              <a:buChar char="•"/>
+              <a:defRPr sz="2400">
+                <a:solidFill>
+                  <a:schemeClr val="tx1"/>
+                </a:solidFill>
+                <a:latin typeface="Calibri" panose="020F0502020204030204" pitchFamily="34" charset="0"/>
+              </a:defRPr>
+            </a:lvl2pPr>
+            <a:lvl3pPr marL="1143000" indent="-228600">
+              <a:lnSpc>
+                <a:spcPct val="90000"/>
+              </a:lnSpc>
+              <a:spcBef>
+                <a:spcPts val="500"/>
+              </a:spcBef>
+              <a:buFont typeface="Arial" panose="020B0604020202020204" pitchFamily="34" charset="0"/>
+              <a:buChar char="•"/>
+              <a:defRPr sz="2000">
+                <a:solidFill>
+                  <a:schemeClr val="tx1"/>
+                </a:solidFill>
+                <a:latin typeface="Calibri" panose="020F0502020204030204" pitchFamily="34" charset="0"/>
+              </a:defRPr>
+            </a:lvl3pPr>
+            <a:lvl4pPr marL="1600200" indent="-228600">
+              <a:lnSpc>
+                <a:spcPct val="90000"/>
+              </a:lnSpc>
+              <a:spcBef>
+                <a:spcPts val="500"/>
+              </a:spcBef>
+              <a:buFont typeface="Arial" panose="020B0604020202020204" pitchFamily="34" charset="0"/>
+              <a:buChar char="•"/>
+              <a:defRPr>
+                <a:solidFill>
+                  <a:schemeClr val="tx1"/>
+                </a:solidFill>
+                <a:latin typeface="Calibri" panose="020F0502020204030204" pitchFamily="34" charset="0"/>
+              </a:defRPr>
+            </a:lvl4pPr>
+            <a:lvl5pPr marL="2057400" indent="-228600">
+              <a:lnSpc>
+                <a:spcPct val="90000"/>
+              </a:lnSpc>
+              <a:spcBef>
+                <a:spcPts val="500"/>
+              </a:spcBef>
+              <a:buFont typeface="Arial" panose="020B0604020202020204" pitchFamily="34" charset="0"/>
+              <a:buChar char="•"/>
+              <a:defRPr>
+                <a:solidFill>
+                  <a:schemeClr val="tx1"/>
+                </a:solidFill>
+                <a:latin typeface="Calibri" panose="020F0502020204030204" pitchFamily="34" charset="0"/>
+              </a:defRPr>
+            </a:lvl5pPr>
+            <a:lvl6pPr marL="2514600" indent="-228600" eaLnBrk="0" fontAlgn="base" hangingPunct="0">
+              <a:lnSpc>
+                <a:spcPct val="90000"/>
+              </a:lnSpc>
+              <a:spcBef>
+                <a:spcPts val="500"/>
+              </a:spcBef>
+              <a:spcAft>
+                <a:spcPct val="0"/>
+              </a:spcAft>
+              <a:buFont typeface="Arial" panose="020B0604020202020204" pitchFamily="34" charset="0"/>
+              <a:buChar char="•"/>
+              <a:defRPr>
+                <a:solidFill>
+                  <a:schemeClr val="tx1"/>
+                </a:solidFill>
+                <a:latin typeface="Calibri" panose="020F0502020204030204" pitchFamily="34" charset="0"/>
+              </a:defRPr>
+            </a:lvl6pPr>
+            <a:lvl7pPr marL="2971800" indent="-228600" eaLnBrk="0" fontAlgn="base" hangingPunct="0">
+              <a:lnSpc>
+                <a:spcPct val="90000"/>
+              </a:lnSpc>
+              <a:spcBef>
+                <a:spcPts val="500"/>
+              </a:spcBef>
+              <a:spcAft>
+                <a:spcPct val="0"/>
+              </a:spcAft>
+              <a:buFont typeface="Arial" panose="020B0604020202020204" pitchFamily="34" charset="0"/>
+              <a:buChar char="•"/>
+              <a:defRPr>
+                <a:solidFill>
+                  <a:schemeClr val="tx1"/>
+                </a:solidFill>
+                <a:latin typeface="Calibri" panose="020F0502020204030204" pitchFamily="34" charset="0"/>
+              </a:defRPr>
+            </a:lvl7pPr>
+            <a:lvl8pPr marL="3429000" indent="-228600" eaLnBrk="0" fontAlgn="base" hangingPunct="0">
+              <a:lnSpc>
+                <a:spcPct val="90000"/>
+              </a:lnSpc>
+              <a:spcBef>
+                <a:spcPts val="500"/>
+              </a:spcBef>
+              <a:spcAft>
+                <a:spcPct val="0"/>
+              </a:spcAft>
+              <a:buFont typeface="Arial" panose="020B0604020202020204" pitchFamily="34" charset="0"/>
+              <a:buChar char="•"/>
+              <a:defRPr>
+                <a:solidFill>
+                  <a:schemeClr val="tx1"/>
+                </a:solidFill>
+                <a:latin typeface="Calibri" panose="020F0502020204030204" pitchFamily="34" charset="0"/>
+              </a:defRPr>
+            </a:lvl8pPr>
+            <a:lvl9pPr marL="3886200" indent="-228600" eaLnBrk="0" fontAlgn="base" hangingPunct="0">
+              <a:lnSpc>
+                <a:spcPct val="90000"/>
+              </a:lnSpc>
+              <a:spcBef>
+                <a:spcPts val="500"/>
+              </a:spcBef>
+              <a:spcAft>
+                <a:spcPct val="0"/>
+              </a:spcAft>
+              <a:buFont typeface="Arial" panose="020B0604020202020204" pitchFamily="34" charset="0"/>
+              <a:buChar char="•"/>
+              <a:defRPr>
+                <a:solidFill>
+                  <a:schemeClr val="tx1"/>
+                </a:solidFill>
+                <a:latin typeface="Calibri" panose="020F0502020204030204" pitchFamily="34" charset="0"/>
+              </a:defRPr>
+            </a:lvl9pPr>
+          </a:lstStyle>
+          <a:p>
+            <a:pPr eaLnBrk="1" hangingPunct="1">
+              <a:lnSpc>
+                <a:spcPct val="100000"/>
+              </a:lnSpc>
+              <a:spcBef>
+                <a:spcPct val="0"/>
+              </a:spcBef>
+              <a:buFontTx/>
+              <a:buNone/>
+            </a:pPr>
+            <a:r>
+              <a:rPr lang="en-US" altLang="en-US" sz="1800"/>
+              <a:t>Mesh Units</a:t>
+            </a:r>
+          </a:p>
+        </p:txBody>
+      </p:sp>
+      <p:sp>
+        <p:nvSpPr>
+          <p:cNvPr id="10246" name="TextBox 6">
+            <a:extLst>
+              <a:ext uri="{FF2B5EF4-FFF2-40B4-BE49-F238E27FC236}">
+                <a16:creationId xmlns:a16="http://schemas.microsoft.com/office/drawing/2014/main" id="{2A83AA32-A4F4-4F90-B056-A98874994E5C}"/>
+              </a:ext>
+            </a:extLst>
+          </p:cNvPr>
+          <p:cNvSpPr txBox="1">
+            <a:spLocks noChangeArrowheads="1"/>
+          </p:cNvSpPr>
+          <p:nvPr/>
+        </p:nvSpPr>
+        <p:spPr bwMode="auto">
+          <a:xfrm>
+            <a:off x="6723063" y="2957513"/>
+            <a:ext cx="1249362" cy="369887"/>
+          </a:xfrm>
+          <a:prstGeom prst="rect">
+            <a:avLst/>
+          </a:prstGeom>
+          <a:solidFill>
+            <a:schemeClr val="bg2"/>
+          </a:solidFill>
+          <a:ln>
+            <a:noFill/>
+          </a:ln>
+          <a:extLst>
+            <a:ext uri="{91240B29-F687-4F45-9708-019B960494DF}">
+              <a14:hiddenLine xmlns:a14="http://schemas.microsoft.com/office/drawing/2010/main" w="9525">
+                <a:solidFill>
+                  <a:srgbClr val="000000"/>
+                </a:solidFill>
+                <a:miter lim="800000"/>
+                <a:headEnd/>
+                <a:tailEnd/>
+              </a14:hiddenLine>
+            </a:ext>
+          </a:extLst>
+        </p:spPr>
+        <p:txBody>
+          <a:bodyPr wrap="none">
+            <a:spAutoFit/>
+          </a:bodyPr>
+          <a:lstStyle>
+            <a:lvl1pPr>
+              <a:lnSpc>
+                <a:spcPct val="90000"/>
+              </a:lnSpc>
+              <a:spcBef>
+                <a:spcPts val="1000"/>
+              </a:spcBef>
+              <a:buFont typeface="Arial" panose="020B0604020202020204" pitchFamily="34" charset="0"/>
+              <a:buChar char="•"/>
+              <a:defRPr sz="2800">
+                <a:solidFill>
+                  <a:schemeClr val="tx1"/>
+                </a:solidFill>
+                <a:latin typeface="Calibri" panose="020F0502020204030204" pitchFamily="34" charset="0"/>
+              </a:defRPr>
+            </a:lvl1pPr>
+            <a:lvl2pPr marL="742950" indent="-285750">
+              <a:lnSpc>
+                <a:spcPct val="90000"/>
+              </a:lnSpc>
+              <a:spcBef>
+                <a:spcPts val="500"/>
+              </a:spcBef>
+              <a:buFont typeface="Arial" panose="020B0604020202020204" pitchFamily="34" charset="0"/>
+              <a:buChar char="•"/>
+              <a:defRPr sz="2400">
+                <a:solidFill>
+                  <a:schemeClr val="tx1"/>
+                </a:solidFill>
+                <a:latin typeface="Calibri" panose="020F0502020204030204" pitchFamily="34" charset="0"/>
+              </a:defRPr>
+            </a:lvl2pPr>
+            <a:lvl3pPr marL="1143000" indent="-228600">
+              <a:lnSpc>
+                <a:spcPct val="90000"/>
+              </a:lnSpc>
+              <a:spcBef>
+                <a:spcPts val="500"/>
+              </a:spcBef>
+              <a:buFont typeface="Arial" panose="020B0604020202020204" pitchFamily="34" charset="0"/>
+              <a:buChar char="•"/>
+              <a:defRPr sz="2000">
+                <a:solidFill>
+                  <a:schemeClr val="tx1"/>
+                </a:solidFill>
+                <a:latin typeface="Calibri" panose="020F0502020204030204" pitchFamily="34" charset="0"/>
+              </a:defRPr>
+            </a:lvl3pPr>
+            <a:lvl4pPr marL="1600200" indent="-228600">
+              <a:lnSpc>
+                <a:spcPct val="90000"/>
+              </a:lnSpc>
+              <a:spcBef>
+                <a:spcPts val="500"/>
+              </a:spcBef>
+              <a:buFont typeface="Arial" panose="020B0604020202020204" pitchFamily="34" charset="0"/>
+              <a:buChar char="•"/>
+              <a:defRPr>
+                <a:solidFill>
+                  <a:schemeClr val="tx1"/>
+                </a:solidFill>
+                <a:latin typeface="Calibri" panose="020F0502020204030204" pitchFamily="34" charset="0"/>
+              </a:defRPr>
+            </a:lvl4pPr>
+            <a:lvl5pPr marL="2057400" indent="-228600">
+              <a:lnSpc>
+                <a:spcPct val="90000"/>
+              </a:lnSpc>
+              <a:spcBef>
+                <a:spcPts val="500"/>
+              </a:spcBef>
+              <a:buFont typeface="Arial" panose="020B0604020202020204" pitchFamily="34" charset="0"/>
+              <a:buChar char="•"/>
+              <a:defRPr>
+                <a:solidFill>
+                  <a:schemeClr val="tx1"/>
+                </a:solidFill>
+                <a:latin typeface="Calibri" panose="020F0502020204030204" pitchFamily="34" charset="0"/>
+              </a:defRPr>
+            </a:lvl5pPr>
+            <a:lvl6pPr marL="2514600" indent="-228600" eaLnBrk="0" fontAlgn="base" hangingPunct="0">
+              <a:lnSpc>
+                <a:spcPct val="90000"/>
+              </a:lnSpc>
+              <a:spcBef>
+                <a:spcPts val="500"/>
+              </a:spcBef>
+              <a:spcAft>
+                <a:spcPct val="0"/>
+              </a:spcAft>
+              <a:buFont typeface="Arial" panose="020B0604020202020204" pitchFamily="34" charset="0"/>
+              <a:buChar char="•"/>
+              <a:defRPr>
+                <a:solidFill>
+                  <a:schemeClr val="tx1"/>
+                </a:solidFill>
+                <a:latin typeface="Calibri" panose="020F0502020204030204" pitchFamily="34" charset="0"/>
+              </a:defRPr>
+            </a:lvl6pPr>
+            <a:lvl7pPr marL="2971800" indent="-228600" eaLnBrk="0" fontAlgn="base" hangingPunct="0">
+              <a:lnSpc>
+                <a:spcPct val="90000"/>
+              </a:lnSpc>
+              <a:spcBef>
+                <a:spcPts val="500"/>
+              </a:spcBef>
+              <a:spcAft>
+                <a:spcPct val="0"/>
+              </a:spcAft>
+              <a:buFont typeface="Arial" panose="020B0604020202020204" pitchFamily="34" charset="0"/>
+              <a:buChar char="•"/>
+              <a:defRPr>
+                <a:solidFill>
+                  <a:schemeClr val="tx1"/>
+                </a:solidFill>
+                <a:latin typeface="Calibri" panose="020F0502020204030204" pitchFamily="34" charset="0"/>
+              </a:defRPr>
+            </a:lvl7pPr>
+            <a:lvl8pPr marL="3429000" indent="-228600" eaLnBrk="0" fontAlgn="base" hangingPunct="0">
+              <a:lnSpc>
+                <a:spcPct val="90000"/>
+              </a:lnSpc>
+              <a:spcBef>
+                <a:spcPts val="500"/>
+              </a:spcBef>
+              <a:spcAft>
+                <a:spcPct val="0"/>
+              </a:spcAft>
+              <a:buFont typeface="Arial" panose="020B0604020202020204" pitchFamily="34" charset="0"/>
+              <a:buChar char="•"/>
+              <a:defRPr>
+                <a:solidFill>
+                  <a:schemeClr val="tx1"/>
+                </a:solidFill>
+                <a:latin typeface="Calibri" panose="020F0502020204030204" pitchFamily="34" charset="0"/>
+              </a:defRPr>
+            </a:lvl8pPr>
+            <a:lvl9pPr marL="3886200" indent="-228600" eaLnBrk="0" fontAlgn="base" hangingPunct="0">
+              <a:lnSpc>
+                <a:spcPct val="90000"/>
+              </a:lnSpc>
+              <a:spcBef>
+                <a:spcPts val="500"/>
+              </a:spcBef>
+              <a:spcAft>
+                <a:spcPct val="0"/>
+              </a:spcAft>
+              <a:buFont typeface="Arial" panose="020B0604020202020204" pitchFamily="34" charset="0"/>
+              <a:buChar char="•"/>
+              <a:defRPr>
+                <a:solidFill>
+                  <a:schemeClr val="tx1"/>
+                </a:solidFill>
+                <a:latin typeface="Calibri" panose="020F0502020204030204" pitchFamily="34" charset="0"/>
+              </a:defRPr>
+            </a:lvl9pPr>
+          </a:lstStyle>
+          <a:p>
+            <a:pPr eaLnBrk="1" hangingPunct="1">
+              <a:lnSpc>
+                <a:spcPct val="100000"/>
+              </a:lnSpc>
+              <a:spcBef>
+                <a:spcPct val="0"/>
+              </a:spcBef>
+              <a:buFontTx/>
+              <a:buNone/>
+            </a:pPr>
+            <a:r>
+              <a:rPr lang="en-US" altLang="en-US" sz="1800"/>
+              <a:t>Mesh Units</a:t>
+            </a:r>
+          </a:p>
+        </p:txBody>
+      </p:sp>
+      <p:sp>
+        <p:nvSpPr>
+          <p:cNvPr id="10247" name="TextBox 7">
+            <a:extLst>
+              <a:ext uri="{FF2B5EF4-FFF2-40B4-BE49-F238E27FC236}">
+                <a16:creationId xmlns:a16="http://schemas.microsoft.com/office/drawing/2014/main" id="{7340A21B-D7F2-469B-B957-27BB61966F22}"/>
+              </a:ext>
+            </a:extLst>
+          </p:cNvPr>
+          <p:cNvSpPr txBox="1">
+            <a:spLocks noChangeArrowheads="1"/>
+          </p:cNvSpPr>
+          <p:nvPr/>
+        </p:nvSpPr>
+        <p:spPr bwMode="auto">
+          <a:xfrm>
+            <a:off x="9123363" y="2957513"/>
+            <a:ext cx="1249362" cy="369887"/>
+          </a:xfrm>
+          <a:prstGeom prst="rect">
+            <a:avLst/>
+          </a:prstGeom>
+          <a:solidFill>
+            <a:schemeClr val="bg2"/>
+          </a:solidFill>
+          <a:ln w="9525">
             <a:solidFill>
               <a:schemeClr val="bg2"/>
             </a:solidFill>
+            <a:miter lim="800000"/>
+            <a:headEnd/>
+            <a:tailEnd/>
           </a:ln>
         </p:spPr>
         <p:txBody>
-          <a:bodyPr wrap="none" rtlCol="0">
+          <a:bodyPr wrap="none">
             <a:spAutoFit/>
           </a:bodyPr>
-          <a:lstStyle/>
-          <a:p>
-            <a:r>
-              <a:rPr lang="en-US" dirty="0"/>
+          <a:lstStyle>
+            <a:lvl1pPr>
+              <a:lnSpc>
+                <a:spcPct val="90000"/>
+              </a:lnSpc>
+              <a:spcBef>
+                <a:spcPts val="1000"/>
+              </a:spcBef>
+              <a:buFont typeface="Arial" panose="020B0604020202020204" pitchFamily="34" charset="0"/>
+              <a:buChar char="•"/>
+              <a:defRPr sz="2800">
+                <a:solidFill>
+                  <a:schemeClr val="tx1"/>
+                </a:solidFill>
+                <a:latin typeface="Calibri" panose="020F0502020204030204" pitchFamily="34" charset="0"/>
+              </a:defRPr>
+            </a:lvl1pPr>
+            <a:lvl2pPr marL="742950" indent="-285750">
+              <a:lnSpc>
+                <a:spcPct val="90000"/>
+              </a:lnSpc>
+              <a:spcBef>
+                <a:spcPts val="500"/>
+              </a:spcBef>
+              <a:buFont typeface="Arial" panose="020B0604020202020204" pitchFamily="34" charset="0"/>
+              <a:buChar char="•"/>
+              <a:defRPr sz="2400">
+                <a:solidFill>
+                  <a:schemeClr val="tx1"/>
+                </a:solidFill>
+                <a:latin typeface="Calibri" panose="020F0502020204030204" pitchFamily="34" charset="0"/>
+              </a:defRPr>
+            </a:lvl2pPr>
+            <a:lvl3pPr marL="1143000" indent="-228600">
+              <a:lnSpc>
+                <a:spcPct val="90000"/>
+              </a:lnSpc>
+              <a:spcBef>
+                <a:spcPts val="500"/>
+              </a:spcBef>
+              <a:buFont typeface="Arial" panose="020B0604020202020204" pitchFamily="34" charset="0"/>
+              <a:buChar char="•"/>
+              <a:defRPr sz="2000">
+                <a:solidFill>
+                  <a:schemeClr val="tx1"/>
+                </a:solidFill>
+                <a:latin typeface="Calibri" panose="020F0502020204030204" pitchFamily="34" charset="0"/>
+              </a:defRPr>
+            </a:lvl3pPr>
+            <a:lvl4pPr marL="1600200" indent="-228600">
+              <a:lnSpc>
+                <a:spcPct val="90000"/>
+              </a:lnSpc>
+              <a:spcBef>
+                <a:spcPts val="500"/>
+              </a:spcBef>
+              <a:buFont typeface="Arial" panose="020B0604020202020204" pitchFamily="34" charset="0"/>
+              <a:buChar char="•"/>
+              <a:defRPr>
+                <a:solidFill>
+                  <a:schemeClr val="tx1"/>
+                </a:solidFill>
+                <a:latin typeface="Calibri" panose="020F0502020204030204" pitchFamily="34" charset="0"/>
+              </a:defRPr>
+            </a:lvl4pPr>
+            <a:lvl5pPr marL="2057400" indent="-228600">
+              <a:lnSpc>
+                <a:spcPct val="90000"/>
+              </a:lnSpc>
+              <a:spcBef>
+                <a:spcPts val="500"/>
+              </a:spcBef>
+              <a:buFont typeface="Arial" panose="020B0604020202020204" pitchFamily="34" charset="0"/>
+              <a:buChar char="•"/>
+              <a:defRPr>
+                <a:solidFill>
+                  <a:schemeClr val="tx1"/>
+                </a:solidFill>
+                <a:latin typeface="Calibri" panose="020F0502020204030204" pitchFamily="34" charset="0"/>
+              </a:defRPr>
+            </a:lvl5pPr>
+            <a:lvl6pPr marL="2514600" indent="-228600" eaLnBrk="0" fontAlgn="base" hangingPunct="0">
+              <a:lnSpc>
+                <a:spcPct val="90000"/>
+              </a:lnSpc>
+              <a:spcBef>
+                <a:spcPts val="500"/>
+              </a:spcBef>
+              <a:spcAft>
+                <a:spcPct val="0"/>
+              </a:spcAft>
+              <a:buFont typeface="Arial" panose="020B0604020202020204" pitchFamily="34" charset="0"/>
+              <a:buChar char="•"/>
+              <a:defRPr>
+                <a:solidFill>
+                  <a:schemeClr val="tx1"/>
+                </a:solidFill>
+                <a:latin typeface="Calibri" panose="020F0502020204030204" pitchFamily="34" charset="0"/>
+              </a:defRPr>
+            </a:lvl6pPr>
+            <a:lvl7pPr marL="2971800" indent="-228600" eaLnBrk="0" fontAlgn="base" hangingPunct="0">
+              <a:lnSpc>
+                <a:spcPct val="90000"/>
+              </a:lnSpc>
+              <a:spcBef>
+                <a:spcPts val="500"/>
+              </a:spcBef>
+              <a:spcAft>
+                <a:spcPct val="0"/>
+              </a:spcAft>
+              <a:buFont typeface="Arial" panose="020B0604020202020204" pitchFamily="34" charset="0"/>
+              <a:buChar char="•"/>
+              <a:defRPr>
+                <a:solidFill>
+                  <a:schemeClr val="tx1"/>
+                </a:solidFill>
+                <a:latin typeface="Calibri" panose="020F0502020204030204" pitchFamily="34" charset="0"/>
+              </a:defRPr>
+            </a:lvl7pPr>
+            <a:lvl8pPr marL="3429000" indent="-228600" eaLnBrk="0" fontAlgn="base" hangingPunct="0">
+              <a:lnSpc>
+                <a:spcPct val="90000"/>
+              </a:lnSpc>
+              <a:spcBef>
+                <a:spcPts val="500"/>
+              </a:spcBef>
+              <a:spcAft>
+                <a:spcPct val="0"/>
+              </a:spcAft>
+              <a:buFont typeface="Arial" panose="020B0604020202020204" pitchFamily="34" charset="0"/>
+              <a:buChar char="•"/>
+              <a:defRPr>
+                <a:solidFill>
+                  <a:schemeClr val="tx1"/>
+                </a:solidFill>
+                <a:latin typeface="Calibri" panose="020F0502020204030204" pitchFamily="34" charset="0"/>
+              </a:defRPr>
+            </a:lvl8pPr>
+            <a:lvl9pPr marL="3886200" indent="-228600" eaLnBrk="0" fontAlgn="base" hangingPunct="0">
+              <a:lnSpc>
+                <a:spcPct val="90000"/>
+              </a:lnSpc>
+              <a:spcBef>
+                <a:spcPts val="500"/>
+              </a:spcBef>
+              <a:spcAft>
+                <a:spcPct val="0"/>
+              </a:spcAft>
+              <a:buFont typeface="Arial" panose="020B0604020202020204" pitchFamily="34" charset="0"/>
+              <a:buChar char="•"/>
+              <a:defRPr>
+                <a:solidFill>
+                  <a:schemeClr val="tx1"/>
+                </a:solidFill>
+                <a:latin typeface="Calibri" panose="020F0502020204030204" pitchFamily="34" charset="0"/>
+              </a:defRPr>
+            </a:lvl9pPr>
+          </a:lstStyle>
+          <a:p>
+            <a:pPr eaLnBrk="1" hangingPunct="1">
+              <a:lnSpc>
+                <a:spcPct val="100000"/>
+              </a:lnSpc>
+              <a:spcBef>
+                <a:spcPct val="0"/>
+              </a:spcBef>
+              <a:buFontTx/>
+              <a:buNone/>
+            </a:pPr>
+            <a:r>
+              <a:rPr lang="en-US" altLang="en-US" sz="1800"/>
               <a:t>Mesh Units</a:t>
             </a:r>
           </a:p>
@@ -5436,14 +9381,14 @@
             </a:extLst>
           </p:cNvPr>
           <p:cNvCxnSpPr>
-            <a:endCxn id="5" idx="0"/>
+            <a:endCxn id="10244" idx="0"/>
           </p:cNvCxnSpPr>
           <p:nvPr/>
         </p:nvCxnSpPr>
         <p:spPr>
           <a:xfrm flipH="1">
-            <a:off x="1158427" y="3522049"/>
-            <a:ext cx="184598" cy="679703"/>
+            <a:off x="1158875" y="3522663"/>
+            <a:ext cx="184150" cy="679450"/>
           </a:xfrm>
           <a:prstGeom prst="straightConnector1">
             <a:avLst/>
@@ -5477,15 +9422,15 @@
             </a:extLst>
           </p:cNvPr>
           <p:cNvCxnSpPr>
-            <a:stCxn id="4" idx="3"/>
-            <a:endCxn id="6" idx="1"/>
+            <a:stCxn id="10243" idx="3"/>
+            <a:endCxn id="10245" idx="1"/>
           </p:cNvCxnSpPr>
           <p:nvPr/>
         </p:nvCxnSpPr>
         <p:spPr>
           <a:xfrm flipV="1">
-            <a:off x="2499809" y="3142179"/>
-            <a:ext cx="1614991" cy="195204"/>
+            <a:off x="2500313" y="3141663"/>
+            <a:ext cx="1614487" cy="195262"/>
           </a:xfrm>
           <a:prstGeom prst="straightConnector1">
             <a:avLst/>
@@ -5519,14 +9464,14 @@
             </a:extLst>
           </p:cNvPr>
           <p:cNvCxnSpPr>
-            <a:endCxn id="7" idx="1"/>
+            <a:endCxn id="10246" idx="1"/>
           </p:cNvCxnSpPr>
           <p:nvPr/>
         </p:nvCxnSpPr>
         <p:spPr>
           <a:xfrm flipV="1">
-            <a:off x="5572632" y="3142179"/>
-            <a:ext cx="1149637" cy="10538"/>
+            <a:off x="5572125" y="3141663"/>
+            <a:ext cx="1150938" cy="11112"/>
           </a:xfrm>
           <a:prstGeom prst="straightConnector1">
             <a:avLst/>
@@ -5560,15 +9505,15 @@
             </a:extLst>
           </p:cNvPr>
           <p:cNvCxnSpPr>
-            <a:stCxn id="7" idx="3"/>
-            <a:endCxn id="8" idx="1"/>
+            <a:stCxn id="10246" idx="3"/>
+            <a:endCxn id="10247" idx="1"/>
           </p:cNvCxnSpPr>
           <p:nvPr/>
         </p:nvCxnSpPr>
         <p:spPr>
           <a:xfrm>
-            <a:off x="7972932" y="3142179"/>
-            <a:ext cx="1149637" cy="0"/>
+            <a:off x="7972425" y="3141663"/>
+            <a:ext cx="1150938" cy="0"/>
           </a:xfrm>
           <a:prstGeom prst="straightConnector1">
             <a:avLst/>
@@ -5593,11 +9538,6 @@
         </p:style>
       </p:cxnSp>
     </p:spTree>
-    <p:extLst>
-      <p:ext uri="{BB962C8B-B14F-4D97-AF65-F5344CB8AC3E}">
-        <p14:creationId xmlns:p14="http://schemas.microsoft.com/office/powerpoint/2010/main" val="1427603933"/>
-      </p:ext>
-    </p:extLst>
   </p:cSld>
   <p:clrMapOvr>
     <a:masterClrMapping/>
